--- a/docs/work_flow.pptx
+++ b/docs/work_flow.pptx
@@ -5,14 +5,19 @@
     <p:sldMasterId id="2147483648" r:id="rId1"/>
   </p:sldMasterIdLst>
   <p:notesMasterIdLst>
-    <p:notesMasterId r:id="rId7"/>
+    <p:notesMasterId r:id="rId12"/>
   </p:notesMasterIdLst>
   <p:sldIdLst>
-    <p:sldId id="260" r:id="rId2"/>
-    <p:sldId id="266" r:id="rId3"/>
-    <p:sldId id="263" r:id="rId4"/>
-    <p:sldId id="264" r:id="rId5"/>
-    <p:sldId id="265" r:id="rId6"/>
+    <p:sldId id="267" r:id="rId2"/>
+    <p:sldId id="268" r:id="rId3"/>
+    <p:sldId id="260" r:id="rId4"/>
+    <p:sldId id="266" r:id="rId5"/>
+    <p:sldId id="269" r:id="rId6"/>
+    <p:sldId id="270" r:id="rId7"/>
+    <p:sldId id="271" r:id="rId8"/>
+    <p:sldId id="263" r:id="rId9"/>
+    <p:sldId id="264" r:id="rId10"/>
+    <p:sldId id="265" r:id="rId11"/>
   </p:sldIdLst>
   <p:sldSz cx="13004800" cy="9753600"/>
   <p:notesSz cx="6858000" cy="9144000"/>
@@ -281,6 +286,427 @@
     </a:lvl9pPr>
   </p:notesStyle>
 </p:notesMaster>
+</file>
+
+<file path=ppt/notesSlides/notesSlide1.xml><?xml version="1.0" encoding="utf-8"?>
+<p:notes xmlns:a="http://schemas.openxmlformats.org/drawingml/2006/main" xmlns:r="http://schemas.openxmlformats.org/officeDocument/2006/relationships" xmlns:p="http://schemas.openxmlformats.org/presentationml/2006/main">
+  <p:cSld>
+    <p:spTree>
+      <p:nvGrpSpPr>
+        <p:cNvPr id="1" name=""/>
+        <p:cNvGrpSpPr/>
+        <p:nvPr/>
+      </p:nvGrpSpPr>
+      <p:grpSpPr>
+        <a:xfrm>
+          <a:off x="0" y="0"/>
+          <a:ext cx="0" cy="0"/>
+          <a:chOff x="0" y="0"/>
+          <a:chExt cx="0" cy="0"/>
+        </a:xfrm>
+      </p:grpSpPr>
+      <p:sp>
+        <p:nvSpPr>
+          <p:cNvPr id="2" name="Slide Image Placeholder 1"/>
+          <p:cNvSpPr>
+            <a:spLocks noGrp="1" noRot="1" noChangeAspect="1"/>
+          </p:cNvSpPr>
+          <p:nvPr>
+            <p:ph type="sldImg"/>
+          </p:nvPr>
+        </p:nvSpPr>
+        <p:spPr/>
+      </p:sp>
+      <p:sp>
+        <p:nvSpPr>
+          <p:cNvPr id="3" name="Notes Placeholder 2"/>
+          <p:cNvSpPr>
+            <a:spLocks noGrp="1"/>
+          </p:cNvSpPr>
+          <p:nvPr>
+            <p:ph type="body" idx="1"/>
+          </p:nvPr>
+        </p:nvSpPr>
+        <p:spPr/>
+        <p:txBody>
+          <a:bodyPr/>
+          <a:lstStyle/>
+          <a:p>
+            <a:r>
+              <a:rPr lang="en-US" dirty="0" smtClean="0"/>
+              <a:t>I have developed a </a:t>
+            </a:r>
+            <a:r>
+              <a:rPr lang="en-US" dirty="0" err="1" smtClean="0"/>
+              <a:t>Sketchup</a:t>
+            </a:r>
+            <a:r>
+              <a:rPr lang="en-US" dirty="0" smtClean="0"/>
+              <a:t> plugin that can help us build the motion dataset. You can get it from my </a:t>
+            </a:r>
+            <a:r>
+              <a:rPr lang="en-US" dirty="0" err="1" smtClean="0"/>
+              <a:t>github</a:t>
+            </a:r>
+            <a:r>
+              <a:rPr lang="en-US" dirty="0" smtClean="0"/>
+              <a:t> account. And Here is the link to the repository. </a:t>
+            </a:r>
+          </a:p>
+          <a:p>
+            <a:endParaRPr lang="en-US" dirty="0" smtClean="0"/>
+          </a:p>
+          <a:p>
+            <a:r>
+              <a:rPr lang="en-US" dirty="0" smtClean="0"/>
+              <a:t>I only test it on MAC with </a:t>
+            </a:r>
+            <a:r>
+              <a:rPr lang="en-US" dirty="0" err="1" smtClean="0"/>
+              <a:t>Sketchup</a:t>
+            </a:r>
+            <a:r>
+              <a:rPr lang="en-US" dirty="0" smtClean="0"/>
+              <a:t> 2013. Most parts should be able to work on windows or other </a:t>
+            </a:r>
+            <a:r>
+              <a:rPr lang="en-US" dirty="0" err="1" smtClean="0"/>
+              <a:t>sketchup</a:t>
+            </a:r>
+            <a:r>
+              <a:rPr lang="en-US" dirty="0" smtClean="0"/>
+              <a:t> version. But I haven't test it. And at least, I know in the scripts under this "cli" folder, 'cli' stands for command line interface, I use some MAC-Special commands. So don't surprise, if it doesn't work on windows. Of course, it would be appreciated if you guys can make it work on windows and other </a:t>
+            </a:r>
+            <a:r>
+              <a:rPr lang="en-US" dirty="0" err="1" smtClean="0"/>
+              <a:t>sketchup</a:t>
+            </a:r>
+            <a:r>
+              <a:rPr lang="en-US" dirty="0" smtClean="0"/>
+              <a:t> version.</a:t>
+            </a:r>
+          </a:p>
+          <a:p>
+            <a:endParaRPr lang="en-US" dirty="0" smtClean="0"/>
+          </a:p>
+          <a:p>
+            <a:r>
+              <a:rPr lang="en-US" dirty="0" smtClean="0"/>
+              <a:t>I hope the folder's name has explains what it is. For example, "</a:t>
+            </a:r>
+            <a:r>
+              <a:rPr lang="en-US" dirty="0" err="1" smtClean="0"/>
+              <a:t>src</a:t>
+            </a:r>
+            <a:r>
+              <a:rPr lang="en-US" dirty="0" smtClean="0"/>
+              <a:t>" folder contains the source codes. the "docs" folder contains the documents. And the "example" is an example to show how to generate the image sequences using this plugin. More detailed descriptions can be found in this file "</a:t>
+            </a:r>
+            <a:r>
+              <a:rPr lang="en-US" dirty="0" err="1" smtClean="0"/>
+              <a:t>content.txt</a:t>
+            </a:r>
+            <a:r>
+              <a:rPr lang="en-US" dirty="0" smtClean="0"/>
+              <a:t>". By the way, you can find how to install this plugin, how to run the example from the "readme" file.</a:t>
+            </a:r>
+            <a:endParaRPr lang="en-US" dirty="0"/>
+          </a:p>
+        </p:txBody>
+      </p:sp>
+    </p:spTree>
+    <p:extLst>
+      <p:ext uri="{BB962C8B-B14F-4D97-AF65-F5344CB8AC3E}">
+        <p14:creationId xmlns:p14="http://schemas.microsoft.com/office/powerpoint/2010/main" val="3018804396"/>
+      </p:ext>
+    </p:extLst>
+  </p:cSld>
+  <p:clrMapOvr>
+    <a:masterClrMapping/>
+  </p:clrMapOvr>
+</p:notes>
+</file>
+
+<file path=ppt/notesSlides/notesSlide2.xml><?xml version="1.0" encoding="utf-8"?>
+<p:notes xmlns:a="http://schemas.openxmlformats.org/drawingml/2006/main" xmlns:r="http://schemas.openxmlformats.org/officeDocument/2006/relationships" xmlns:p="http://schemas.openxmlformats.org/presentationml/2006/main">
+  <p:cSld>
+    <p:spTree>
+      <p:nvGrpSpPr>
+        <p:cNvPr id="1" name=""/>
+        <p:cNvGrpSpPr/>
+        <p:nvPr/>
+      </p:nvGrpSpPr>
+      <p:grpSpPr>
+        <a:xfrm>
+          <a:off x="0" y="0"/>
+          <a:ext cx="0" cy="0"/>
+          <a:chOff x="0" y="0"/>
+          <a:chExt cx="0" cy="0"/>
+        </a:xfrm>
+      </p:grpSpPr>
+      <p:sp>
+        <p:nvSpPr>
+          <p:cNvPr id="2" name="Slide Image Placeholder 1"/>
+          <p:cNvSpPr>
+            <a:spLocks noGrp="1" noRot="1" noChangeAspect="1"/>
+          </p:cNvSpPr>
+          <p:nvPr>
+            <p:ph type="sldImg"/>
+          </p:nvPr>
+        </p:nvSpPr>
+        <p:spPr/>
+      </p:sp>
+      <p:sp>
+        <p:nvSpPr>
+          <p:cNvPr id="3" name="Notes Placeholder 2"/>
+          <p:cNvSpPr>
+            <a:spLocks noGrp="1"/>
+          </p:cNvSpPr>
+          <p:nvPr>
+            <p:ph type="body" idx="1"/>
+          </p:nvPr>
+        </p:nvSpPr>
+        <p:spPr/>
+        <p:txBody>
+          <a:bodyPr/>
+          <a:lstStyle/>
+          <a:p>
+            <a:r>
+              <a:rPr lang="en-US" dirty="0" smtClean="0"/>
+              <a:t>Maybe the source code is more complex than you expect. But the internal work flow is not so complex. By and large, I separate the whole process into three steps. </a:t>
+            </a:r>
+            <a:endParaRPr lang="en-US" dirty="0"/>
+          </a:p>
+        </p:txBody>
+      </p:sp>
+    </p:spTree>
+    <p:extLst>
+      <p:ext uri="{BB962C8B-B14F-4D97-AF65-F5344CB8AC3E}">
+        <p14:creationId xmlns:p14="http://schemas.microsoft.com/office/powerpoint/2010/main" val="3552244461"/>
+      </p:ext>
+    </p:extLst>
+  </p:cSld>
+  <p:clrMapOvr>
+    <a:masterClrMapping/>
+  </p:clrMapOvr>
+</p:notes>
+</file>
+
+<file path=ppt/notesSlides/notesSlide3.xml><?xml version="1.0" encoding="utf-8"?>
+<p:notes xmlns:a="http://schemas.openxmlformats.org/drawingml/2006/main" xmlns:r="http://schemas.openxmlformats.org/officeDocument/2006/relationships" xmlns:p="http://schemas.openxmlformats.org/presentationml/2006/main">
+  <p:cSld>
+    <p:spTree>
+      <p:nvGrpSpPr>
+        <p:cNvPr id="1" name=""/>
+        <p:cNvGrpSpPr/>
+        <p:nvPr/>
+      </p:nvGrpSpPr>
+      <p:grpSpPr>
+        <a:xfrm>
+          <a:off x="0" y="0"/>
+          <a:ext cx="0" cy="0"/>
+          <a:chOff x="0" y="0"/>
+          <a:chExt cx="0" cy="0"/>
+        </a:xfrm>
+      </p:grpSpPr>
+      <p:sp>
+        <p:nvSpPr>
+          <p:cNvPr id="2" name="Slide Image Placeholder 1"/>
+          <p:cNvSpPr>
+            <a:spLocks noGrp="1" noRot="1" noChangeAspect="1"/>
+          </p:cNvSpPr>
+          <p:nvPr>
+            <p:ph type="sldImg"/>
+          </p:nvPr>
+        </p:nvSpPr>
+        <p:spPr/>
+      </p:sp>
+      <p:sp>
+        <p:nvSpPr>
+          <p:cNvPr id="3" name="Notes Placeholder 2"/>
+          <p:cNvSpPr>
+            <a:spLocks noGrp="1"/>
+          </p:cNvSpPr>
+          <p:nvPr>
+            <p:ph type="body" idx="1"/>
+          </p:nvPr>
+        </p:nvSpPr>
+        <p:spPr/>
+        <p:txBody>
+          <a:bodyPr/>
+          <a:lstStyle/>
+          <a:p>
+            <a:endParaRPr lang="en-US" dirty="0" smtClean="0"/>
+          </a:p>
+          <a:p>
+            <a:r>
+              <a:rPr lang="en-US" dirty="0" smtClean="0"/>
+              <a:t>First, we need to set-up the camera. Then, we generate the trajectories based on the camera setting. Finally, taking the model and camera trajectories, we can render the image sequences. I will explain them step by step. Next I will explain them step by step. </a:t>
+            </a:r>
+            <a:endParaRPr lang="en-US" dirty="0"/>
+          </a:p>
+        </p:txBody>
+      </p:sp>
+    </p:spTree>
+    <p:extLst>
+      <p:ext uri="{BB962C8B-B14F-4D97-AF65-F5344CB8AC3E}">
+        <p14:creationId xmlns:p14="http://schemas.microsoft.com/office/powerpoint/2010/main" val="4258474497"/>
+      </p:ext>
+    </p:extLst>
+  </p:cSld>
+  <p:clrMapOvr>
+    <a:masterClrMapping/>
+  </p:clrMapOvr>
+</p:notes>
+</file>
+
+<file path=ppt/notesSlides/notesSlide4.xml><?xml version="1.0" encoding="utf-8"?>
+<p:notes xmlns:a="http://schemas.openxmlformats.org/drawingml/2006/main" xmlns:r="http://schemas.openxmlformats.org/officeDocument/2006/relationships" xmlns:p="http://schemas.openxmlformats.org/presentationml/2006/main">
+  <p:cSld>
+    <p:spTree>
+      <p:nvGrpSpPr>
+        <p:cNvPr id="1" name=""/>
+        <p:cNvGrpSpPr/>
+        <p:nvPr/>
+      </p:nvGrpSpPr>
+      <p:grpSpPr>
+        <a:xfrm>
+          <a:off x="0" y="0"/>
+          <a:ext cx="0" cy="0"/>
+          <a:chOff x="0" y="0"/>
+          <a:chExt cx="0" cy="0"/>
+        </a:xfrm>
+      </p:grpSpPr>
+      <p:sp>
+        <p:nvSpPr>
+          <p:cNvPr id="2" name="Slide Image Placeholder 1"/>
+          <p:cNvSpPr>
+            <a:spLocks noGrp="1" noRot="1" noChangeAspect="1"/>
+          </p:cNvSpPr>
+          <p:nvPr>
+            <p:ph type="sldImg"/>
+          </p:nvPr>
+        </p:nvSpPr>
+        <p:spPr/>
+      </p:sp>
+      <p:sp>
+        <p:nvSpPr>
+          <p:cNvPr id="3" name="Notes Placeholder 2"/>
+          <p:cNvSpPr>
+            <a:spLocks noGrp="1"/>
+          </p:cNvSpPr>
+          <p:nvPr>
+            <p:ph type="body" idx="1"/>
+          </p:nvPr>
+        </p:nvSpPr>
+        <p:spPr/>
+        <p:txBody>
+          <a:bodyPr/>
+          <a:lstStyle/>
+          <a:p>
+            <a:endParaRPr lang="en-US" dirty="0" smtClean="0"/>
+          </a:p>
+          <a:p>
+            <a:r>
+              <a:rPr lang="en-US" dirty="0" smtClean="0"/>
+              <a:t>Basically we have two ways to set up the camera. One way is to setup it by hand using the annotation tool. This is how we handle the 3D models collected from the website. I think, you guys have watch this video before. Right? The second way is for the object-level scene. I developed a tool, I call it assembler, that can </a:t>
+            </a:r>
+            <a:r>
+              <a:rPr lang="en-US" dirty="0" err="1" smtClean="0"/>
+              <a:t>automatcially</a:t>
+            </a:r>
+            <a:r>
+              <a:rPr lang="en-US" dirty="0" smtClean="0"/>
+              <a:t> assemble </a:t>
+            </a:r>
+            <a:r>
+              <a:rPr lang="en-US" dirty="0" err="1" smtClean="0"/>
+              <a:t>differrent</a:t>
+            </a:r>
+            <a:r>
+              <a:rPr lang="en-US" dirty="0" smtClean="0"/>
+              <a:t> objects in to a pre-set scene. Here, I call it studio. For this kind of scene, the tool can automatically set up the camera and the focal points. </a:t>
+            </a:r>
+            <a:endParaRPr lang="en-US" dirty="0"/>
+          </a:p>
+        </p:txBody>
+      </p:sp>
+    </p:spTree>
+    <p:extLst>
+      <p:ext uri="{BB962C8B-B14F-4D97-AF65-F5344CB8AC3E}">
+        <p14:creationId xmlns:p14="http://schemas.microsoft.com/office/powerpoint/2010/main" val="882300102"/>
+      </p:ext>
+    </p:extLst>
+  </p:cSld>
+  <p:clrMapOvr>
+    <a:masterClrMapping/>
+  </p:clrMapOvr>
+</p:notes>
+</file>
+
+<file path=ppt/notesSlides/notesSlide5.xml><?xml version="1.0" encoding="utf-8"?>
+<p:notes xmlns:a="http://schemas.openxmlformats.org/drawingml/2006/main" xmlns:r="http://schemas.openxmlformats.org/officeDocument/2006/relationships" xmlns:p="http://schemas.openxmlformats.org/presentationml/2006/main">
+  <p:cSld>
+    <p:spTree>
+      <p:nvGrpSpPr>
+        <p:cNvPr id="1" name=""/>
+        <p:cNvGrpSpPr/>
+        <p:nvPr/>
+      </p:nvGrpSpPr>
+      <p:grpSpPr>
+        <a:xfrm>
+          <a:off x="0" y="0"/>
+          <a:ext cx="0" cy="0"/>
+          <a:chOff x="0" y="0"/>
+          <a:chExt cx="0" cy="0"/>
+        </a:xfrm>
+      </p:grpSpPr>
+      <p:sp>
+        <p:nvSpPr>
+          <p:cNvPr id="2" name="Slide Image Placeholder 1"/>
+          <p:cNvSpPr>
+            <a:spLocks noGrp="1" noRot="1" noChangeAspect="1"/>
+          </p:cNvSpPr>
+          <p:nvPr>
+            <p:ph type="sldImg"/>
+          </p:nvPr>
+        </p:nvSpPr>
+        <p:spPr/>
+      </p:sp>
+      <p:sp>
+        <p:nvSpPr>
+          <p:cNvPr id="3" name="Notes Placeholder 2"/>
+          <p:cNvSpPr>
+            <a:spLocks noGrp="1"/>
+          </p:cNvSpPr>
+          <p:nvPr>
+            <p:ph type="body" idx="1"/>
+          </p:nvPr>
+        </p:nvSpPr>
+        <p:spPr/>
+        <p:txBody>
+          <a:bodyPr/>
+          <a:lstStyle/>
+          <a:p>
+            <a:r>
+              <a:rPr lang="en-US" dirty="0" smtClean="0"/>
+              <a:t>No matter how we get the camera-target-setting, after that, we can move to the second step, "generate the trajectory". </a:t>
+            </a:r>
+            <a:endParaRPr lang="en-US" dirty="0"/>
+          </a:p>
+        </p:txBody>
+      </p:sp>
+    </p:spTree>
+    <p:extLst>
+      <p:ext uri="{BB962C8B-B14F-4D97-AF65-F5344CB8AC3E}">
+        <p14:creationId xmlns:p14="http://schemas.microsoft.com/office/powerpoint/2010/main" val="3776519005"/>
+      </p:ext>
+    </p:extLst>
+  </p:cSld>
+  <p:clrMapOvr>
+    <a:masterClrMapping/>
+  </p:clrMapOvr>
+</p:notes>
 </file>
 
 <file path=ppt/slideLayouts/slideLayout1.xml><?xml version="1.0" encoding="utf-8"?>
@@ -1639,6 +2065,896 @@
       </p:grpSpPr>
       <p:sp>
         <p:nvSpPr>
+          <p:cNvPr id="2" name="Title 1"/>
+          <p:cNvSpPr>
+            <a:spLocks noGrp="1"/>
+          </p:cNvSpPr>
+          <p:nvPr>
+            <p:ph type="title"/>
+          </p:nvPr>
+        </p:nvSpPr>
+        <p:spPr/>
+        <p:txBody>
+          <a:bodyPr/>
+          <a:lstStyle/>
+          <a:p>
+            <a:endParaRPr lang="en-US"/>
+          </a:p>
+        </p:txBody>
+      </p:sp>
+      <p:pic>
+        <p:nvPicPr>
+          <p:cNvPr id="4" name="Picture 3">
+            <a:hlinkClick r:id="rId3"/>
+          </p:cNvPr>
+          <p:cNvPicPr>
+            <a:picLocks noChangeAspect="1"/>
+          </p:cNvPicPr>
+          <p:nvPr/>
+        </p:nvPicPr>
+        <p:blipFill>
+          <a:blip r:embed="rId4"/>
+          <a:stretch>
+            <a:fillRect/>
+          </a:stretch>
+        </p:blipFill>
+        <p:spPr>
+          <a:xfrm>
+            <a:off x="0" y="874702"/>
+            <a:ext cx="13004800" cy="8950873"/>
+          </a:xfrm>
+          <a:prstGeom prst="rect">
+            <a:avLst/>
+          </a:prstGeom>
+        </p:spPr>
+      </p:pic>
+      <p:grpSp>
+        <p:nvGrpSpPr>
+          <p:cNvPr id="8" name="Group 7"/>
+          <p:cNvGrpSpPr/>
+          <p:nvPr/>
+        </p:nvGrpSpPr>
+        <p:grpSpPr>
+          <a:xfrm>
+            <a:off x="0" y="189769"/>
+            <a:ext cx="13004800" cy="785090"/>
+            <a:chOff x="641420" y="8848254"/>
+            <a:chExt cx="11378800" cy="785090"/>
+          </a:xfrm>
+        </p:grpSpPr>
+        <p:sp>
+          <p:nvSpPr>
+            <p:cNvPr id="7" name="Rounded Rectangle 6"/>
+            <p:cNvSpPr/>
+            <p:nvPr/>
+          </p:nvSpPr>
+          <p:spPr>
+            <a:xfrm>
+              <a:off x="641420" y="8848254"/>
+              <a:ext cx="11378800" cy="785090"/>
+            </a:xfrm>
+            <a:prstGeom prst="roundRect">
+              <a:avLst/>
+            </a:prstGeom>
+            <a:ln/>
+          </p:spPr>
+          <p:style>
+            <a:lnRef idx="0">
+              <a:schemeClr val="accent4"/>
+            </a:lnRef>
+            <a:fillRef idx="3">
+              <a:schemeClr val="accent4"/>
+            </a:fillRef>
+            <a:effectRef idx="3">
+              <a:schemeClr val="accent4"/>
+            </a:effectRef>
+            <a:fontRef idx="minor">
+              <a:schemeClr val="lt1"/>
+            </a:fontRef>
+          </p:style>
+          <p:txBody>
+            <a:bodyPr rot="0" spcFirstLastPara="1" vertOverflow="overflow" horzOverflow="overflow" vert="horz" wrap="square" lIns="50800" tIns="50800" rIns="50800" bIns="50800" numCol="1" spcCol="38100" rtlCol="0" anchor="ctr">
+              <a:spAutoFit/>
+            </a:bodyPr>
+            <a:lstStyle/>
+            <a:p>
+              <a:pPr marL="0" marR="0" indent="0" algn="ctr" defTabSz="584200" rtl="0" fontAlgn="auto" latinLnBrk="1" hangingPunct="0">
+                <a:lnSpc>
+                  <a:spcPct val="100000"/>
+                </a:lnSpc>
+                <a:spcBef>
+                  <a:spcPts val="0"/>
+                </a:spcBef>
+                <a:spcAft>
+                  <a:spcPts val="0"/>
+                </a:spcAft>
+                <a:buClrTx/>
+                <a:buSzTx/>
+                <a:buFontTx/>
+                <a:buNone/>
+                <a:tabLst/>
+              </a:pPr>
+              <a:endParaRPr kumimoji="0" lang="en-US" sz="2400" b="0" i="0" u="none" strike="noStrike" cap="none" spc="0" normalizeH="0" baseline="0">
+                <a:ln>
+                  <a:noFill/>
+                </a:ln>
+                <a:solidFill>
+                  <a:srgbClr val="FFFFFF"/>
+                </a:solidFill>
+                <a:effectLst/>
+                <a:uFillTx/>
+                <a:latin typeface="+mn-lt"/>
+                <a:ea typeface="+mn-ea"/>
+                <a:cs typeface="+mn-cs"/>
+                <a:sym typeface="Helvetica Light"/>
+              </a:endParaRPr>
+            </a:p>
+          </p:txBody>
+        </p:sp>
+        <p:sp>
+          <p:nvSpPr>
+            <p:cNvPr id="6" name="Rectangle 5"/>
+            <p:cNvSpPr/>
+            <p:nvPr/>
+          </p:nvSpPr>
+          <p:spPr>
+            <a:xfrm>
+              <a:off x="1633618" y="8948411"/>
+              <a:ext cx="9394405" cy="584776"/>
+            </a:xfrm>
+            <a:prstGeom prst="rect">
+              <a:avLst/>
+            </a:prstGeom>
+          </p:spPr>
+          <p:txBody>
+            <a:bodyPr wrap="square">
+              <a:spAutoFit/>
+            </a:bodyPr>
+            <a:lstStyle/>
+            <a:p>
+              <a:r>
+                <a:rPr lang="en-US" sz="3200" dirty="0" smtClean="0">
+                  <a:solidFill>
+                    <a:schemeClr val="bg1"/>
+                  </a:solidFill>
+                  <a:latin typeface="Chalkboard"/>
+                  <a:cs typeface="Chalkboard"/>
+                </a:rPr>
+                <a:t>https://</a:t>
+              </a:r>
+              <a:r>
+                <a:rPr lang="en-US" sz="3200" dirty="0" err="1" smtClean="0">
+                  <a:solidFill>
+                    <a:schemeClr val="bg1"/>
+                  </a:solidFill>
+                  <a:latin typeface="Chalkboard"/>
+                  <a:cs typeface="Chalkboard"/>
+                </a:rPr>
+                <a:t>github.com</a:t>
+              </a:r>
+              <a:r>
+                <a:rPr lang="en-US" sz="3200" dirty="0" smtClean="0">
+                  <a:solidFill>
+                    <a:schemeClr val="bg1"/>
+                  </a:solidFill>
+                  <a:latin typeface="Chalkboard"/>
+                  <a:cs typeface="Chalkboard"/>
+                </a:rPr>
+                <a:t>/jxc761/3DMotionDB.git</a:t>
+              </a:r>
+              <a:endParaRPr lang="en-US" sz="3200" dirty="0">
+                <a:solidFill>
+                  <a:schemeClr val="bg1"/>
+                </a:solidFill>
+                <a:latin typeface="Chalkboard"/>
+                <a:cs typeface="Chalkboard"/>
+              </a:endParaRPr>
+            </a:p>
+          </p:txBody>
+        </p:sp>
+      </p:grpSp>
+      <p:sp>
+        <p:nvSpPr>
+          <p:cNvPr id="9" name="Rectangle 8"/>
+          <p:cNvSpPr/>
+          <p:nvPr/>
+        </p:nvSpPr>
+        <p:spPr>
+          <a:xfrm>
+            <a:off x="564449" y="8799565"/>
+            <a:ext cx="9813734" cy="564404"/>
+          </a:xfrm>
+          <a:prstGeom prst="rect">
+            <a:avLst/>
+          </a:prstGeom>
+          <a:noFill/>
+          <a:ln/>
+        </p:spPr>
+        <p:style>
+          <a:lnRef idx="2">
+            <a:schemeClr val="accent4"/>
+          </a:lnRef>
+          <a:fillRef idx="1">
+            <a:schemeClr val="lt1"/>
+          </a:fillRef>
+          <a:effectRef idx="0">
+            <a:schemeClr val="accent4"/>
+          </a:effectRef>
+          <a:fontRef idx="minor">
+            <a:schemeClr val="dk1"/>
+          </a:fontRef>
+        </p:style>
+        <p:txBody>
+          <a:bodyPr rot="0" spcFirstLastPara="1" vertOverflow="overflow" horzOverflow="overflow" vert="horz" wrap="square" lIns="50800" tIns="50800" rIns="50800" bIns="50800" numCol="1" spcCol="38100" rtlCol="0" anchor="ctr">
+            <a:spAutoFit/>
+          </a:bodyPr>
+          <a:lstStyle/>
+          <a:p>
+            <a:pPr marL="0" marR="0" indent="0" algn="ctr" defTabSz="584200" rtl="0" fontAlgn="auto" latinLnBrk="1" hangingPunct="0">
+              <a:lnSpc>
+                <a:spcPct val="100000"/>
+              </a:lnSpc>
+              <a:spcBef>
+                <a:spcPts val="0"/>
+              </a:spcBef>
+              <a:spcAft>
+                <a:spcPts val="0"/>
+              </a:spcAft>
+              <a:buClrTx/>
+              <a:buSzTx/>
+              <a:buFontTx/>
+              <a:buNone/>
+              <a:tabLst/>
+            </a:pPr>
+            <a:endParaRPr kumimoji="0" lang="en-US" sz="2400" b="0" i="0" u="none" strike="noStrike" cap="none" spc="0" normalizeH="0" baseline="0">
+              <a:ln>
+                <a:noFill/>
+              </a:ln>
+              <a:solidFill>
+                <a:srgbClr val="FFFFFF"/>
+              </a:solidFill>
+              <a:effectLst/>
+              <a:uFillTx/>
+              <a:latin typeface="+mn-lt"/>
+              <a:ea typeface="+mn-ea"/>
+              <a:cs typeface="+mn-cs"/>
+              <a:sym typeface="Helvetica Light"/>
+            </a:endParaRPr>
+          </a:p>
+        </p:txBody>
+      </p:sp>
+    </p:spTree>
+    <p:extLst>
+      <p:ext uri="{BB962C8B-B14F-4D97-AF65-F5344CB8AC3E}">
+        <p14:creationId xmlns:p14="http://schemas.microsoft.com/office/powerpoint/2010/main" val="3703805530"/>
+      </p:ext>
+    </p:extLst>
+  </p:cSld>
+  <p:clrMapOvr>
+    <a:masterClrMapping/>
+  </p:clrMapOvr>
+  <p:transition xmlns:p14="http://schemas.microsoft.com/office/powerpoint/2010/main" spd="med"/>
+  <p:timing>
+    <p:tnLst>
+      <p:par>
+        <p:cTn xmlns:p14="http://schemas.microsoft.com/office/powerpoint/2010/main" id="1" dur="indefinite" restart="never" nodeType="tmRoot">
+          <p:childTnLst>
+            <p:seq concurrent="1" nextAc="seek">
+              <p:cTn id="2" dur="indefinite" nodeType="mainSeq">
+                <p:childTnLst>
+                  <p:par>
+                    <p:cTn id="3" fill="hold">
+                      <p:stCondLst>
+                        <p:cond delay="indefinite"/>
+                      </p:stCondLst>
+                      <p:childTnLst>
+                        <p:par>
+                          <p:cTn id="4" fill="hold">
+                            <p:stCondLst>
+                              <p:cond delay="0"/>
+                            </p:stCondLst>
+                            <p:childTnLst>
+                              <p:par>
+                                <p:cTn id="5" presetID="1" presetClass="entr" presetSubtype="0" fill="hold" grpId="0" nodeType="clickEffect">
+                                  <p:stCondLst>
+                                    <p:cond delay="0"/>
+                                  </p:stCondLst>
+                                  <p:childTnLst>
+                                    <p:set>
+                                      <p:cBhvr>
+                                        <p:cTn id="6" dur="1" fill="hold">
+                                          <p:stCondLst>
+                                            <p:cond delay="0"/>
+                                          </p:stCondLst>
+                                        </p:cTn>
+                                        <p:tgtEl>
+                                          <p:spTgt spid="9"/>
+                                        </p:tgtEl>
+                                        <p:attrNameLst>
+                                          <p:attrName>style.visibility</p:attrName>
+                                        </p:attrNameLst>
+                                      </p:cBhvr>
+                                      <p:to>
+                                        <p:strVal val="visible"/>
+                                      </p:to>
+                                    </p:set>
+                                  </p:childTnLst>
+                                </p:cTn>
+                              </p:par>
+                            </p:childTnLst>
+                          </p:cTn>
+                        </p:par>
+                      </p:childTnLst>
+                    </p:cTn>
+                  </p:par>
+                </p:childTnLst>
+              </p:cTn>
+              <p:prevCondLst>
+                <p:cond evt="onPrev" delay="0">
+                  <p:tgtEl>
+                    <p:sldTgt/>
+                  </p:tgtEl>
+                </p:cond>
+              </p:prevCondLst>
+              <p:nextCondLst>
+                <p:cond evt="onNext" delay="0">
+                  <p:tgtEl>
+                    <p:sldTgt/>
+                  </p:tgtEl>
+                </p:cond>
+              </p:nextCondLst>
+            </p:seq>
+          </p:childTnLst>
+        </p:cTn>
+      </p:par>
+    </p:tnLst>
+    <p:bldLst>
+      <p:bldP spid="9" grpId="0" animBg="1"/>
+    </p:bldLst>
+  </p:timing>
+</p:sld>
+</file>
+
+<file path=ppt/slides/slide10.xml><?xml version="1.0" encoding="utf-8"?>
+<p:sld xmlns:a="http://schemas.openxmlformats.org/drawingml/2006/main" xmlns:r="http://schemas.openxmlformats.org/officeDocument/2006/relationships" xmlns:p="http://schemas.openxmlformats.org/presentationml/2006/main">
+  <p:cSld>
+    <p:spTree>
+      <p:nvGrpSpPr>
+        <p:cNvPr id="1" name=""/>
+        <p:cNvGrpSpPr/>
+        <p:nvPr/>
+      </p:nvGrpSpPr>
+      <p:grpSpPr>
+        <a:xfrm>
+          <a:off x="0" y="0"/>
+          <a:ext cx="0" cy="0"/>
+          <a:chOff x="0" y="0"/>
+          <a:chExt cx="0" cy="0"/>
+        </a:xfrm>
+      </p:grpSpPr>
+      <p:sp>
+        <p:nvSpPr>
+          <p:cNvPr id="64" name="Shape 64"/>
+          <p:cNvSpPr>
+            <a:spLocks noGrp="1"/>
+          </p:cNvSpPr>
+          <p:nvPr>
+            <p:ph type="title"/>
+          </p:nvPr>
+        </p:nvSpPr>
+        <p:spPr>
+          <a:xfrm>
+            <a:off x="952500" y="444500"/>
+            <a:ext cx="8453967" cy="2159000"/>
+          </a:xfrm>
+          <a:prstGeom prst="rect">
+            <a:avLst/>
+          </a:prstGeom>
+        </p:spPr>
+        <p:txBody>
+          <a:bodyPr/>
+          <a:lstStyle/>
+          <a:p>
+            <a:pPr lvl="0">
+              <a:defRPr sz="1800"/>
+            </a:pPr>
+            <a:r>
+              <a:rPr sz="8000"/>
+              <a:t>JSON</a:t>
+            </a:r>
+          </a:p>
+        </p:txBody>
+      </p:sp>
+      <p:sp>
+        <p:nvSpPr>
+          <p:cNvPr id="65" name="Shape 65"/>
+          <p:cNvSpPr>
+            <a:spLocks noGrp="1"/>
+          </p:cNvSpPr>
+          <p:nvPr>
+            <p:ph type="body" idx="1"/>
+          </p:nvPr>
+        </p:nvSpPr>
+        <p:spPr>
+          <a:xfrm>
+            <a:off x="952500" y="2603500"/>
+            <a:ext cx="9690100" cy="6286500"/>
+          </a:xfrm>
+          <a:prstGeom prst="rect">
+            <a:avLst/>
+          </a:prstGeom>
+        </p:spPr>
+        <p:txBody>
+          <a:bodyPr/>
+          <a:lstStyle/>
+          <a:p>
+            <a:pPr marL="280034" lvl="0" indent="-280034" defTabSz="368045">
+              <a:spcBef>
+                <a:spcPts val="2600"/>
+              </a:spcBef>
+              <a:defRPr sz="1800"/>
+            </a:pPr>
+            <a:r>
+              <a:rPr sz="2268"/>
+              <a:t>XML vs. JSON vs. YAML</a:t>
+            </a:r>
+          </a:p>
+          <a:p>
+            <a:pPr marL="280034" lvl="0" indent="-280034" defTabSz="368045">
+              <a:spcBef>
+                <a:spcPts val="2600"/>
+              </a:spcBef>
+              <a:defRPr sz="1800"/>
+            </a:pPr>
+            <a:r>
+              <a:rPr sz="2268"/>
+              <a:t>JSON (JavaScript Object Notation) is a lightweight data-interchange format. </a:t>
+            </a:r>
+          </a:p>
+          <a:p>
+            <a:pPr marL="280034" lvl="0" indent="-280034" defTabSz="368045">
+              <a:spcBef>
+                <a:spcPts val="2600"/>
+              </a:spcBef>
+              <a:defRPr sz="1800"/>
+            </a:pPr>
+            <a:r>
+              <a:rPr sz="2268"/>
+              <a:t>It is easy for humans to read and write. It is easy for machines to parse and generate. </a:t>
+            </a:r>
+          </a:p>
+          <a:p>
+            <a:pPr marL="280034" lvl="0" indent="-280034" defTabSz="368045">
+              <a:spcBef>
+                <a:spcPts val="2600"/>
+              </a:spcBef>
+              <a:defRPr sz="1800"/>
+            </a:pPr>
+            <a:r>
+              <a:rPr sz="2268"/>
+              <a:t>JSON is built on two structures:</a:t>
+            </a:r>
+          </a:p>
+          <a:p>
+            <a:pPr marL="560069" lvl="1" indent="-280034" defTabSz="368045">
+              <a:spcBef>
+                <a:spcPts val="2600"/>
+              </a:spcBef>
+              <a:buChar char="-"/>
+              <a:defRPr sz="1800"/>
+            </a:pPr>
+            <a:r>
+              <a:rPr sz="2268"/>
+              <a:t>A collection of name/value pairs. In various languages, this is realized as an object, record, struct, dictionary, hash table, keyed list, or associative array.</a:t>
+            </a:r>
+          </a:p>
+          <a:p>
+            <a:pPr marL="560069" lvl="1" indent="-280034" defTabSz="368045">
+              <a:spcBef>
+                <a:spcPts val="2600"/>
+              </a:spcBef>
+              <a:buChar char="-"/>
+              <a:defRPr sz="1800"/>
+            </a:pPr>
+            <a:r>
+              <a:rPr sz="2268"/>
+              <a:t>An ordered list of values. In most languages, this is realized as an array, vector, list, or sequence.</a:t>
+            </a:r>
+          </a:p>
+          <a:p>
+            <a:pPr marL="280034" lvl="0" indent="-280034" defTabSz="368045">
+              <a:spcBef>
+                <a:spcPts val="2600"/>
+              </a:spcBef>
+              <a:defRPr sz="1800"/>
+            </a:pPr>
+            <a:r>
+              <a:rPr sz="2268"/>
+              <a:t>C, C++, C#, Java, JavaScript, Perl, Python, Ruby, Matlab</a:t>
+            </a:r>
+          </a:p>
+        </p:txBody>
+      </p:sp>
+      <p:pic>
+        <p:nvPicPr>
+          <p:cNvPr id="66" name="pasted-image-filtered.jpeg"/>
+          <p:cNvPicPr/>
+          <p:nvPr/>
+        </p:nvPicPr>
+        <p:blipFill>
+          <a:blip r:embed="rId2">
+            <a:extLst/>
+          </a:blip>
+          <a:srcRect/>
+          <a:stretch>
+            <a:fillRect/>
+          </a:stretch>
+        </p:blipFill>
+        <p:spPr>
+          <a:xfrm>
+            <a:off x="10775950" y="3257550"/>
+            <a:ext cx="2222500" cy="4978400"/>
+          </a:xfrm>
+          <a:prstGeom prst="rect">
+            <a:avLst/>
+          </a:prstGeom>
+          <a:ln w="12700">
+            <a:miter lim="400000"/>
+          </a:ln>
+        </p:spPr>
+      </p:pic>
+      <p:pic>
+        <p:nvPicPr>
+          <p:cNvPr id="67" name="pasted-image.png"/>
+          <p:cNvPicPr/>
+          <p:nvPr/>
+        </p:nvPicPr>
+        <p:blipFill>
+          <a:blip r:embed="rId3">
+            <a:extLst/>
+          </a:blip>
+          <a:stretch>
+            <a:fillRect/>
+          </a:stretch>
+        </p:blipFill>
+        <p:spPr>
+          <a:xfrm>
+            <a:off x="11021669" y="718701"/>
+            <a:ext cx="1136464" cy="1136465"/>
+          </a:xfrm>
+          <a:prstGeom prst="rect">
+            <a:avLst/>
+          </a:prstGeom>
+          <a:ln w="12700">
+            <a:miter lim="400000"/>
+          </a:ln>
+        </p:spPr>
+      </p:pic>
+      <p:sp>
+        <p:nvSpPr>
+          <p:cNvPr id="68" name="Shape 68"/>
+          <p:cNvSpPr/>
+          <p:nvPr/>
+        </p:nvSpPr>
+        <p:spPr>
+          <a:xfrm>
+            <a:off x="11175034" y="9235016"/>
+            <a:ext cx="1424332" cy="342901"/>
+          </a:xfrm>
+          <a:prstGeom prst="rect">
+            <a:avLst/>
+          </a:prstGeom>
+          <a:ln w="12700">
+            <a:miter lim="400000"/>
+          </a:ln>
+          <a:extLst>
+            <a:ext uri="{C572A759-6A51-4108-AA02-DFA0A04FC94B}">
+              <ma14:wrappingTextBoxFlag xmlns:ma14="http://schemas.microsoft.com/office/mac/drawingml/2011/main" val="1"/>
+            </a:ext>
+          </a:extLst>
+        </p:spPr>
+        <p:txBody>
+          <a:bodyPr wrap="none" lIns="50800" tIns="50800" rIns="50800" bIns="50800" anchor="ctr">
+            <a:spAutoFit/>
+          </a:bodyPr>
+          <a:lstStyle>
+            <a:lvl1pPr>
+              <a:defRPr sz="1600"/>
+            </a:lvl1pPr>
+          </a:lstStyle>
+          <a:p>
+            <a:pPr lvl="0">
+              <a:defRPr sz="1800"/>
+            </a:pPr>
+            <a:r>
+              <a:rPr sz="1600"/>
+              <a:t>http://json.org/</a:t>
+            </a:r>
+          </a:p>
+        </p:txBody>
+      </p:sp>
+      <p:sp>
+        <p:nvSpPr>
+          <p:cNvPr id="69" name="Shape 69"/>
+          <p:cNvSpPr/>
+          <p:nvPr/>
+        </p:nvSpPr>
+        <p:spPr>
+          <a:xfrm>
+            <a:off x="10608733" y="-347134"/>
+            <a:ext cx="2362201" cy="10652060"/>
+          </a:xfrm>
+          <a:prstGeom prst="rect">
+            <a:avLst/>
+          </a:prstGeom>
+          <a:ln w="63500">
+            <a:solidFill/>
+            <a:miter lim="400000"/>
+          </a:ln>
+          <a:effectLst>
+            <a:outerShdw blurRad="38100" dist="25400" dir="5400000" rotWithShape="0">
+              <a:srgbClr val="000000">
+                <a:alpha val="50000"/>
+              </a:srgbClr>
+            </a:outerShdw>
+          </a:effectLst>
+        </p:spPr>
+        <p:txBody>
+          <a:bodyPr lIns="0" tIns="0" rIns="0" bIns="0" anchor="ctr"/>
+          <a:lstStyle/>
+          <a:p>
+            <a:pPr lvl="0">
+              <a:defRPr sz="2400">
+                <a:solidFill>
+                  <a:srgbClr val="FFFFFF"/>
+                </a:solidFill>
+              </a:defRPr>
+            </a:pPr>
+            <a:endParaRPr/>
+          </a:p>
+        </p:txBody>
+      </p:sp>
+    </p:spTree>
+  </p:cSld>
+  <p:clrMapOvr>
+    <a:masterClrMapping/>
+  </p:clrMapOvr>
+  <p:transition xmlns:p14="http://schemas.microsoft.com/office/powerpoint/2010/main" spd="med"/>
+  <p:timing>
+    <p:tnLst>
+      <p:par>
+        <p:cTn xmlns:p14="http://schemas.microsoft.com/office/powerpoint/2010/main" id="1" dur="indefinite" restart="never" nodeType="tmRoot"/>
+      </p:par>
+    </p:tnLst>
+  </p:timing>
+</p:sld>
+</file>
+
+<file path=ppt/slides/slide2.xml><?xml version="1.0" encoding="utf-8"?>
+<p:sld xmlns:a="http://schemas.openxmlformats.org/drawingml/2006/main" xmlns:r="http://schemas.openxmlformats.org/officeDocument/2006/relationships" xmlns:p="http://schemas.openxmlformats.org/presentationml/2006/main">
+  <p:cSld>
+    <p:spTree>
+      <p:nvGrpSpPr>
+        <p:cNvPr id="1" name=""/>
+        <p:cNvGrpSpPr/>
+        <p:nvPr/>
+      </p:nvGrpSpPr>
+      <p:grpSpPr>
+        <a:xfrm>
+          <a:off x="0" y="0"/>
+          <a:ext cx="0" cy="0"/>
+          <a:chOff x="0" y="0"/>
+          <a:chExt cx="0" cy="0"/>
+        </a:xfrm>
+      </p:grpSpPr>
+      <p:pic>
+        <p:nvPicPr>
+          <p:cNvPr id="3" name="Picture 2"/>
+          <p:cNvPicPr>
+            <a:picLocks noChangeAspect="1"/>
+          </p:cNvPicPr>
+          <p:nvPr/>
+        </p:nvPicPr>
+        <p:blipFill rotWithShape="1">
+          <a:blip r:embed="rId3"/>
+          <a:srcRect t="8717"/>
+          <a:stretch/>
+        </p:blipFill>
+        <p:spPr>
+          <a:xfrm>
+            <a:off x="127128" y="1346872"/>
+            <a:ext cx="12776200" cy="8358468"/>
+          </a:xfrm>
+          <a:prstGeom prst="rect">
+            <a:avLst/>
+          </a:prstGeom>
+        </p:spPr>
+      </p:pic>
+      <p:grpSp>
+        <p:nvGrpSpPr>
+          <p:cNvPr id="8" name="Group 7"/>
+          <p:cNvGrpSpPr/>
+          <p:nvPr/>
+        </p:nvGrpSpPr>
+        <p:grpSpPr>
+          <a:xfrm>
+            <a:off x="0" y="189769"/>
+            <a:ext cx="13004800" cy="785090"/>
+            <a:chOff x="641420" y="8848254"/>
+            <a:chExt cx="11378800" cy="785090"/>
+          </a:xfrm>
+        </p:grpSpPr>
+        <p:sp>
+          <p:nvSpPr>
+            <p:cNvPr id="7" name="Rounded Rectangle 6"/>
+            <p:cNvSpPr/>
+            <p:nvPr/>
+          </p:nvSpPr>
+          <p:spPr>
+            <a:xfrm>
+              <a:off x="641420" y="8848254"/>
+              <a:ext cx="11378800" cy="785090"/>
+            </a:xfrm>
+            <a:prstGeom prst="roundRect">
+              <a:avLst/>
+            </a:prstGeom>
+            <a:ln/>
+          </p:spPr>
+          <p:style>
+            <a:lnRef idx="0">
+              <a:schemeClr val="accent4"/>
+            </a:lnRef>
+            <a:fillRef idx="3">
+              <a:schemeClr val="accent4"/>
+            </a:fillRef>
+            <a:effectRef idx="3">
+              <a:schemeClr val="accent4"/>
+            </a:effectRef>
+            <a:fontRef idx="minor">
+              <a:schemeClr val="lt1"/>
+            </a:fontRef>
+          </p:style>
+          <p:txBody>
+            <a:bodyPr rot="0" spcFirstLastPara="1" vertOverflow="overflow" horzOverflow="overflow" vert="horz" wrap="square" lIns="50800" tIns="50800" rIns="50800" bIns="50800" numCol="1" spcCol="38100" rtlCol="0" anchor="ctr">
+              <a:spAutoFit/>
+            </a:bodyPr>
+            <a:lstStyle/>
+            <a:p>
+              <a:pPr marL="0" marR="0" indent="0" algn="ctr" defTabSz="584200" rtl="0" fontAlgn="auto" latinLnBrk="1" hangingPunct="0">
+                <a:lnSpc>
+                  <a:spcPct val="100000"/>
+                </a:lnSpc>
+                <a:spcBef>
+                  <a:spcPts val="0"/>
+                </a:spcBef>
+                <a:spcAft>
+                  <a:spcPts val="0"/>
+                </a:spcAft>
+                <a:buClrTx/>
+                <a:buSzTx/>
+                <a:buFontTx/>
+                <a:buNone/>
+                <a:tabLst/>
+              </a:pPr>
+              <a:endParaRPr kumimoji="0" lang="en-US" sz="2400" b="0" i="0" u="none" strike="noStrike" cap="none" spc="0" normalizeH="0" baseline="0">
+                <a:ln>
+                  <a:noFill/>
+                </a:ln>
+                <a:solidFill>
+                  <a:srgbClr val="FFFFFF"/>
+                </a:solidFill>
+                <a:effectLst/>
+                <a:uFillTx/>
+                <a:latin typeface="+mn-lt"/>
+                <a:ea typeface="+mn-ea"/>
+                <a:cs typeface="+mn-cs"/>
+                <a:sym typeface="Helvetica Light"/>
+              </a:endParaRPr>
+            </a:p>
+          </p:txBody>
+        </p:sp>
+        <p:sp>
+          <p:nvSpPr>
+            <p:cNvPr id="6" name="Rectangle 5"/>
+            <p:cNvSpPr/>
+            <p:nvPr/>
+          </p:nvSpPr>
+          <p:spPr>
+            <a:xfrm>
+              <a:off x="1633618" y="8948411"/>
+              <a:ext cx="9394405" cy="584776"/>
+            </a:xfrm>
+            <a:prstGeom prst="rect">
+              <a:avLst/>
+            </a:prstGeom>
+          </p:spPr>
+          <p:txBody>
+            <a:bodyPr wrap="square">
+              <a:spAutoFit/>
+            </a:bodyPr>
+            <a:lstStyle/>
+            <a:p>
+              <a:r>
+                <a:rPr lang="en-US" sz="3200" dirty="0" smtClean="0">
+                  <a:solidFill>
+                    <a:schemeClr val="bg1"/>
+                  </a:solidFill>
+                  <a:latin typeface="Chalkboard"/>
+                  <a:cs typeface="Chalkboard"/>
+                </a:rPr>
+                <a:t>https://</a:t>
+              </a:r>
+              <a:r>
+                <a:rPr lang="en-US" sz="3200" dirty="0" err="1" smtClean="0">
+                  <a:solidFill>
+                    <a:schemeClr val="bg1"/>
+                  </a:solidFill>
+                  <a:latin typeface="Chalkboard"/>
+                  <a:cs typeface="Chalkboard"/>
+                </a:rPr>
+                <a:t>github.com</a:t>
+              </a:r>
+              <a:r>
+                <a:rPr lang="en-US" sz="3200" dirty="0" smtClean="0">
+                  <a:solidFill>
+                    <a:schemeClr val="bg1"/>
+                  </a:solidFill>
+                  <a:latin typeface="Chalkboard"/>
+                  <a:cs typeface="Chalkboard"/>
+                </a:rPr>
+                <a:t>/jxc761/3DMotionDB.git</a:t>
+              </a:r>
+              <a:endParaRPr lang="en-US" sz="3200" dirty="0">
+                <a:solidFill>
+                  <a:schemeClr val="bg1"/>
+                </a:solidFill>
+                <a:latin typeface="Chalkboard"/>
+                <a:cs typeface="Chalkboard"/>
+              </a:endParaRPr>
+            </a:p>
+          </p:txBody>
+        </p:sp>
+      </p:grpSp>
+    </p:spTree>
+    <p:extLst>
+      <p:ext uri="{BB962C8B-B14F-4D97-AF65-F5344CB8AC3E}">
+        <p14:creationId xmlns:p14="http://schemas.microsoft.com/office/powerpoint/2010/main" val="2544443994"/>
+      </p:ext>
+    </p:extLst>
+  </p:cSld>
+  <p:clrMapOvr>
+    <a:masterClrMapping/>
+  </p:clrMapOvr>
+  <p:transition xmlns:p14="http://schemas.microsoft.com/office/powerpoint/2010/main" spd="med"/>
+  <p:timing>
+    <p:tnLst>
+      <p:par>
+        <p:cTn xmlns:p14="http://schemas.microsoft.com/office/powerpoint/2010/main" id="1" dur="indefinite" restart="never" nodeType="tmRoot"/>
+      </p:par>
+    </p:tnLst>
+  </p:timing>
+</p:sld>
+</file>
+
+<file path=ppt/slides/slide3.xml><?xml version="1.0" encoding="utf-8"?>
+<p:sld xmlns:a="http://schemas.openxmlformats.org/drawingml/2006/main" xmlns:r="http://schemas.openxmlformats.org/officeDocument/2006/relationships" xmlns:p="http://schemas.openxmlformats.org/presentationml/2006/main">
+  <p:cSld>
+    <p:spTree>
+      <p:nvGrpSpPr>
+        <p:cNvPr id="1" name=""/>
+        <p:cNvGrpSpPr/>
+        <p:nvPr/>
+      </p:nvGrpSpPr>
+      <p:grpSpPr>
+        <a:xfrm>
+          <a:off x="0" y="0"/>
+          <a:ext cx="0" cy="0"/>
+          <a:chOff x="0" y="0"/>
+          <a:chExt cx="0" cy="0"/>
+        </a:xfrm>
+      </p:grpSpPr>
+      <p:sp>
+        <p:nvSpPr>
           <p:cNvPr id="45" name="Shape 45"/>
           <p:cNvSpPr>
             <a:spLocks noGrp="1"/>
@@ -1681,35 +2997,21 @@
           <a:prstGeom prst="downArrow">
             <a:avLst/>
           </a:prstGeom>
-          <a:solidFill>
-            <a:schemeClr val="bg1">
-              <a:lumMod val="50000"/>
-              <a:alpha val="58000"/>
-            </a:schemeClr>
-          </a:solidFill>
-          <a:ln w="12700" cap="flat">
-            <a:noFill/>
-            <a:miter lim="400000"/>
-          </a:ln>
-          <a:effectLst>
-            <a:outerShdw blurRad="38100" dist="25400" dir="5400000" rotWithShape="0">
-              <a:srgbClr val="000000">
-                <a:alpha val="50000"/>
-              </a:srgbClr>
-            </a:outerShdw>
-          </a:effectLst>
+          <a:ln/>
         </p:spPr>
         <p:style>
-          <a:lnRef idx="0">
-            <a:scrgbClr r="0" g="0" b="0"/>
+          <a:lnRef idx="2">
+            <a:schemeClr val="dk1"/>
           </a:lnRef>
-          <a:fillRef idx="0">
-            <a:scrgbClr r="0" g="0" b="0"/>
+          <a:fillRef idx="1">
+            <a:schemeClr val="lt1"/>
           </a:fillRef>
           <a:effectRef idx="0">
-            <a:scrgbClr r="0" g="0" b="0"/>
+            <a:schemeClr val="dk1"/>
           </a:effectRef>
-          <a:fontRef idx="none"/>
+          <a:fontRef idx="minor">
+            <a:schemeClr val="dk1"/>
+          </a:fontRef>
         </p:style>
         <p:txBody>
           <a:bodyPr rot="0" spcFirstLastPara="1" vertOverflow="overflow" horzOverflow="overflow" vert="horz" wrap="square" lIns="50800" tIns="50800" rIns="50800" bIns="50800" numCol="1" spcCol="38100" rtlCol="0" anchor="ctr">
@@ -1764,35 +3066,21 @@
           <a:prstGeom prst="downArrow">
             <a:avLst/>
           </a:prstGeom>
-          <a:solidFill>
-            <a:schemeClr val="bg1">
-              <a:lumMod val="50000"/>
-              <a:alpha val="58000"/>
-            </a:schemeClr>
-          </a:solidFill>
-          <a:ln w="12700" cap="flat">
-            <a:noFill/>
-            <a:miter lim="400000"/>
-          </a:ln>
-          <a:effectLst>
-            <a:outerShdw blurRad="38100" dist="25400" dir="5400000" rotWithShape="0">
-              <a:srgbClr val="000000">
-                <a:alpha val="50000"/>
-              </a:srgbClr>
-            </a:outerShdw>
-          </a:effectLst>
+          <a:ln/>
         </p:spPr>
         <p:style>
-          <a:lnRef idx="0">
-            <a:scrgbClr r="0" g="0" b="0"/>
+          <a:lnRef idx="2">
+            <a:schemeClr val="dk1"/>
           </a:lnRef>
-          <a:fillRef idx="0">
-            <a:scrgbClr r="0" g="0" b="0"/>
+          <a:fillRef idx="1">
+            <a:schemeClr val="lt1"/>
           </a:fillRef>
           <a:effectRef idx="0">
-            <a:scrgbClr r="0" g="0" b="0"/>
+            <a:schemeClr val="dk1"/>
           </a:effectRef>
-          <a:fontRef idx="none"/>
+          <a:fontRef idx="minor">
+            <a:schemeClr val="dk1"/>
+          </a:fontRef>
         </p:style>
         <p:txBody>
           <a:bodyPr rot="0" spcFirstLastPara="1" vertOverflow="overflow" horzOverflow="overflow" vert="horz" wrap="square" lIns="50800" tIns="50800" rIns="50800" bIns="50800" numCol="1" spcCol="38100" rtlCol="0" anchor="ctr">
@@ -1861,35 +3149,21 @@
             <a:prstGeom prst="rect">
               <a:avLst/>
             </a:prstGeom>
-            <a:solidFill>
-              <a:schemeClr val="bg1">
-                <a:lumMod val="50000"/>
-                <a:alpha val="58000"/>
-              </a:schemeClr>
-            </a:solidFill>
-            <a:ln w="12700" cap="flat">
-              <a:noFill/>
-              <a:miter lim="400000"/>
-            </a:ln>
-            <a:effectLst>
-              <a:outerShdw blurRad="38100" dist="25400" dir="5400000" rotWithShape="0">
-                <a:srgbClr val="000000">
-                  <a:alpha val="50000"/>
-                </a:srgbClr>
-              </a:outerShdw>
-            </a:effectLst>
+            <a:ln/>
           </p:spPr>
           <p:style>
-            <a:lnRef idx="0">
-              <a:scrgbClr r="0" g="0" b="0"/>
+            <a:lnRef idx="2">
+              <a:schemeClr val="accent5"/>
             </a:lnRef>
-            <a:fillRef idx="0">
-              <a:scrgbClr r="0" g="0" b="0"/>
+            <a:fillRef idx="1">
+              <a:schemeClr val="lt1"/>
             </a:fillRef>
             <a:effectRef idx="0">
-              <a:scrgbClr r="0" g="0" b="0"/>
+              <a:schemeClr val="accent5"/>
             </a:effectRef>
-            <a:fontRef idx="none"/>
+            <a:fontRef idx="minor">
+              <a:schemeClr val="dk1"/>
+            </a:fontRef>
           </p:style>
           <p:txBody>
             <a:bodyPr rot="0" spcFirstLastPara="1" vertOverflow="overflow" horzOverflow="overflow" vert="horz" wrap="square" lIns="50800" tIns="50800" rIns="50800" bIns="50800" numCol="1" spcCol="38100" rtlCol="0" anchor="ctr">
@@ -1994,35 +3268,21 @@
             <a:prstGeom prst="rect">
               <a:avLst/>
             </a:prstGeom>
-            <a:solidFill>
-              <a:schemeClr val="bg1">
-                <a:lumMod val="50000"/>
-                <a:alpha val="58000"/>
-              </a:schemeClr>
-            </a:solidFill>
-            <a:ln w="12700" cap="flat">
-              <a:noFill/>
-              <a:miter lim="400000"/>
-            </a:ln>
-            <a:effectLst>
-              <a:outerShdw blurRad="38100" dist="25400" dir="5400000" rotWithShape="0">
-                <a:srgbClr val="000000">
-                  <a:alpha val="50000"/>
-                </a:srgbClr>
-              </a:outerShdw>
-            </a:effectLst>
+            <a:ln/>
           </p:spPr>
           <p:style>
-            <a:lnRef idx="0">
-              <a:scrgbClr r="0" g="0" b="0"/>
+            <a:lnRef idx="2">
+              <a:schemeClr val="accent2"/>
             </a:lnRef>
-            <a:fillRef idx="0">
-              <a:scrgbClr r="0" g="0" b="0"/>
+            <a:fillRef idx="1">
+              <a:schemeClr val="lt1"/>
             </a:fillRef>
             <a:effectRef idx="0">
-              <a:scrgbClr r="0" g="0" b="0"/>
+              <a:schemeClr val="accent2"/>
             </a:effectRef>
-            <a:fontRef idx="none"/>
+            <a:fontRef idx="minor">
+              <a:schemeClr val="dk1"/>
+            </a:fontRef>
           </p:style>
           <p:txBody>
             <a:bodyPr rot="0" spcFirstLastPara="1" vertOverflow="overflow" horzOverflow="overflow" vert="horz" wrap="square" lIns="50800" tIns="50800" rIns="50800" bIns="50800" numCol="1" spcCol="38100" rtlCol="0" anchor="ctr">
@@ -2145,35 +3405,21 @@
             <a:prstGeom prst="rect">
               <a:avLst/>
             </a:prstGeom>
-            <a:solidFill>
-              <a:schemeClr val="bg1">
-                <a:lumMod val="50000"/>
-                <a:alpha val="58000"/>
-              </a:schemeClr>
-            </a:solidFill>
-            <a:ln w="12700" cap="flat">
-              <a:noFill/>
-              <a:miter lim="400000"/>
-            </a:ln>
-            <a:effectLst>
-              <a:outerShdw blurRad="38100" dist="25400" dir="5400000" rotWithShape="0">
-                <a:srgbClr val="000000">
-                  <a:alpha val="50000"/>
-                </a:srgbClr>
-              </a:outerShdw>
-            </a:effectLst>
+            <a:ln/>
           </p:spPr>
           <p:style>
-            <a:lnRef idx="0">
-              <a:scrgbClr r="0" g="0" b="0"/>
+            <a:lnRef idx="2">
+              <a:schemeClr val="accent1"/>
             </a:lnRef>
-            <a:fillRef idx="0">
-              <a:scrgbClr r="0" g="0" b="0"/>
+            <a:fillRef idx="1">
+              <a:schemeClr val="lt1"/>
             </a:fillRef>
             <a:effectRef idx="0">
-              <a:scrgbClr r="0" g="0" b="0"/>
+              <a:schemeClr val="accent1"/>
             </a:effectRef>
-            <a:fontRef idx="none"/>
+            <a:fontRef idx="minor">
+              <a:schemeClr val="dk1"/>
+            </a:fontRef>
           </p:style>
           <p:txBody>
             <a:bodyPr rot="0" spcFirstLastPara="1" vertOverflow="overflow" horzOverflow="overflow" vert="horz" wrap="square" lIns="50800" tIns="50800" rIns="50800" bIns="50800" numCol="1" spcCol="38100" rtlCol="0" anchor="ctr">
@@ -2250,112 +3496,442 @@
           </p:txBody>
         </p:sp>
       </p:grpSp>
-    </p:spTree>
-  </p:cSld>
-  <p:clrMapOvr>
-    <a:masterClrMapping/>
-  </p:clrMapOvr>
-  <p:transition xmlns:p14="http://schemas.microsoft.com/office/powerpoint/2010/main" spd="med"/>
-  <p:timing>
-    <p:tnLst>
-      <p:par>
-        <p:cTn xmlns:p14="http://schemas.microsoft.com/office/powerpoint/2010/main" id="1" dur="indefinite" restart="never" nodeType="tmRoot"/>
-      </p:par>
-    </p:tnLst>
-  </p:timing>
-</p:sld>
-</file>
-
-<file path=ppt/slides/slide2.xml><?xml version="1.0" encoding="utf-8"?>
-<p:sld xmlns:a="http://schemas.openxmlformats.org/drawingml/2006/main" xmlns:r="http://schemas.openxmlformats.org/officeDocument/2006/relationships" xmlns:p="http://schemas.openxmlformats.org/presentationml/2006/main">
-  <p:cSld>
-    <p:spTree>
-      <p:nvGrpSpPr>
-        <p:cNvPr id="1" name=""/>
-        <p:cNvGrpSpPr/>
-        <p:nvPr/>
-      </p:nvGrpSpPr>
-      <p:grpSpPr>
-        <a:xfrm>
-          <a:off x="0" y="0"/>
-          <a:ext cx="0" cy="0"/>
-          <a:chOff x="0" y="0"/>
-          <a:chExt cx="0" cy="0"/>
-        </a:xfrm>
-      </p:grpSpPr>
-      <p:sp>
-        <p:nvSpPr>
-          <p:cNvPr id="45" name="Shape 45"/>
-          <p:cNvSpPr>
-            <a:spLocks noGrp="1"/>
-          </p:cNvSpPr>
-          <p:nvPr>
-            <p:ph type="title"/>
-          </p:nvPr>
-        </p:nvSpPr>
+      <p:grpSp>
+        <p:nvGrpSpPr>
+          <p:cNvPr id="48" name="Group 47"/>
+          <p:cNvGrpSpPr/>
+          <p:nvPr/>
+        </p:nvGrpSpPr>
+        <p:grpSpPr>
+          <a:xfrm>
+            <a:off x="127128" y="3296630"/>
+            <a:ext cx="3407099" cy="6408710"/>
+            <a:chOff x="127128" y="3296630"/>
+            <a:chExt cx="3407099" cy="6408710"/>
+          </a:xfrm>
+        </p:grpSpPr>
+        <p:pic>
+          <p:nvPicPr>
+            <p:cNvPr id="24" name="Picture 23"/>
+            <p:cNvPicPr>
+              <a:picLocks noChangeAspect="1"/>
+            </p:cNvPicPr>
+            <p:nvPr/>
+          </p:nvPicPr>
+          <p:blipFill rotWithShape="1">
+            <a:blip r:embed="rId3"/>
+            <a:srcRect t="30011" r="73332" b="-1"/>
+            <a:stretch/>
+          </p:blipFill>
+          <p:spPr>
+            <a:xfrm>
+              <a:off x="127128" y="3296630"/>
+              <a:ext cx="3407099" cy="6408710"/>
+            </a:xfrm>
+            <a:prstGeom prst="rect">
+              <a:avLst/>
+            </a:prstGeom>
+          </p:spPr>
+        </p:pic>
+        <p:sp>
+          <p:nvSpPr>
+            <p:cNvPr id="2" name="Rectangle 1"/>
+            <p:cNvSpPr/>
+            <p:nvPr/>
+          </p:nvSpPr>
+          <p:spPr>
+            <a:xfrm>
+              <a:off x="269398" y="3296630"/>
+              <a:ext cx="3168615" cy="1333953"/>
+            </a:xfrm>
+            <a:prstGeom prst="rect">
+              <a:avLst/>
+            </a:prstGeom>
+            <a:noFill/>
+            <a:ln/>
+          </p:spPr>
+          <p:style>
+            <a:lnRef idx="2">
+              <a:schemeClr val="accent5"/>
+            </a:lnRef>
+            <a:fillRef idx="1">
+              <a:schemeClr val="lt1"/>
+            </a:fillRef>
+            <a:effectRef idx="0">
+              <a:schemeClr val="accent5"/>
+            </a:effectRef>
+            <a:fontRef idx="minor">
+              <a:schemeClr val="dk1"/>
+            </a:fontRef>
+          </p:style>
+          <p:txBody>
+            <a:bodyPr rot="0" spcFirstLastPara="1" vertOverflow="overflow" horzOverflow="overflow" vert="horz" wrap="square" lIns="50800" tIns="50800" rIns="50800" bIns="50800" numCol="1" spcCol="38100" rtlCol="0" anchor="ctr">
+              <a:spAutoFit/>
+            </a:bodyPr>
+            <a:lstStyle/>
+            <a:p>
+              <a:pPr marL="0" marR="0" indent="0" algn="ctr" defTabSz="584200" rtl="0" fontAlgn="auto" latinLnBrk="1" hangingPunct="0">
+                <a:lnSpc>
+                  <a:spcPct val="100000"/>
+                </a:lnSpc>
+                <a:spcBef>
+                  <a:spcPts val="0"/>
+                </a:spcBef>
+                <a:spcAft>
+                  <a:spcPts val="0"/>
+                </a:spcAft>
+                <a:buClrTx/>
+                <a:buSzTx/>
+                <a:buFontTx/>
+                <a:buNone/>
+                <a:tabLst/>
+              </a:pPr>
+              <a:endParaRPr kumimoji="0" lang="en-US" sz="2400" b="0" i="0" u="none" strike="noStrike" cap="none" spc="0" normalizeH="0" baseline="0">
+                <a:ln>
+                  <a:noFill/>
+                </a:ln>
+                <a:solidFill>
+                  <a:srgbClr val="FFFFFF"/>
+                </a:solidFill>
+                <a:effectLst/>
+                <a:uFillTx/>
+                <a:latin typeface="+mn-lt"/>
+                <a:ea typeface="+mn-ea"/>
+                <a:cs typeface="+mn-cs"/>
+                <a:sym typeface="Helvetica Light"/>
+              </a:endParaRPr>
+            </a:p>
+          </p:txBody>
+        </p:sp>
+        <p:sp>
+          <p:nvSpPr>
+            <p:cNvPr id="21" name="Rectangle 20"/>
+            <p:cNvSpPr/>
+            <p:nvPr/>
+          </p:nvSpPr>
+          <p:spPr>
+            <a:xfrm>
+              <a:off x="269398" y="5490119"/>
+              <a:ext cx="3168614" cy="685800"/>
+            </a:xfrm>
+            <a:prstGeom prst="rect">
+              <a:avLst/>
+            </a:prstGeom>
+            <a:noFill/>
+            <a:ln/>
+          </p:spPr>
+          <p:style>
+            <a:lnRef idx="2">
+              <a:schemeClr val="accent2"/>
+            </a:lnRef>
+            <a:fillRef idx="1">
+              <a:schemeClr val="lt1"/>
+            </a:fillRef>
+            <a:effectRef idx="0">
+              <a:schemeClr val="accent2"/>
+            </a:effectRef>
+            <a:fontRef idx="minor">
+              <a:schemeClr val="dk1"/>
+            </a:fontRef>
+          </p:style>
+          <p:txBody>
+            <a:bodyPr rot="0" spcFirstLastPara="1" vertOverflow="overflow" horzOverflow="overflow" vert="horz" wrap="square" lIns="50800" tIns="50800" rIns="50800" bIns="50800" numCol="1" spcCol="38100" rtlCol="0" anchor="ctr">
+              <a:spAutoFit/>
+            </a:bodyPr>
+            <a:lstStyle/>
+            <a:p>
+              <a:pPr marL="0" marR="0" indent="0" algn="ctr" defTabSz="584200" rtl="0" fontAlgn="auto" latinLnBrk="1" hangingPunct="0">
+                <a:lnSpc>
+                  <a:spcPct val="100000"/>
+                </a:lnSpc>
+                <a:spcBef>
+                  <a:spcPts val="0"/>
+                </a:spcBef>
+                <a:spcAft>
+                  <a:spcPts val="0"/>
+                </a:spcAft>
+                <a:buClrTx/>
+                <a:buSzTx/>
+                <a:buFontTx/>
+                <a:buNone/>
+                <a:tabLst/>
+              </a:pPr>
+              <a:endParaRPr kumimoji="0" lang="en-US" sz="2400" b="0" i="0" u="none" strike="noStrike" cap="none" spc="0" normalizeH="0" baseline="0">
+                <a:ln>
+                  <a:noFill/>
+                </a:ln>
+                <a:solidFill>
+                  <a:srgbClr val="FFFFFF"/>
+                </a:solidFill>
+                <a:effectLst/>
+                <a:uFillTx/>
+                <a:latin typeface="+mn-lt"/>
+                <a:ea typeface="+mn-ea"/>
+                <a:cs typeface="+mn-cs"/>
+                <a:sym typeface="Helvetica Light"/>
+              </a:endParaRPr>
+            </a:p>
+          </p:txBody>
+        </p:sp>
+        <p:sp>
+          <p:nvSpPr>
+            <p:cNvPr id="22" name="Rectangle 21"/>
+            <p:cNvSpPr/>
+            <p:nvPr/>
+          </p:nvSpPr>
+          <p:spPr>
+            <a:xfrm>
+              <a:off x="269397" y="4999083"/>
+              <a:ext cx="3168615" cy="365760"/>
+            </a:xfrm>
+            <a:prstGeom prst="rect">
+              <a:avLst/>
+            </a:prstGeom>
+            <a:noFill/>
+            <a:ln/>
+          </p:spPr>
+          <p:style>
+            <a:lnRef idx="2">
+              <a:schemeClr val="accent1"/>
+            </a:lnRef>
+            <a:fillRef idx="1">
+              <a:schemeClr val="lt1"/>
+            </a:fillRef>
+            <a:effectRef idx="0">
+              <a:schemeClr val="accent1"/>
+            </a:effectRef>
+            <a:fontRef idx="minor">
+              <a:schemeClr val="dk1"/>
+            </a:fontRef>
+          </p:style>
+          <p:txBody>
+            <a:bodyPr rot="0" spcFirstLastPara="1" vertOverflow="overflow" horzOverflow="overflow" vert="horz" wrap="square" lIns="50800" tIns="50800" rIns="50800" bIns="50800" numCol="1" spcCol="38100" rtlCol="0" anchor="ctr">
+              <a:spAutoFit/>
+            </a:bodyPr>
+            <a:lstStyle/>
+            <a:p>
+              <a:pPr marL="0" marR="0" indent="0" algn="ctr" defTabSz="584200" rtl="0" fontAlgn="auto" latinLnBrk="1" hangingPunct="0">
+                <a:lnSpc>
+                  <a:spcPct val="100000"/>
+                </a:lnSpc>
+                <a:spcBef>
+                  <a:spcPts val="0"/>
+                </a:spcBef>
+                <a:spcAft>
+                  <a:spcPts val="0"/>
+                </a:spcAft>
+                <a:buClrTx/>
+                <a:buSzTx/>
+                <a:buFontTx/>
+                <a:buNone/>
+                <a:tabLst/>
+              </a:pPr>
+              <a:endParaRPr kumimoji="0" lang="en-US" sz="2400" b="0" i="0" u="none" strike="noStrike" cap="none" spc="0" normalizeH="0" baseline="0">
+                <a:ln>
+                  <a:noFill/>
+                </a:ln>
+                <a:solidFill>
+                  <a:srgbClr val="FFFFFF"/>
+                </a:solidFill>
+                <a:effectLst/>
+                <a:uFillTx/>
+                <a:latin typeface="+mn-lt"/>
+                <a:ea typeface="+mn-ea"/>
+                <a:cs typeface="+mn-cs"/>
+                <a:sym typeface="Helvetica Light"/>
+              </a:endParaRPr>
+            </a:p>
+          </p:txBody>
+        </p:sp>
+      </p:grpSp>
+      <p:cxnSp>
+        <p:nvCxnSpPr>
+          <p:cNvPr id="40" name="Elbow Connector 39"/>
+          <p:cNvCxnSpPr>
+            <a:stCxn id="22" idx="3"/>
+            <a:endCxn id="20" idx="1"/>
+          </p:cNvCxnSpPr>
+          <p:nvPr/>
+        </p:nvCxnSpPr>
         <p:spPr>
+          <a:xfrm>
+            <a:off x="3438012" y="5181963"/>
+            <a:ext cx="631030" cy="2176256"/>
+          </a:xfrm>
+          <a:prstGeom prst="bentConnector3">
+            <a:avLst>
+              <a:gd name="adj1" fmla="val 50000"/>
+            </a:avLst>
+          </a:prstGeom>
+          <a:ln w="76200" cmpd="sng">
+            <a:headEnd type="triangle"/>
+            <a:tailEnd type="triangle"/>
+          </a:ln>
+        </p:spPr>
+        <p:style>
+          <a:lnRef idx="1">
+            <a:schemeClr val="accent1"/>
+          </a:lnRef>
+          <a:fillRef idx="0">
+            <a:schemeClr val="accent1"/>
+          </a:fillRef>
+          <a:effectRef idx="0">
+            <a:schemeClr val="accent1"/>
+          </a:effectRef>
+          <a:fontRef idx="minor">
+            <a:schemeClr val="tx1"/>
+          </a:fontRef>
+        </p:style>
+      </p:cxnSp>
+      <p:pic>
+        <p:nvPicPr>
+          <p:cNvPr id="49" name="Picture 48"/>
+          <p:cNvPicPr>
+            <a:picLocks noChangeAspect="1"/>
+          </p:cNvPicPr>
+          <p:nvPr/>
+        </p:nvPicPr>
+        <p:blipFill>
+          <a:blip r:embed="rId4"/>
+          <a:stretch>
+            <a:fillRect/>
+          </a:stretch>
+        </p:blipFill>
+        <p:spPr>
+          <a:xfrm>
+            <a:off x="9248122" y="3296630"/>
+            <a:ext cx="3486120" cy="1654545"/>
+          </a:xfrm>
           <a:prstGeom prst="rect">
             <a:avLst/>
           </a:prstGeom>
         </p:spPr>
-        <p:txBody>
-          <a:bodyPr/>
-          <a:lstStyle/>
-          <a:p>
-            <a:pPr lvl="0">
-              <a:defRPr sz="1800"/>
-            </a:pPr>
-            <a:r>
-              <a:rPr lang="en-US" sz="8000" dirty="0" smtClean="0"/>
-              <a:t>Work flow</a:t>
-            </a:r>
-            <a:endParaRPr sz="8000" dirty="0"/>
-          </a:p>
-        </p:txBody>
-      </p:sp>
+      </p:pic>
+      <p:pic>
+        <p:nvPicPr>
+          <p:cNvPr id="51" name="Picture 50"/>
+          <p:cNvPicPr>
+            <a:picLocks noChangeAspect="1"/>
+          </p:cNvPicPr>
+          <p:nvPr/>
+        </p:nvPicPr>
+        <p:blipFill>
+          <a:blip r:embed="rId5"/>
+          <a:stretch>
+            <a:fillRect/>
+          </a:stretch>
+        </p:blipFill>
+        <p:spPr>
+          <a:xfrm>
+            <a:off x="9195198" y="6951819"/>
+            <a:ext cx="812800" cy="812800"/>
+          </a:xfrm>
+          <a:prstGeom prst="rect">
+            <a:avLst/>
+          </a:prstGeom>
+        </p:spPr>
+      </p:pic>
+      <p:pic>
+        <p:nvPicPr>
+          <p:cNvPr id="53" name="Picture 52"/>
+          <p:cNvPicPr>
+            <a:picLocks noChangeAspect="1"/>
+          </p:cNvPicPr>
+          <p:nvPr/>
+        </p:nvPicPr>
+        <p:blipFill>
+          <a:blip r:embed="rId6"/>
+          <a:stretch>
+            <a:fillRect/>
+          </a:stretch>
+        </p:blipFill>
+        <p:spPr>
+          <a:xfrm>
+            <a:off x="10007998" y="6951819"/>
+            <a:ext cx="812800" cy="812800"/>
+          </a:xfrm>
+          <a:prstGeom prst="rect">
+            <a:avLst/>
+          </a:prstGeom>
+        </p:spPr>
+      </p:pic>
+      <p:pic>
+        <p:nvPicPr>
+          <p:cNvPr id="55" name="Picture 54"/>
+          <p:cNvPicPr>
+            <a:picLocks noChangeAspect="1"/>
+          </p:cNvPicPr>
+          <p:nvPr/>
+        </p:nvPicPr>
+        <p:blipFill>
+          <a:blip r:embed="rId7"/>
+          <a:stretch>
+            <a:fillRect/>
+          </a:stretch>
+        </p:blipFill>
+        <p:spPr>
+          <a:xfrm>
+            <a:off x="11780334" y="6951819"/>
+            <a:ext cx="812800" cy="812800"/>
+          </a:xfrm>
+          <a:prstGeom prst="rect">
+            <a:avLst/>
+          </a:prstGeom>
+        </p:spPr>
+      </p:pic>
+      <p:pic>
+        <p:nvPicPr>
+          <p:cNvPr id="56" name="Picture 55"/>
+          <p:cNvPicPr>
+            <a:picLocks noChangeAspect="1"/>
+          </p:cNvPicPr>
+          <p:nvPr/>
+        </p:nvPicPr>
+        <p:blipFill>
+          <a:blip r:embed="rId7"/>
+          <a:stretch>
+            <a:fillRect/>
+          </a:stretch>
+        </p:blipFill>
+        <p:spPr>
+          <a:xfrm>
+            <a:off x="10967534" y="6951819"/>
+            <a:ext cx="812800" cy="812800"/>
+          </a:xfrm>
+          <a:prstGeom prst="rect">
+            <a:avLst/>
+          </a:prstGeom>
+        </p:spPr>
+      </p:pic>
       <p:sp>
         <p:nvSpPr>
-          <p:cNvPr id="3" name="Down Arrow 2"/>
+          <p:cNvPr id="58" name="Right Arrow 57"/>
           <p:cNvSpPr/>
           <p:nvPr/>
         </p:nvSpPr>
         <p:spPr>
-          <a:xfrm>
-            <a:off x="6169030" y="4580813"/>
-            <a:ext cx="372024" cy="320684"/>
+          <a:xfrm flipH="1">
+            <a:off x="8705182" y="3732760"/>
+            <a:ext cx="416923" cy="346339"/>
           </a:xfrm>
-          <a:prstGeom prst="downArrow">
+          <a:prstGeom prst="rightArrow">
             <a:avLst/>
           </a:prstGeom>
-          <a:solidFill>
-            <a:schemeClr val="bg1">
-              <a:lumMod val="50000"/>
-              <a:alpha val="58000"/>
-            </a:schemeClr>
-          </a:solidFill>
-          <a:ln w="12700" cap="flat">
-            <a:noFill/>
-            <a:miter lim="400000"/>
-          </a:ln>
-          <a:effectLst>
-            <a:outerShdw blurRad="38100" dist="25400" dir="5400000" rotWithShape="0">
-              <a:srgbClr val="000000">
-                <a:alpha val="50000"/>
-              </a:srgbClr>
-            </a:outerShdw>
-          </a:effectLst>
+          <a:ln/>
         </p:spPr>
         <p:style>
-          <a:lnRef idx="0">
-            <a:scrgbClr r="0" g="0" b="0"/>
+          <a:lnRef idx="2">
+            <a:schemeClr val="accent5"/>
           </a:lnRef>
-          <a:fillRef idx="0">
-            <a:scrgbClr r="0" g="0" b="0"/>
+          <a:fillRef idx="1">
+            <a:schemeClr val="lt1"/>
           </a:fillRef>
           <a:effectRef idx="0">
-            <a:scrgbClr r="0" g="0" b="0"/>
+            <a:schemeClr val="accent5"/>
           </a:effectRef>
-          <a:fontRef idx="none"/>
+          <a:fontRef idx="minor">
+            <a:schemeClr val="dk1"/>
+          </a:fontRef>
         </p:style>
         <p:txBody>
           <a:bodyPr rot="0" spcFirstLastPara="1" vertOverflow="overflow" horzOverflow="overflow" vert="horz" wrap="square" lIns="50800" tIns="50800" rIns="50800" bIns="50800" numCol="1" spcCol="38100" rtlCol="0" anchor="ctr">
@@ -2398,47 +3974,33 @@
       </p:sp>
       <p:sp>
         <p:nvSpPr>
-          <p:cNvPr id="12" name="Down Arrow 11"/>
+          <p:cNvPr id="59" name="Right Arrow 58"/>
           <p:cNvSpPr/>
           <p:nvPr/>
         </p:nvSpPr>
         <p:spPr>
           <a:xfrm>
-            <a:off x="6169030" y="6325521"/>
-            <a:ext cx="372024" cy="320684"/>
+            <a:off x="8705182" y="7185049"/>
+            <a:ext cx="416923" cy="346339"/>
           </a:xfrm>
-          <a:prstGeom prst="downArrow">
+          <a:prstGeom prst="rightArrow">
             <a:avLst/>
           </a:prstGeom>
-          <a:solidFill>
-            <a:schemeClr val="bg1">
-              <a:lumMod val="50000"/>
-              <a:alpha val="58000"/>
-            </a:schemeClr>
-          </a:solidFill>
-          <a:ln w="12700" cap="flat">
-            <a:noFill/>
-            <a:miter lim="400000"/>
-          </a:ln>
-          <a:effectLst>
-            <a:outerShdw blurRad="38100" dist="25400" dir="5400000" rotWithShape="0">
-              <a:srgbClr val="000000">
-                <a:alpha val="50000"/>
-              </a:srgbClr>
-            </a:outerShdw>
-          </a:effectLst>
+          <a:ln/>
         </p:spPr>
         <p:style>
-          <a:lnRef idx="0">
-            <a:scrgbClr r="0" g="0" b="0"/>
+          <a:lnRef idx="2">
+            <a:schemeClr val="accent1"/>
           </a:lnRef>
-          <a:fillRef idx="0">
-            <a:scrgbClr r="0" g="0" b="0"/>
+          <a:fillRef idx="1">
+            <a:schemeClr val="lt1"/>
           </a:fillRef>
           <a:effectRef idx="0">
-            <a:scrgbClr r="0" g="0" b="0"/>
+            <a:schemeClr val="accent1"/>
           </a:effectRef>
-          <a:fontRef idx="none"/>
+          <a:fontRef idx="minor">
+            <a:schemeClr val="dk1"/>
+          </a:fontRef>
         </p:style>
         <p:txBody>
           <a:bodyPr rot="0" spcFirstLastPara="1" vertOverflow="overflow" horzOverflow="overflow" vert="horz" wrap="square" lIns="50800" tIns="50800" rIns="50800" bIns="50800" numCol="1" spcCol="38100" rtlCol="0" anchor="ctr">
@@ -2479,9 +4041,829 @@
           </a:p>
         </p:txBody>
       </p:sp>
+      <p:cxnSp>
+        <p:nvCxnSpPr>
+          <p:cNvPr id="76" name="Straight Arrow Connector 75"/>
+          <p:cNvCxnSpPr>
+            <a:endCxn id="14" idx="1"/>
+          </p:cNvCxnSpPr>
+          <p:nvPr/>
+        </p:nvCxnSpPr>
+        <p:spPr>
+          <a:xfrm>
+            <a:off x="3438012" y="3868801"/>
+            <a:ext cx="631030" cy="0"/>
+          </a:xfrm>
+          <a:prstGeom prst="straightConnector1">
+            <a:avLst/>
+          </a:prstGeom>
+          <a:noFill/>
+          <a:ln w="76200" cap="flat" cmpd="sng">
+            <a:solidFill>
+              <a:srgbClr val="FF0000"/>
+            </a:solidFill>
+            <a:prstDash val="solid"/>
+            <a:miter lim="400000"/>
+            <a:headEnd type="triangle"/>
+            <a:tailEnd type="triangle"/>
+          </a:ln>
+          <a:effectLst/>
+        </p:spPr>
+        <p:style>
+          <a:lnRef idx="0">
+            <a:scrgbClr r="0" g="0" b="0"/>
+          </a:lnRef>
+          <a:fillRef idx="0">
+            <a:scrgbClr r="0" g="0" b="0"/>
+          </a:fillRef>
+          <a:effectRef idx="0">
+            <a:scrgbClr r="0" g="0" b="0"/>
+          </a:effectRef>
+          <a:fontRef idx="none"/>
+        </p:style>
+      </p:cxnSp>
+      <p:cxnSp>
+        <p:nvCxnSpPr>
+          <p:cNvPr id="78" name="Straight Arrow Connector 77"/>
+          <p:cNvCxnSpPr/>
+          <p:nvPr/>
+        </p:nvCxnSpPr>
+        <p:spPr>
+          <a:xfrm>
+            <a:off x="3450840" y="5817031"/>
+            <a:ext cx="631030" cy="0"/>
+          </a:xfrm>
+          <a:prstGeom prst="straightConnector1">
+            <a:avLst/>
+          </a:prstGeom>
+          <a:noFill/>
+          <a:ln w="76200" cap="flat" cmpd="sng">
+            <a:solidFill>
+              <a:srgbClr val="008000"/>
+            </a:solidFill>
+            <a:prstDash val="solid"/>
+            <a:miter lim="400000"/>
+            <a:headEnd type="triangle"/>
+            <a:tailEnd type="triangle"/>
+          </a:ln>
+          <a:effectLst/>
+        </p:spPr>
+        <p:style>
+          <a:lnRef idx="0">
+            <a:scrgbClr r="0" g="0" b="0"/>
+          </a:lnRef>
+          <a:fillRef idx="0">
+            <a:scrgbClr r="0" g="0" b="0"/>
+          </a:fillRef>
+          <a:effectRef idx="0">
+            <a:scrgbClr r="0" g="0" b="0"/>
+          </a:effectRef>
+          <a:fontRef idx="none"/>
+        </p:style>
+      </p:cxnSp>
+    </p:spTree>
+  </p:cSld>
+  <p:clrMapOvr>
+    <a:masterClrMapping/>
+  </p:clrMapOvr>
+  <p:transition xmlns:p14="http://schemas.microsoft.com/office/powerpoint/2010/main" spd="med"/>
+  <p:timing>
+    <p:tnLst>
+      <p:par>
+        <p:cTn xmlns:p14="http://schemas.microsoft.com/office/powerpoint/2010/main" id="1" dur="indefinite" restart="never" nodeType="tmRoot">
+          <p:childTnLst>
+            <p:seq concurrent="1" nextAc="seek">
+              <p:cTn id="2" dur="indefinite" nodeType="mainSeq">
+                <p:childTnLst>
+                  <p:par>
+                    <p:cTn id="3" fill="hold">
+                      <p:stCondLst>
+                        <p:cond delay="indefinite"/>
+                      </p:stCondLst>
+                      <p:childTnLst>
+                        <p:par>
+                          <p:cTn id="4" fill="hold">
+                            <p:stCondLst>
+                              <p:cond delay="0"/>
+                            </p:stCondLst>
+                            <p:childTnLst>
+                              <p:par>
+                                <p:cTn id="5" presetID="9" presetClass="exit" presetSubtype="0" fill="hold" grpId="0" nodeType="clickEffect">
+                                  <p:stCondLst>
+                                    <p:cond delay="0"/>
+                                  </p:stCondLst>
+                                  <p:childTnLst>
+                                    <p:animEffect transition="out" filter="dissolve">
+                                      <p:cBhvr>
+                                        <p:cTn id="6" dur="500"/>
+                                        <p:tgtEl>
+                                          <p:spTgt spid="45"/>
+                                        </p:tgtEl>
+                                      </p:cBhvr>
+                                    </p:animEffect>
+                                    <p:set>
+                                      <p:cBhvr>
+                                        <p:cTn id="7" dur="1" fill="hold">
+                                          <p:stCondLst>
+                                            <p:cond delay="499"/>
+                                          </p:stCondLst>
+                                        </p:cTn>
+                                        <p:tgtEl>
+                                          <p:spTgt spid="45"/>
+                                        </p:tgtEl>
+                                        <p:attrNameLst>
+                                          <p:attrName>style.visibility</p:attrName>
+                                        </p:attrNameLst>
+                                      </p:cBhvr>
+                                      <p:to>
+                                        <p:strVal val="hidden"/>
+                                      </p:to>
+                                    </p:set>
+                                  </p:childTnLst>
+                                </p:cTn>
+                              </p:par>
+                              <p:par>
+                                <p:cTn id="8" presetID="9" presetClass="exit" presetSubtype="0" fill="hold" nodeType="withEffect">
+                                  <p:stCondLst>
+                                    <p:cond delay="0"/>
+                                  </p:stCondLst>
+                                  <p:childTnLst>
+                                    <p:animEffect transition="out" filter="dissolve">
+                                      <p:cBhvr>
+                                        <p:cTn id="9" dur="500"/>
+                                        <p:tgtEl>
+                                          <p:spTgt spid="48"/>
+                                        </p:tgtEl>
+                                      </p:cBhvr>
+                                    </p:animEffect>
+                                    <p:set>
+                                      <p:cBhvr>
+                                        <p:cTn id="10" dur="1" fill="hold">
+                                          <p:stCondLst>
+                                            <p:cond delay="499"/>
+                                          </p:stCondLst>
+                                        </p:cTn>
+                                        <p:tgtEl>
+                                          <p:spTgt spid="48"/>
+                                        </p:tgtEl>
+                                        <p:attrNameLst>
+                                          <p:attrName>style.visibility</p:attrName>
+                                        </p:attrNameLst>
+                                      </p:cBhvr>
+                                      <p:to>
+                                        <p:strVal val="hidden"/>
+                                      </p:to>
+                                    </p:set>
+                                  </p:childTnLst>
+                                </p:cTn>
+                              </p:par>
+                              <p:par>
+                                <p:cTn id="11" presetID="9" presetClass="exit" presetSubtype="0" fill="hold" nodeType="withEffect">
+                                  <p:stCondLst>
+                                    <p:cond delay="0"/>
+                                  </p:stCondLst>
+                                  <p:childTnLst>
+                                    <p:animEffect transition="out" filter="dissolve">
+                                      <p:cBhvr>
+                                        <p:cTn id="12" dur="500"/>
+                                        <p:tgtEl>
+                                          <p:spTgt spid="40"/>
+                                        </p:tgtEl>
+                                      </p:cBhvr>
+                                    </p:animEffect>
+                                    <p:set>
+                                      <p:cBhvr>
+                                        <p:cTn id="13" dur="1" fill="hold">
+                                          <p:stCondLst>
+                                            <p:cond delay="499"/>
+                                          </p:stCondLst>
+                                        </p:cTn>
+                                        <p:tgtEl>
+                                          <p:spTgt spid="40"/>
+                                        </p:tgtEl>
+                                        <p:attrNameLst>
+                                          <p:attrName>style.visibility</p:attrName>
+                                        </p:attrNameLst>
+                                      </p:cBhvr>
+                                      <p:to>
+                                        <p:strVal val="hidden"/>
+                                      </p:to>
+                                    </p:set>
+                                  </p:childTnLst>
+                                </p:cTn>
+                              </p:par>
+                              <p:par>
+                                <p:cTn id="14" presetID="9" presetClass="exit" presetSubtype="0" fill="hold" nodeType="withEffect">
+                                  <p:stCondLst>
+                                    <p:cond delay="0"/>
+                                  </p:stCondLst>
+                                  <p:childTnLst>
+                                    <p:animEffect transition="out" filter="dissolve">
+                                      <p:cBhvr>
+                                        <p:cTn id="15" dur="500"/>
+                                        <p:tgtEl>
+                                          <p:spTgt spid="16"/>
+                                        </p:tgtEl>
+                                      </p:cBhvr>
+                                    </p:animEffect>
+                                    <p:set>
+                                      <p:cBhvr>
+                                        <p:cTn id="16" dur="1" fill="hold">
+                                          <p:stCondLst>
+                                            <p:cond delay="499"/>
+                                          </p:stCondLst>
+                                        </p:cTn>
+                                        <p:tgtEl>
+                                          <p:spTgt spid="16"/>
+                                        </p:tgtEl>
+                                        <p:attrNameLst>
+                                          <p:attrName>style.visibility</p:attrName>
+                                        </p:attrNameLst>
+                                      </p:cBhvr>
+                                      <p:to>
+                                        <p:strVal val="hidden"/>
+                                      </p:to>
+                                    </p:set>
+                                  </p:childTnLst>
+                                </p:cTn>
+                              </p:par>
+                              <p:par>
+                                <p:cTn id="17" presetID="9" presetClass="exit" presetSubtype="0" fill="hold" nodeType="withEffect">
+                                  <p:stCondLst>
+                                    <p:cond delay="0"/>
+                                  </p:stCondLst>
+                                  <p:childTnLst>
+                                    <p:animEffect transition="out" filter="dissolve">
+                                      <p:cBhvr>
+                                        <p:cTn id="18" dur="500"/>
+                                        <p:tgtEl>
+                                          <p:spTgt spid="11"/>
+                                        </p:tgtEl>
+                                      </p:cBhvr>
+                                    </p:animEffect>
+                                    <p:set>
+                                      <p:cBhvr>
+                                        <p:cTn id="19" dur="1" fill="hold">
+                                          <p:stCondLst>
+                                            <p:cond delay="499"/>
+                                          </p:stCondLst>
+                                        </p:cTn>
+                                        <p:tgtEl>
+                                          <p:spTgt spid="11"/>
+                                        </p:tgtEl>
+                                        <p:attrNameLst>
+                                          <p:attrName>style.visibility</p:attrName>
+                                        </p:attrNameLst>
+                                      </p:cBhvr>
+                                      <p:to>
+                                        <p:strVal val="hidden"/>
+                                      </p:to>
+                                    </p:set>
+                                  </p:childTnLst>
+                                </p:cTn>
+                              </p:par>
+                              <p:par>
+                                <p:cTn id="20" presetID="9" presetClass="exit" presetSubtype="0" fill="hold" grpId="0" nodeType="withEffect">
+                                  <p:stCondLst>
+                                    <p:cond delay="0"/>
+                                  </p:stCondLst>
+                                  <p:childTnLst>
+                                    <p:animEffect transition="out" filter="dissolve">
+                                      <p:cBhvr>
+                                        <p:cTn id="21" dur="500"/>
+                                        <p:tgtEl>
+                                          <p:spTgt spid="3"/>
+                                        </p:tgtEl>
+                                      </p:cBhvr>
+                                    </p:animEffect>
+                                    <p:set>
+                                      <p:cBhvr>
+                                        <p:cTn id="22" dur="1" fill="hold">
+                                          <p:stCondLst>
+                                            <p:cond delay="499"/>
+                                          </p:stCondLst>
+                                        </p:cTn>
+                                        <p:tgtEl>
+                                          <p:spTgt spid="3"/>
+                                        </p:tgtEl>
+                                        <p:attrNameLst>
+                                          <p:attrName>style.visibility</p:attrName>
+                                        </p:attrNameLst>
+                                      </p:cBhvr>
+                                      <p:to>
+                                        <p:strVal val="hidden"/>
+                                      </p:to>
+                                    </p:set>
+                                  </p:childTnLst>
+                                </p:cTn>
+                              </p:par>
+                              <p:par>
+                                <p:cTn id="23" presetID="9" presetClass="exit" presetSubtype="0" fill="hold" grpId="0" nodeType="withEffect">
+                                  <p:stCondLst>
+                                    <p:cond delay="0"/>
+                                  </p:stCondLst>
+                                  <p:childTnLst>
+                                    <p:animEffect transition="out" filter="dissolve">
+                                      <p:cBhvr>
+                                        <p:cTn id="24" dur="500"/>
+                                        <p:tgtEl>
+                                          <p:spTgt spid="12"/>
+                                        </p:tgtEl>
+                                      </p:cBhvr>
+                                    </p:animEffect>
+                                    <p:set>
+                                      <p:cBhvr>
+                                        <p:cTn id="25" dur="1" fill="hold">
+                                          <p:stCondLst>
+                                            <p:cond delay="499"/>
+                                          </p:stCondLst>
+                                        </p:cTn>
+                                        <p:tgtEl>
+                                          <p:spTgt spid="12"/>
+                                        </p:tgtEl>
+                                        <p:attrNameLst>
+                                          <p:attrName>style.visibility</p:attrName>
+                                        </p:attrNameLst>
+                                      </p:cBhvr>
+                                      <p:to>
+                                        <p:strVal val="hidden"/>
+                                      </p:to>
+                                    </p:set>
+                                  </p:childTnLst>
+                                </p:cTn>
+                              </p:par>
+                              <p:par>
+                                <p:cTn id="26" presetID="9" presetClass="exit" presetSubtype="0" fill="hold" grpId="0" nodeType="withEffect">
+                                  <p:stCondLst>
+                                    <p:cond delay="0"/>
+                                  </p:stCondLst>
+                                  <p:childTnLst>
+                                    <p:animEffect transition="out" filter="dissolve">
+                                      <p:cBhvr>
+                                        <p:cTn id="27" dur="500"/>
+                                        <p:tgtEl>
+                                          <p:spTgt spid="58"/>
+                                        </p:tgtEl>
+                                      </p:cBhvr>
+                                    </p:animEffect>
+                                    <p:set>
+                                      <p:cBhvr>
+                                        <p:cTn id="28" dur="1" fill="hold">
+                                          <p:stCondLst>
+                                            <p:cond delay="499"/>
+                                          </p:stCondLst>
+                                        </p:cTn>
+                                        <p:tgtEl>
+                                          <p:spTgt spid="58"/>
+                                        </p:tgtEl>
+                                        <p:attrNameLst>
+                                          <p:attrName>style.visibility</p:attrName>
+                                        </p:attrNameLst>
+                                      </p:cBhvr>
+                                      <p:to>
+                                        <p:strVal val="hidden"/>
+                                      </p:to>
+                                    </p:set>
+                                  </p:childTnLst>
+                                </p:cTn>
+                              </p:par>
+                              <p:par>
+                                <p:cTn id="29" presetID="9" presetClass="exit" presetSubtype="0" fill="hold" grpId="0" nodeType="withEffect">
+                                  <p:stCondLst>
+                                    <p:cond delay="0"/>
+                                  </p:stCondLst>
+                                  <p:childTnLst>
+                                    <p:animEffect transition="out" filter="dissolve">
+                                      <p:cBhvr>
+                                        <p:cTn id="30" dur="500"/>
+                                        <p:tgtEl>
+                                          <p:spTgt spid="59"/>
+                                        </p:tgtEl>
+                                      </p:cBhvr>
+                                    </p:animEffect>
+                                    <p:set>
+                                      <p:cBhvr>
+                                        <p:cTn id="31" dur="1" fill="hold">
+                                          <p:stCondLst>
+                                            <p:cond delay="499"/>
+                                          </p:stCondLst>
+                                        </p:cTn>
+                                        <p:tgtEl>
+                                          <p:spTgt spid="59"/>
+                                        </p:tgtEl>
+                                        <p:attrNameLst>
+                                          <p:attrName>style.visibility</p:attrName>
+                                        </p:attrNameLst>
+                                      </p:cBhvr>
+                                      <p:to>
+                                        <p:strVal val="hidden"/>
+                                      </p:to>
+                                    </p:set>
+                                  </p:childTnLst>
+                                </p:cTn>
+                              </p:par>
+                              <p:par>
+                                <p:cTn id="32" presetID="9" presetClass="exit" presetSubtype="0" fill="hold" grpId="1" nodeType="withEffect">
+                                  <p:stCondLst>
+                                    <p:cond delay="0"/>
+                                  </p:stCondLst>
+                                  <p:childTnLst>
+                                    <p:animEffect transition="out" filter="dissolve">
+                                      <p:cBhvr>
+                                        <p:cTn id="33" dur="500"/>
+                                        <p:tgtEl>
+                                          <p:spTgt spid="58"/>
+                                        </p:tgtEl>
+                                      </p:cBhvr>
+                                    </p:animEffect>
+                                    <p:set>
+                                      <p:cBhvr>
+                                        <p:cTn id="34" dur="1" fill="hold">
+                                          <p:stCondLst>
+                                            <p:cond delay="499"/>
+                                          </p:stCondLst>
+                                        </p:cTn>
+                                        <p:tgtEl>
+                                          <p:spTgt spid="58"/>
+                                        </p:tgtEl>
+                                        <p:attrNameLst>
+                                          <p:attrName>style.visibility</p:attrName>
+                                        </p:attrNameLst>
+                                      </p:cBhvr>
+                                      <p:to>
+                                        <p:strVal val="hidden"/>
+                                      </p:to>
+                                    </p:set>
+                                  </p:childTnLst>
+                                </p:cTn>
+                              </p:par>
+                              <p:par>
+                                <p:cTn id="35" presetID="9" presetClass="exit" presetSubtype="0" fill="hold" grpId="1" nodeType="withEffect">
+                                  <p:stCondLst>
+                                    <p:cond delay="0"/>
+                                  </p:stCondLst>
+                                  <p:childTnLst>
+                                    <p:animEffect transition="out" filter="dissolve">
+                                      <p:cBhvr>
+                                        <p:cTn id="36" dur="500"/>
+                                        <p:tgtEl>
+                                          <p:spTgt spid="59"/>
+                                        </p:tgtEl>
+                                      </p:cBhvr>
+                                    </p:animEffect>
+                                    <p:set>
+                                      <p:cBhvr>
+                                        <p:cTn id="37" dur="1" fill="hold">
+                                          <p:stCondLst>
+                                            <p:cond delay="499"/>
+                                          </p:stCondLst>
+                                        </p:cTn>
+                                        <p:tgtEl>
+                                          <p:spTgt spid="59"/>
+                                        </p:tgtEl>
+                                        <p:attrNameLst>
+                                          <p:attrName>style.visibility</p:attrName>
+                                        </p:attrNameLst>
+                                      </p:cBhvr>
+                                      <p:to>
+                                        <p:strVal val="hidden"/>
+                                      </p:to>
+                                    </p:set>
+                                  </p:childTnLst>
+                                </p:cTn>
+                              </p:par>
+                              <p:par>
+                                <p:cTn id="38" presetID="9" presetClass="exit" presetSubtype="0" fill="hold" nodeType="withEffect">
+                                  <p:stCondLst>
+                                    <p:cond delay="0"/>
+                                  </p:stCondLst>
+                                  <p:childTnLst>
+                                    <p:animEffect transition="out" filter="dissolve">
+                                      <p:cBhvr>
+                                        <p:cTn id="39" dur="500"/>
+                                        <p:tgtEl>
+                                          <p:spTgt spid="53"/>
+                                        </p:tgtEl>
+                                      </p:cBhvr>
+                                    </p:animEffect>
+                                    <p:set>
+                                      <p:cBhvr>
+                                        <p:cTn id="40" dur="1" fill="hold">
+                                          <p:stCondLst>
+                                            <p:cond delay="499"/>
+                                          </p:stCondLst>
+                                        </p:cTn>
+                                        <p:tgtEl>
+                                          <p:spTgt spid="53"/>
+                                        </p:tgtEl>
+                                        <p:attrNameLst>
+                                          <p:attrName>style.visibility</p:attrName>
+                                        </p:attrNameLst>
+                                      </p:cBhvr>
+                                      <p:to>
+                                        <p:strVal val="hidden"/>
+                                      </p:to>
+                                    </p:set>
+                                  </p:childTnLst>
+                                </p:cTn>
+                              </p:par>
+                              <p:par>
+                                <p:cTn id="41" presetID="9" presetClass="exit" presetSubtype="0" fill="hold" nodeType="withEffect">
+                                  <p:stCondLst>
+                                    <p:cond delay="0"/>
+                                  </p:stCondLst>
+                                  <p:childTnLst>
+                                    <p:animEffect transition="out" filter="dissolve">
+                                      <p:cBhvr>
+                                        <p:cTn id="42" dur="500"/>
+                                        <p:tgtEl>
+                                          <p:spTgt spid="51"/>
+                                        </p:tgtEl>
+                                      </p:cBhvr>
+                                    </p:animEffect>
+                                    <p:set>
+                                      <p:cBhvr>
+                                        <p:cTn id="43" dur="1" fill="hold">
+                                          <p:stCondLst>
+                                            <p:cond delay="499"/>
+                                          </p:stCondLst>
+                                        </p:cTn>
+                                        <p:tgtEl>
+                                          <p:spTgt spid="51"/>
+                                        </p:tgtEl>
+                                        <p:attrNameLst>
+                                          <p:attrName>style.visibility</p:attrName>
+                                        </p:attrNameLst>
+                                      </p:cBhvr>
+                                      <p:to>
+                                        <p:strVal val="hidden"/>
+                                      </p:to>
+                                    </p:set>
+                                  </p:childTnLst>
+                                </p:cTn>
+                              </p:par>
+                              <p:par>
+                                <p:cTn id="44" presetID="9" presetClass="exit" presetSubtype="0" fill="hold" nodeType="withEffect">
+                                  <p:stCondLst>
+                                    <p:cond delay="0"/>
+                                  </p:stCondLst>
+                                  <p:childTnLst>
+                                    <p:animEffect transition="out" filter="dissolve">
+                                      <p:cBhvr>
+                                        <p:cTn id="45" dur="500"/>
+                                        <p:tgtEl>
+                                          <p:spTgt spid="56"/>
+                                        </p:tgtEl>
+                                      </p:cBhvr>
+                                    </p:animEffect>
+                                    <p:set>
+                                      <p:cBhvr>
+                                        <p:cTn id="46" dur="1" fill="hold">
+                                          <p:stCondLst>
+                                            <p:cond delay="499"/>
+                                          </p:stCondLst>
+                                        </p:cTn>
+                                        <p:tgtEl>
+                                          <p:spTgt spid="56"/>
+                                        </p:tgtEl>
+                                        <p:attrNameLst>
+                                          <p:attrName>style.visibility</p:attrName>
+                                        </p:attrNameLst>
+                                      </p:cBhvr>
+                                      <p:to>
+                                        <p:strVal val="hidden"/>
+                                      </p:to>
+                                    </p:set>
+                                  </p:childTnLst>
+                                </p:cTn>
+                              </p:par>
+                              <p:par>
+                                <p:cTn id="47" presetID="9" presetClass="exit" presetSubtype="0" fill="hold" nodeType="withEffect">
+                                  <p:stCondLst>
+                                    <p:cond delay="0"/>
+                                  </p:stCondLst>
+                                  <p:childTnLst>
+                                    <p:animEffect transition="out" filter="dissolve">
+                                      <p:cBhvr>
+                                        <p:cTn id="48" dur="500"/>
+                                        <p:tgtEl>
+                                          <p:spTgt spid="55"/>
+                                        </p:tgtEl>
+                                      </p:cBhvr>
+                                    </p:animEffect>
+                                    <p:set>
+                                      <p:cBhvr>
+                                        <p:cTn id="49" dur="1" fill="hold">
+                                          <p:stCondLst>
+                                            <p:cond delay="499"/>
+                                          </p:stCondLst>
+                                        </p:cTn>
+                                        <p:tgtEl>
+                                          <p:spTgt spid="55"/>
+                                        </p:tgtEl>
+                                        <p:attrNameLst>
+                                          <p:attrName>style.visibility</p:attrName>
+                                        </p:attrNameLst>
+                                      </p:cBhvr>
+                                      <p:to>
+                                        <p:strVal val="hidden"/>
+                                      </p:to>
+                                    </p:set>
+                                  </p:childTnLst>
+                                </p:cTn>
+                              </p:par>
+                              <p:par>
+                                <p:cTn id="50" presetID="9" presetClass="exit" presetSubtype="0" fill="hold" nodeType="withEffect">
+                                  <p:stCondLst>
+                                    <p:cond delay="0"/>
+                                  </p:stCondLst>
+                                  <p:childTnLst>
+                                    <p:animEffect transition="out" filter="dissolve">
+                                      <p:cBhvr>
+                                        <p:cTn id="51" dur="500"/>
+                                        <p:tgtEl>
+                                          <p:spTgt spid="49"/>
+                                        </p:tgtEl>
+                                      </p:cBhvr>
+                                    </p:animEffect>
+                                    <p:set>
+                                      <p:cBhvr>
+                                        <p:cTn id="52" dur="1" fill="hold">
+                                          <p:stCondLst>
+                                            <p:cond delay="499"/>
+                                          </p:stCondLst>
+                                        </p:cTn>
+                                        <p:tgtEl>
+                                          <p:spTgt spid="49"/>
+                                        </p:tgtEl>
+                                        <p:attrNameLst>
+                                          <p:attrName>style.visibility</p:attrName>
+                                        </p:attrNameLst>
+                                      </p:cBhvr>
+                                      <p:to>
+                                        <p:strVal val="hidden"/>
+                                      </p:to>
+                                    </p:set>
+                                  </p:childTnLst>
+                                </p:cTn>
+                              </p:par>
+                              <p:par>
+                                <p:cTn id="53" presetID="9" presetClass="exit" presetSubtype="0" fill="hold" nodeType="withEffect">
+                                  <p:stCondLst>
+                                    <p:cond delay="0"/>
+                                  </p:stCondLst>
+                                  <p:childTnLst>
+                                    <p:animEffect transition="out" filter="dissolve">
+                                      <p:cBhvr>
+                                        <p:cTn id="54" dur="500"/>
+                                        <p:tgtEl>
+                                          <p:spTgt spid="78"/>
+                                        </p:tgtEl>
+                                      </p:cBhvr>
+                                    </p:animEffect>
+                                    <p:set>
+                                      <p:cBhvr>
+                                        <p:cTn id="55" dur="1" fill="hold">
+                                          <p:stCondLst>
+                                            <p:cond delay="499"/>
+                                          </p:stCondLst>
+                                        </p:cTn>
+                                        <p:tgtEl>
+                                          <p:spTgt spid="78"/>
+                                        </p:tgtEl>
+                                        <p:attrNameLst>
+                                          <p:attrName>style.visibility</p:attrName>
+                                        </p:attrNameLst>
+                                      </p:cBhvr>
+                                      <p:to>
+                                        <p:strVal val="hidden"/>
+                                      </p:to>
+                                    </p:set>
+                                  </p:childTnLst>
+                                </p:cTn>
+                              </p:par>
+                              <p:par>
+                                <p:cTn id="56" presetID="9" presetClass="exit" presetSubtype="0" fill="hold" nodeType="withEffect">
+                                  <p:stCondLst>
+                                    <p:cond delay="0"/>
+                                  </p:stCondLst>
+                                  <p:childTnLst>
+                                    <p:animEffect transition="out" filter="dissolve">
+                                      <p:cBhvr>
+                                        <p:cTn id="57" dur="500"/>
+                                        <p:tgtEl>
+                                          <p:spTgt spid="76"/>
+                                        </p:tgtEl>
+                                      </p:cBhvr>
+                                    </p:animEffect>
+                                    <p:set>
+                                      <p:cBhvr>
+                                        <p:cTn id="58" dur="1" fill="hold">
+                                          <p:stCondLst>
+                                            <p:cond delay="499"/>
+                                          </p:stCondLst>
+                                        </p:cTn>
+                                        <p:tgtEl>
+                                          <p:spTgt spid="76"/>
+                                        </p:tgtEl>
+                                        <p:attrNameLst>
+                                          <p:attrName>style.visibility</p:attrName>
+                                        </p:attrNameLst>
+                                      </p:cBhvr>
+                                      <p:to>
+                                        <p:strVal val="hidden"/>
+                                      </p:to>
+                                    </p:set>
+                                  </p:childTnLst>
+                                </p:cTn>
+                              </p:par>
+                            </p:childTnLst>
+                          </p:cTn>
+                        </p:par>
+                      </p:childTnLst>
+                    </p:cTn>
+                  </p:par>
+                </p:childTnLst>
+              </p:cTn>
+              <p:prevCondLst>
+                <p:cond evt="onPrev" delay="0">
+                  <p:tgtEl>
+                    <p:sldTgt/>
+                  </p:tgtEl>
+                </p:cond>
+              </p:prevCondLst>
+              <p:nextCondLst>
+                <p:cond evt="onNext" delay="0">
+                  <p:tgtEl>
+                    <p:sldTgt/>
+                  </p:tgtEl>
+                </p:cond>
+              </p:nextCondLst>
+            </p:seq>
+          </p:childTnLst>
+        </p:cTn>
+      </p:par>
+    </p:tnLst>
+    <p:bldLst>
+      <p:bldP spid="45" grpId="0" animBg="1"/>
+      <p:bldP spid="3" grpId="0" animBg="1"/>
+      <p:bldP spid="12" grpId="0" animBg="1"/>
+      <p:bldP spid="58" grpId="0" animBg="1"/>
+      <p:bldP spid="58" grpId="1" animBg="1"/>
+      <p:bldP spid="59" grpId="0" animBg="1"/>
+      <p:bldP spid="59" grpId="1" animBg="1"/>
+    </p:bldLst>
+  </p:timing>
+</p:sld>
+</file>
+
+<file path=ppt/slides/slide4.xml><?xml version="1.0" encoding="utf-8"?>
+<p:sld xmlns:a="http://schemas.openxmlformats.org/drawingml/2006/main" xmlns:r="http://schemas.openxmlformats.org/officeDocument/2006/relationships" xmlns:p="http://schemas.openxmlformats.org/presentationml/2006/main">
+  <p:cSld>
+    <p:spTree>
+      <p:nvGrpSpPr>
+        <p:cNvPr id="1" name=""/>
+        <p:cNvGrpSpPr/>
+        <p:nvPr/>
+      </p:nvGrpSpPr>
+      <p:grpSpPr>
+        <a:xfrm>
+          <a:off x="0" y="0"/>
+          <a:ext cx="0" cy="0"/>
+          <a:chOff x="0" y="0"/>
+          <a:chExt cx="0" cy="0"/>
+        </a:xfrm>
+      </p:grpSpPr>
+      <p:pic>
+        <p:nvPicPr>
+          <p:cNvPr id="18" name="pasted-image.png"/>
+          <p:cNvPicPr/>
+          <p:nvPr/>
+        </p:nvPicPr>
+        <p:blipFill>
+          <a:blip r:embed="rId3">
+            <a:extLst/>
+          </a:blip>
+          <a:stretch>
+            <a:fillRect/>
+          </a:stretch>
+        </p:blipFill>
+        <p:spPr>
+          <a:xfrm>
+            <a:off x="1768767" y="3411601"/>
+            <a:ext cx="10160000" cy="6286500"/>
+          </a:xfrm>
+          <a:prstGeom prst="rect">
+            <a:avLst/>
+          </a:prstGeom>
+          <a:ln w="12700">
+            <a:miter lim="400000"/>
+          </a:ln>
+        </p:spPr>
+      </p:pic>
       <p:grpSp>
         <p:nvGrpSpPr>
-          <p:cNvPr id="13" name="Group 12"/>
+          <p:cNvPr id="19" name="Group 18"/>
           <p:cNvGrpSpPr/>
           <p:nvPr/>
         </p:nvGrpSpPr>
@@ -2495,7 +4877,7 @@
         </p:grpSpPr>
         <p:sp>
           <p:nvSpPr>
-            <p:cNvPr id="14" name="Rectangle 13"/>
+            <p:cNvPr id="21" name="Rectangle 20"/>
             <p:cNvSpPr/>
             <p:nvPr/>
           </p:nvSpPr>
@@ -2507,35 +4889,21 @@
             <a:prstGeom prst="rect">
               <a:avLst/>
             </a:prstGeom>
-            <a:solidFill>
-              <a:schemeClr val="bg1">
-                <a:lumMod val="50000"/>
-                <a:alpha val="58000"/>
-              </a:schemeClr>
-            </a:solidFill>
-            <a:ln w="12700" cap="flat">
-              <a:noFill/>
-              <a:miter lim="400000"/>
-            </a:ln>
-            <a:effectLst>
-              <a:outerShdw blurRad="38100" dist="25400" dir="5400000" rotWithShape="0">
-                <a:srgbClr val="000000">
-                  <a:alpha val="50000"/>
-                </a:srgbClr>
-              </a:outerShdw>
-            </a:effectLst>
+            <a:ln/>
           </p:spPr>
           <p:style>
-            <a:lnRef idx="0">
-              <a:scrgbClr r="0" g="0" b="0"/>
+            <a:lnRef idx="2">
+              <a:schemeClr val="accent5"/>
             </a:lnRef>
-            <a:fillRef idx="0">
-              <a:scrgbClr r="0" g="0" b="0"/>
+            <a:fillRef idx="1">
+              <a:schemeClr val="lt1"/>
             </a:fillRef>
             <a:effectRef idx="0">
-              <a:scrgbClr r="0" g="0" b="0"/>
+              <a:schemeClr val="accent5"/>
             </a:effectRef>
-            <a:fontRef idx="none"/>
+            <a:fontRef idx="minor">
+              <a:schemeClr val="dk1"/>
+            </a:fontRef>
           </p:style>
           <p:txBody>
             <a:bodyPr rot="0" spcFirstLastPara="1" vertOverflow="overflow" horzOverflow="overflow" vert="horz" wrap="square" lIns="50800" tIns="50800" rIns="50800" bIns="50800" numCol="1" spcCol="38100" rtlCol="0" anchor="ctr">
@@ -2578,7 +4946,7 @@
         </p:sp>
         <p:sp>
           <p:nvSpPr>
-            <p:cNvPr id="5" name="Rectangle 4"/>
+            <p:cNvPr id="22" name="Rectangle 21"/>
             <p:cNvSpPr/>
             <p:nvPr/>
           </p:nvSpPr>
@@ -2612,63 +4980,83 @@
           </p:txBody>
         </p:sp>
       </p:grpSp>
+      <p:pic>
+        <p:nvPicPr>
+          <p:cNvPr id="17" name="pasted-image.png"/>
+          <p:cNvPicPr/>
+          <p:nvPr/>
+        </p:nvPicPr>
+        <p:blipFill>
+          <a:blip r:embed="rId4">
+            <a:extLst/>
+          </a:blip>
+          <a:stretch>
+            <a:fillRect/>
+          </a:stretch>
+        </p:blipFill>
+        <p:spPr>
+          <a:xfrm>
+            <a:off x="6568145" y="522692"/>
+            <a:ext cx="5238231" cy="3022944"/>
+          </a:xfrm>
+          <a:prstGeom prst="rect">
+            <a:avLst/>
+          </a:prstGeom>
+          <a:ln w="12700">
+            <a:miter lim="400000"/>
+          </a:ln>
+        </p:spPr>
+      </p:pic>
       <p:grpSp>
         <p:nvGrpSpPr>
-          <p:cNvPr id="11" name="Group 10"/>
+          <p:cNvPr id="9" name="Group 8"/>
           <p:cNvGrpSpPr/>
           <p:nvPr/>
         </p:nvGrpSpPr>
         <p:grpSpPr>
           <a:xfrm>
-            <a:off x="4069042" y="5156309"/>
-            <a:ext cx="4572000" cy="914400"/>
-            <a:chOff x="4066606" y="4463844"/>
-            <a:chExt cx="4572000" cy="914400"/>
+            <a:off x="2758123" y="2237212"/>
+            <a:ext cx="2565678" cy="759182"/>
+            <a:chOff x="2758123" y="2237212"/>
+            <a:chExt cx="2565678" cy="759182"/>
           </a:xfrm>
         </p:grpSpPr>
         <p:sp>
           <p:nvSpPr>
-            <p:cNvPr id="15" name="Rectangle 14"/>
+            <p:cNvPr id="4" name="Isosceles Triangle 3"/>
             <p:cNvSpPr/>
             <p:nvPr/>
           </p:nvSpPr>
           <p:spPr>
-            <a:xfrm>
-              <a:off x="4066606" y="4463844"/>
-              <a:ext cx="4572000" cy="914400"/>
+            <a:xfrm rot="5400000">
+              <a:off x="5131379" y="2380911"/>
+              <a:ext cx="243741" cy="141103"/>
             </a:xfrm>
-            <a:prstGeom prst="rect">
+            <a:prstGeom prst="triangle">
               <a:avLst/>
             </a:prstGeom>
             <a:solidFill>
-              <a:schemeClr val="bg1">
-                <a:lumMod val="50000"/>
-                <a:alpha val="58000"/>
-              </a:schemeClr>
+              <a:srgbClr val="FF0000"/>
             </a:solidFill>
-            <a:ln w="12700" cap="flat">
-              <a:noFill/>
-              <a:miter lim="400000"/>
+            <a:ln>
+              <a:solidFill>
+                <a:srgbClr val="0D0D0D"/>
+              </a:solidFill>
             </a:ln>
-            <a:effectLst>
-              <a:outerShdw blurRad="38100" dist="25400" dir="5400000" rotWithShape="0">
-                <a:srgbClr val="000000">
-                  <a:alpha val="50000"/>
-                </a:srgbClr>
-              </a:outerShdw>
-            </a:effectLst>
           </p:spPr>
           <p:style>
-            <a:lnRef idx="0">
-              <a:scrgbClr r="0" g="0" b="0"/>
+            <a:lnRef idx="2">
+              <a:schemeClr val="accent5"/>
             </a:lnRef>
-            <a:fillRef idx="0">
-              <a:scrgbClr r="0" g="0" b="0"/>
+            <a:fillRef idx="1">
+              <a:schemeClr val="lt1"/>
             </a:fillRef>
             <a:effectRef idx="0">
-              <a:scrgbClr r="0" g="0" b="0"/>
+              <a:schemeClr val="accent5"/>
             </a:effectRef>
-            <a:fontRef idx="none"/>
+            <a:fontRef idx="minor">
+              <a:schemeClr val="dk1"/>
+            </a:fontRef>
           </p:style>
           <p:txBody>
             <a:bodyPr rot="0" spcFirstLastPara="1" vertOverflow="overflow" horzOverflow="overflow" vert="horz" wrap="square" lIns="50800" tIns="50800" rIns="50800" bIns="50800" numCol="1" spcCol="38100" rtlCol="0" anchor="ctr">
@@ -2692,7 +5080,7 @@
                 <a:buNone/>
                 <a:tabLst/>
               </a:pPr>
-              <a:endParaRPr kumimoji="0" lang="en-US" sz="2400" b="0" i="0" u="none" strike="noStrike" cap="none" spc="0" normalizeH="0" baseline="0" dirty="0">
+              <a:endParaRPr kumimoji="0" lang="en-US" sz="2400" b="0" i="0" u="none" strike="noStrike" cap="none" spc="0" normalizeH="0" baseline="0">
                 <a:ln>
                   <a:noFill/>
                 </a:ln>
@@ -2711,103 +5099,24 @@
         </p:sp>
         <p:sp>
           <p:nvSpPr>
-            <p:cNvPr id="7" name="Rectangle 6"/>
-            <p:cNvSpPr/>
+            <p:cNvPr id="6" name="TextBox 5"/>
+            <p:cNvSpPr txBox="1"/>
             <p:nvPr/>
           </p:nvSpPr>
           <p:spPr>
             <a:xfrm>
-              <a:off x="4337833" y="4597879"/>
-              <a:ext cx="4029546" cy="646331"/>
+              <a:off x="3136322" y="2237212"/>
+              <a:ext cx="1988813" cy="379591"/>
             </a:xfrm>
             <a:prstGeom prst="rect">
               <a:avLst/>
             </a:prstGeom>
-          </p:spPr>
-          <p:txBody>
-            <a:bodyPr wrap="none">
-              <a:spAutoFit/>
-            </a:bodyPr>
-            <a:lstStyle/>
-            <a:p>
-              <a:pPr rtl="0" latinLnBrk="1" hangingPunct="0"/>
-              <a:r>
-                <a:rPr lang="en-US" dirty="0">
-                  <a:solidFill>
-                    <a:srgbClr val="0D0D0D"/>
-                  </a:solidFill>
-                  <a:latin typeface="Times New Roman"/>
-                  <a:cs typeface="Times New Roman"/>
-                </a:rPr>
-                <a:t>Generate</a:t>
-              </a:r>
-              <a:r>
-                <a:rPr lang="en-US" dirty="0">
-                  <a:solidFill>
-                    <a:srgbClr val="FFFFFF"/>
-                  </a:solidFill>
-                </a:rPr>
-                <a:t> </a:t>
-              </a:r>
-              <a:r>
-                <a:rPr lang="en-US" dirty="0">
-                  <a:solidFill>
-                    <a:srgbClr val="0D0D0D"/>
-                  </a:solidFill>
-                  <a:latin typeface="Times New Roman"/>
-                  <a:cs typeface="Times New Roman"/>
-                </a:rPr>
-                <a:t>trajectories</a:t>
-              </a:r>
-            </a:p>
-          </p:txBody>
-        </p:sp>
-      </p:grpSp>
-      <p:grpSp>
-        <p:nvGrpSpPr>
-          <p:cNvPr id="16" name="Group 15"/>
-          <p:cNvGrpSpPr/>
-          <p:nvPr/>
-        </p:nvGrpSpPr>
-        <p:grpSpPr>
-          <a:xfrm>
-            <a:off x="4069042" y="6901019"/>
-            <a:ext cx="4572000" cy="914400"/>
-            <a:chOff x="4071479" y="6644494"/>
-            <a:chExt cx="4572000" cy="914400"/>
-          </a:xfrm>
-        </p:grpSpPr>
-        <p:sp>
-          <p:nvSpPr>
-            <p:cNvPr id="20" name="Rectangle 19"/>
-            <p:cNvSpPr/>
-            <p:nvPr/>
-          </p:nvSpPr>
-          <p:spPr>
-            <a:xfrm>
-              <a:off x="4071479" y="6644494"/>
-              <a:ext cx="4572000" cy="914400"/>
-            </a:xfrm>
-            <a:prstGeom prst="rect">
-              <a:avLst/>
-            </a:prstGeom>
-            <a:solidFill>
-              <a:schemeClr val="bg1">
-                <a:lumMod val="50000"/>
-                <a:alpha val="58000"/>
-              </a:schemeClr>
-            </a:solidFill>
+            <a:noFill/>
             <a:ln w="12700" cap="flat">
               <a:noFill/>
               <a:miter lim="400000"/>
             </a:ln>
-            <a:effectLst>
-              <a:outerShdw blurRad="38100" dist="25400" dir="5400000" rotWithShape="0">
-                <a:srgbClr val="000000">
-                  <a:alpha val="50000"/>
-                </a:srgbClr>
-              </a:outerShdw>
-            </a:effectLst>
+            <a:effectLst/>
           </p:spPr>
           <p:style>
             <a:lnRef idx="0">
@@ -2820,6 +5129,114 @@
               <a:scrgbClr r="0" g="0" b="0"/>
             </a:effectRef>
             <a:fontRef idx="none"/>
+          </p:style>
+          <p:txBody>
+            <a:bodyPr rot="0" spcFirstLastPara="1" vertOverflow="overflow" horzOverflow="overflow" vert="horz" wrap="none" lIns="50800" tIns="50800" rIns="50800" bIns="50800" numCol="1" spcCol="38100" rtlCol="0" anchor="ctr">
+              <a:spAutoFit/>
+            </a:bodyPr>
+            <a:lstStyle/>
+            <a:p>
+              <a:pPr marL="0" marR="0" indent="0" algn="ctr" defTabSz="584200" rtl="0" fontAlgn="auto" latinLnBrk="1" hangingPunct="0">
+                <a:lnSpc>
+                  <a:spcPct val="100000"/>
+                </a:lnSpc>
+                <a:spcBef>
+                  <a:spcPts val="0"/>
+                </a:spcBef>
+                <a:spcAft>
+                  <a:spcPts val="0"/>
+                </a:spcAft>
+                <a:buClrTx/>
+                <a:buSzTx/>
+                <a:buFontTx/>
+                <a:buNone/>
+                <a:tabLst/>
+              </a:pPr>
+              <a:r>
+                <a:rPr lang="en-US" altLang="zh-CN" sz="1800" dirty="0" smtClean="0">
+                  <a:solidFill>
+                    <a:srgbClr val="000000"/>
+                  </a:solidFill>
+                  <a:latin typeface="Arial"/>
+                  <a:cs typeface="Arial"/>
+                </a:rPr>
+                <a:t>Scene-level</a:t>
+              </a:r>
+              <a:r>
+                <a:rPr lang="zh-CN" altLang="en-US" sz="1800" dirty="0" smtClean="0">
+                  <a:solidFill>
+                    <a:srgbClr val="000000"/>
+                  </a:solidFill>
+                  <a:latin typeface="Arial"/>
+                  <a:cs typeface="Arial"/>
+                </a:rPr>
+                <a:t> </a:t>
+              </a:r>
+              <a:r>
+                <a:rPr lang="en-US" altLang="zh-CN" sz="1800" dirty="0" smtClean="0">
+                  <a:solidFill>
+                    <a:srgbClr val="000000"/>
+                  </a:solidFill>
+                  <a:latin typeface="Arial"/>
+                  <a:cs typeface="Arial"/>
+                </a:rPr>
+                <a:t>scene</a:t>
+              </a:r>
+              <a:endParaRPr kumimoji="0" lang="en-US" sz="1800" b="0" i="0" u="none" strike="noStrike" cap="none" spc="0" normalizeH="0" baseline="0" dirty="0">
+                <a:ln>
+                  <a:noFill/>
+                </a:ln>
+                <a:solidFill>
+                  <a:srgbClr val="000000"/>
+                </a:solidFill>
+                <a:effectLst/>
+                <a:uFillTx/>
+                <a:latin typeface="Arial"/>
+                <a:cs typeface="Arial"/>
+                <a:sym typeface="Helvetica Light"/>
+              </a:endParaRPr>
+            </a:p>
+          </p:txBody>
+        </p:sp>
+        <p:sp>
+          <p:nvSpPr>
+            <p:cNvPr id="24" name="Isosceles Triangle 23"/>
+            <p:cNvSpPr/>
+            <p:nvPr/>
+          </p:nvSpPr>
+          <p:spPr>
+            <a:xfrm rot="10800000">
+              <a:off x="2758123" y="2764248"/>
+              <a:ext cx="243741" cy="141103"/>
+            </a:xfrm>
+            <a:prstGeom prst="triangle">
+              <a:avLst/>
+            </a:prstGeom>
+            <a:solidFill>
+              <a:srgbClr val="FF0000"/>
+            </a:solidFill>
+            <a:ln>
+              <a:solidFill>
+                <a:schemeClr val="tx1">
+                  <a:lumMod val="95000"/>
+                  <a:lumOff val="5000"/>
+                </a:schemeClr>
+              </a:solidFill>
+            </a:ln>
+          </p:spPr>
+          <p:style>
+            <a:lnRef idx="2">
+              <a:schemeClr val="accent5"/>
+            </a:lnRef>
+            <a:fillRef idx="1">
+              <a:schemeClr val="lt1"/>
+            </a:fillRef>
+            <a:effectRef idx="0">
+              <a:schemeClr val="accent5"/>
+            </a:effectRef>
+            <a:fontRef idx="minor">
+              <a:schemeClr val="dk1"/>
+            </a:fontRef>
           </p:style>
           <p:txBody>
             <a:bodyPr rot="0" spcFirstLastPara="1" vertOverflow="overflow" horzOverflow="overflow" vert="horz" wrap="square" lIns="50800" tIns="50800" rIns="50800" bIns="50800" numCol="1" spcCol="38100" rtlCol="0" anchor="ctr">
@@ -2843,7 +5260,7 @@
                 <a:buNone/>
                 <a:tabLst/>
               </a:pPr>
-              <a:endParaRPr kumimoji="0" lang="en-US" sz="2400" b="0" i="0" u="none" strike="noStrike" cap="none" spc="0" normalizeH="0" baseline="0" dirty="0">
+              <a:endParaRPr kumimoji="0" lang="en-US" sz="2400" b="0" i="0" u="none" strike="noStrike" cap="none" spc="0" normalizeH="0" baseline="0">
                 <a:ln>
                   <a:noFill/>
                 </a:ln>
@@ -2862,94 +5279,122 @@
         </p:sp>
         <p:sp>
           <p:nvSpPr>
-            <p:cNvPr id="8" name="Rectangle 7"/>
-            <p:cNvSpPr/>
+            <p:cNvPr id="26" name="TextBox 25"/>
+            <p:cNvSpPr txBox="1"/>
             <p:nvPr/>
           </p:nvSpPr>
           <p:spPr>
             <a:xfrm>
-              <a:off x="5598297" y="6778529"/>
-              <a:ext cx="1518364" cy="646331"/>
+              <a:off x="3129942" y="2616803"/>
+              <a:ext cx="2001437" cy="379591"/>
             </a:xfrm>
             <a:prstGeom prst="rect">
               <a:avLst/>
             </a:prstGeom>
+            <a:noFill/>
+            <a:ln w="12700" cap="flat">
+              <a:noFill/>
+              <a:miter lim="400000"/>
+            </a:ln>
+            <a:effectLst/>
           </p:spPr>
+          <p:style>
+            <a:lnRef idx="0">
+              <a:scrgbClr r="0" g="0" b="0"/>
+            </a:lnRef>
+            <a:fillRef idx="0">
+              <a:scrgbClr r="0" g="0" b="0"/>
+            </a:fillRef>
+            <a:effectRef idx="0">
+              <a:scrgbClr r="0" g="0" b="0"/>
+            </a:effectRef>
+            <a:fontRef idx="none"/>
+          </p:style>
           <p:txBody>
-            <a:bodyPr wrap="none">
+            <a:bodyPr rot="0" spcFirstLastPara="1" vertOverflow="overflow" horzOverflow="overflow" vert="horz" wrap="none" lIns="50800" tIns="50800" rIns="50800" bIns="50800" numCol="1" spcCol="38100" rtlCol="0" anchor="ctr">
               <a:spAutoFit/>
             </a:bodyPr>
             <a:lstStyle/>
             <a:p>
-              <a:pPr rtl="0" latinLnBrk="1" hangingPunct="0"/>
+              <a:pPr marL="0" marR="0" indent="0" algn="ctr" defTabSz="584200" rtl="0" fontAlgn="auto" latinLnBrk="1" hangingPunct="0">
+                <a:lnSpc>
+                  <a:spcPct val="100000"/>
+                </a:lnSpc>
+                <a:spcBef>
+                  <a:spcPts val="0"/>
+                </a:spcBef>
+                <a:spcAft>
+                  <a:spcPts val="0"/>
+                </a:spcAft>
+                <a:buClrTx/>
+                <a:buSzTx/>
+                <a:buFontTx/>
+                <a:buNone/>
+                <a:tabLst/>
+              </a:pPr>
               <a:r>
-                <a:rPr lang="en-US" dirty="0">
+                <a:rPr kumimoji="0" lang="en-US" altLang="zh-CN" sz="1800" b="0" i="0" u="none" strike="noStrike" cap="none" spc="0" normalizeH="0" baseline="0" dirty="0" smtClean="0">
+                  <a:ln>
+                    <a:noFill/>
+                  </a:ln>
                   <a:solidFill>
-                    <a:srgbClr val="0D0D0D"/>
+                    <a:srgbClr val="000000"/>
                   </a:solidFill>
-                  <a:latin typeface="Times New Roman"/>
-                  <a:cs typeface="Times New Roman"/>
+                  <a:effectLst/>
+                  <a:uFillTx/>
+                  <a:latin typeface="Arial"/>
+                  <a:cs typeface="Arial"/>
+                  <a:sym typeface="Helvetica Light"/>
                 </a:rPr>
-                <a:t>Render</a:t>
+                <a:t>Object</a:t>
               </a:r>
+              <a:r>
+                <a:rPr lang="en-US" altLang="zh-CN" sz="1800" dirty="0" smtClean="0">
+                  <a:solidFill>
+                    <a:srgbClr val="000000"/>
+                  </a:solidFill>
+                  <a:latin typeface="Arial"/>
+                  <a:cs typeface="Arial"/>
+                </a:rPr>
+                <a:t>-level</a:t>
+              </a:r>
+              <a:r>
+                <a:rPr lang="zh-CN" altLang="en-US" sz="1800" dirty="0" smtClean="0">
+                  <a:solidFill>
+                    <a:srgbClr val="000000"/>
+                  </a:solidFill>
+                  <a:latin typeface="Arial"/>
+                  <a:cs typeface="Arial"/>
+                </a:rPr>
+                <a:t> </a:t>
+              </a:r>
+              <a:r>
+                <a:rPr lang="en-US" altLang="zh-CN" sz="1800" dirty="0" smtClean="0">
+                  <a:solidFill>
+                    <a:srgbClr val="000000"/>
+                  </a:solidFill>
+                  <a:latin typeface="Arial"/>
+                  <a:cs typeface="Arial"/>
+                </a:rPr>
+                <a:t>scene</a:t>
+              </a:r>
+              <a:endParaRPr kumimoji="0" lang="en-US" sz="1800" b="0" i="0" u="none" strike="noStrike" cap="none" spc="0" normalizeH="0" baseline="0" dirty="0">
+                <a:ln>
+                  <a:noFill/>
+                </a:ln>
+                <a:solidFill>
+                  <a:srgbClr val="000000"/>
+                </a:solidFill>
+                <a:effectLst/>
+                <a:uFillTx/>
+                <a:latin typeface="Arial"/>
+                <a:cs typeface="Arial"/>
+                <a:sym typeface="Helvetica Light"/>
+              </a:endParaRPr>
             </a:p>
           </p:txBody>
         </p:sp>
       </p:grpSp>
-      <p:pic>
-        <p:nvPicPr>
-          <p:cNvPr id="17" name="pasted-image.png"/>
-          <p:cNvPicPr/>
-          <p:nvPr/>
-        </p:nvPicPr>
-        <p:blipFill>
-          <a:blip r:embed="rId2">
-            <a:extLst/>
-          </a:blip>
-          <a:stretch>
-            <a:fillRect/>
-          </a:stretch>
-        </p:blipFill>
-        <p:spPr>
-          <a:xfrm>
-            <a:off x="6040577" y="218236"/>
-            <a:ext cx="5765800" cy="3327400"/>
-          </a:xfrm>
-          <a:prstGeom prst="rect">
-            <a:avLst/>
-          </a:prstGeom>
-          <a:ln w="12700">
-            <a:miter lim="400000"/>
-          </a:ln>
-        </p:spPr>
-      </p:pic>
-      <p:pic>
-        <p:nvPicPr>
-          <p:cNvPr id="18" name="pasted-image.png"/>
-          <p:cNvPicPr/>
-          <p:nvPr/>
-        </p:nvPicPr>
-        <p:blipFill>
-          <a:blip r:embed="rId3">
-            <a:extLst/>
-          </a:blip>
-          <a:stretch>
-            <a:fillRect/>
-          </a:stretch>
-        </p:blipFill>
-        <p:spPr>
-          <a:xfrm>
-            <a:off x="1768767" y="3411601"/>
-            <a:ext cx="10160000" cy="6286500"/>
-          </a:xfrm>
-          <a:prstGeom prst="rect">
-            <a:avLst/>
-          </a:prstGeom>
-          <a:ln w="12700">
-            <a:miter lim="400000"/>
-          </a:ln>
-        </p:spPr>
-      </p:pic>
     </p:spTree>
     <p:extLst>
       <p:ext uri="{BB962C8B-B14F-4D97-AF65-F5344CB8AC3E}">
@@ -2973,6 +5418,9 @@
                     <p:cTn id="3" fill="hold">
                       <p:stCondLst>
                         <p:cond delay="indefinite"/>
+                        <p:cond evt="onBegin" delay="0">
+                          <p:tn val="2"/>
+                        </p:cond>
                       </p:stCondLst>
                       <p:childTnLst>
                         <p:par>
@@ -2982,216 +5430,23 @@
                             </p:stCondLst>
                             <p:childTnLst>
                               <p:par>
-                                <p:cTn id="5" presetID="9" presetClass="exit" presetSubtype="0" fill="hold" grpId="0" nodeType="clickEffect">
+                                <p:cTn id="5" presetID="0" presetClass="path" presetSubtype="0" accel="50000" decel="50000" fill="hold" nodeType="withEffect">
                                   <p:stCondLst>
                                     <p:cond delay="0"/>
                                   </p:stCondLst>
                                   <p:childTnLst>
-                                    <p:animEffect transition="out" filter="dissolve">
+                                    <p:animMotion origin="layout" path="M -4.08103E-6 -3.53851E-6 L -0.17158 -0.26868 " pathEditMode="relative" rAng="0" ptsTypes="AA">
                                       <p:cBhvr>
-                                        <p:cTn id="6" dur="500"/>
+                                        <p:cTn id="6" dur="2000" fill="hold"/>
                                         <p:tgtEl>
-                                          <p:spTgt spid="3"/>
-                                        </p:tgtEl>
-                                      </p:cBhvr>
-                                    </p:animEffect>
-                                    <p:set>
-                                      <p:cBhvr>
-                                        <p:cTn id="7" dur="1" fill="hold">
-                                          <p:stCondLst>
-                                            <p:cond delay="499"/>
-                                          </p:stCondLst>
-                                        </p:cTn>
-                                        <p:tgtEl>
-                                          <p:spTgt spid="3"/>
-                                        </p:tgtEl>
-                                        <p:attrNameLst>
-                                          <p:attrName>style.visibility</p:attrName>
-                                        </p:attrNameLst>
-                                      </p:cBhvr>
-                                      <p:to>
-                                        <p:strVal val="hidden"/>
-                                      </p:to>
-                                    </p:set>
-                                  </p:childTnLst>
-                                </p:cTn>
-                              </p:par>
-                              <p:par>
-                                <p:cTn id="8" presetID="9" presetClass="exit" presetSubtype="0" fill="hold" nodeType="withEffect">
-                                  <p:stCondLst>
-                                    <p:cond delay="0"/>
-                                  </p:stCondLst>
-                                  <p:childTnLst>
-                                    <p:animEffect transition="out" filter="dissolve">
-                                      <p:cBhvr>
-                                        <p:cTn id="9" dur="500"/>
-                                        <p:tgtEl>
-                                          <p:spTgt spid="11"/>
-                                        </p:tgtEl>
-                                      </p:cBhvr>
-                                    </p:animEffect>
-                                    <p:set>
-                                      <p:cBhvr>
-                                        <p:cTn id="10" dur="1" fill="hold">
-                                          <p:stCondLst>
-                                            <p:cond delay="499"/>
-                                          </p:stCondLst>
-                                        </p:cTn>
-                                        <p:tgtEl>
-                                          <p:spTgt spid="11"/>
-                                        </p:tgtEl>
-                                        <p:attrNameLst>
-                                          <p:attrName>style.visibility</p:attrName>
-                                        </p:attrNameLst>
-                                      </p:cBhvr>
-                                      <p:to>
-                                        <p:strVal val="hidden"/>
-                                      </p:to>
-                                    </p:set>
-                                  </p:childTnLst>
-                                </p:cTn>
-                              </p:par>
-                              <p:par>
-                                <p:cTn id="11" presetID="9" presetClass="exit" presetSubtype="0" fill="hold" nodeType="withEffect">
-                                  <p:stCondLst>
-                                    <p:cond delay="0"/>
-                                  </p:stCondLst>
-                                  <p:childTnLst>
-                                    <p:animEffect transition="out" filter="dissolve">
-                                      <p:cBhvr>
-                                        <p:cTn id="12" dur="500"/>
-                                        <p:tgtEl>
-                                          <p:spTgt spid="16"/>
-                                        </p:tgtEl>
-                                      </p:cBhvr>
-                                    </p:animEffect>
-                                    <p:set>
-                                      <p:cBhvr>
-                                        <p:cTn id="13" dur="1" fill="hold">
-                                          <p:stCondLst>
-                                            <p:cond delay="499"/>
-                                          </p:stCondLst>
-                                        </p:cTn>
-                                        <p:tgtEl>
-                                          <p:spTgt spid="16"/>
-                                        </p:tgtEl>
-                                        <p:attrNameLst>
-                                          <p:attrName>style.visibility</p:attrName>
-                                        </p:attrNameLst>
-                                      </p:cBhvr>
-                                      <p:to>
-                                        <p:strVal val="hidden"/>
-                                      </p:to>
-                                    </p:set>
-                                  </p:childTnLst>
-                                </p:cTn>
-                              </p:par>
-                              <p:par>
-                                <p:cTn id="14" presetID="9" presetClass="exit" presetSubtype="0" fill="hold" grpId="0" nodeType="withEffect">
-                                  <p:stCondLst>
-                                    <p:cond delay="0"/>
-                                  </p:stCondLst>
-                                  <p:childTnLst>
-                                    <p:animEffect transition="out" filter="dissolve">
-                                      <p:cBhvr>
-                                        <p:cTn id="15" dur="500"/>
-                                        <p:tgtEl>
-                                          <p:spTgt spid="12"/>
-                                        </p:tgtEl>
-                                      </p:cBhvr>
-                                    </p:animEffect>
-                                    <p:set>
-                                      <p:cBhvr>
-                                        <p:cTn id="16" dur="1" fill="hold">
-                                          <p:stCondLst>
-                                            <p:cond delay="499"/>
-                                          </p:stCondLst>
-                                        </p:cTn>
-                                        <p:tgtEl>
-                                          <p:spTgt spid="12"/>
-                                        </p:tgtEl>
-                                        <p:attrNameLst>
-                                          <p:attrName>style.visibility</p:attrName>
-                                        </p:attrNameLst>
-                                      </p:cBhvr>
-                                      <p:to>
-                                        <p:strVal val="hidden"/>
-                                      </p:to>
-                                    </p:set>
-                                  </p:childTnLst>
-                                </p:cTn>
-                              </p:par>
-                            </p:childTnLst>
-                          </p:cTn>
-                        </p:par>
-                        <p:par>
-                          <p:cTn id="17" fill="hold">
-                            <p:stCondLst>
-                              <p:cond delay="500"/>
-                            </p:stCondLst>
-                            <p:childTnLst>
-                              <p:par>
-                                <p:cTn id="18" presetID="9" presetClass="exit" presetSubtype="0" fill="hold" grpId="0" nodeType="afterEffect">
-                                  <p:stCondLst>
-                                    <p:cond delay="0"/>
-                                  </p:stCondLst>
-                                  <p:childTnLst>
-                                    <p:animEffect transition="out" filter="dissolve">
-                                      <p:cBhvr>
-                                        <p:cTn id="19" dur="500"/>
-                                        <p:tgtEl>
-                                          <p:spTgt spid="45"/>
-                                        </p:tgtEl>
-                                      </p:cBhvr>
-                                    </p:animEffect>
-                                    <p:set>
-                                      <p:cBhvr>
-                                        <p:cTn id="20" dur="1" fill="hold">
-                                          <p:stCondLst>
-                                            <p:cond delay="499"/>
-                                          </p:stCondLst>
-                                        </p:cTn>
-                                        <p:tgtEl>
-                                          <p:spTgt spid="45"/>
-                                        </p:tgtEl>
-                                        <p:attrNameLst>
-                                          <p:attrName>style.visibility</p:attrName>
-                                        </p:attrNameLst>
-                                      </p:cBhvr>
-                                      <p:to>
-                                        <p:strVal val="hidden"/>
-                                      </p:to>
-                                    </p:set>
-                                  </p:childTnLst>
-                                </p:cTn>
-                              </p:par>
-                            </p:childTnLst>
-                          </p:cTn>
-                        </p:par>
-                        <p:par>
-                          <p:cTn id="21" fill="hold">
-                            <p:stCondLst>
-                              <p:cond delay="1000"/>
-                            </p:stCondLst>
-                            <p:childTnLst>
-                              <p:par>
-                                <p:cTn id="22" presetID="42" presetClass="path" presetSubtype="0" accel="50000" decel="50000" fill="hold" nodeType="afterEffect">
-                                  <p:stCondLst>
-                                    <p:cond delay="0"/>
-                                  </p:stCondLst>
-                                  <p:childTnLst>
-                                    <p:animMotion origin="layout" path="M 1.80864E-6 -9.0539E-7 L -0.23969 -0.23612 " pathEditMode="relative" rAng="0" ptsTypes="AA">
-                                      <p:cBhvr>
-                                        <p:cTn id="23" dur="2000" fill="hold"/>
-                                        <p:tgtEl>
-                                          <p:spTgt spid="13"/>
+                                          <p:spTgt spid="19"/>
                                         </p:tgtEl>
                                         <p:attrNameLst>
                                           <p:attrName>ppt_x</p:attrName>
                                           <p:attrName>ppt_y</p:attrName>
                                         </p:attrNameLst>
                                       </p:cBhvr>
-                                      <p:rCtr x="-11984" y="-11806"/>
+                                      <p:rCtr x="-8579" y="-13434"/>
                                     </p:animMotion>
                                   </p:childTnLst>
                                 </p:cTn>
@@ -3200,20 +5455,20 @@
                           </p:cTn>
                         </p:par>
                         <p:par>
-                          <p:cTn id="24" fill="hold">
+                          <p:cTn id="7" fill="hold">
                             <p:stCondLst>
-                              <p:cond delay="3000"/>
+                              <p:cond delay="2000"/>
                             </p:stCondLst>
                             <p:childTnLst>
                               <p:par>
-                                <p:cTn id="25" presetID="1" presetClass="entr" presetSubtype="0" fill="hold" nodeType="afterEffect">
+                                <p:cTn id="8" presetID="1" presetClass="entr" presetSubtype="0" fill="hold" nodeType="afterEffect">
                                   <p:stCondLst>
                                     <p:cond delay="0"/>
                                   </p:stCondLst>
                                   <p:childTnLst>
                                     <p:set>
                                       <p:cBhvr>
-                                        <p:cTn id="26" dur="1" fill="hold">
+                                        <p:cTn id="9" dur="1" fill="hold">
                                           <p:stCondLst>
                                             <p:cond delay="0"/>
                                           </p:stCondLst>
@@ -3233,20 +5488,56 @@
                                 </p:cTn>
                               </p:par>
                               <p:par>
-                                <p:cTn id="27" presetID="1" presetClass="entr" presetSubtype="0" fill="hold" nodeType="withEffect">
+                                <p:cTn id="10" presetID="1" presetClass="entr" presetSubtype="0" fill="hold" nodeType="withEffect">
                                   <p:stCondLst>
                                     <p:cond delay="0"/>
                                   </p:stCondLst>
                                   <p:childTnLst>
                                     <p:set>
                                       <p:cBhvr>
-                                        <p:cTn id="28" dur="1" fill="hold">
+                                        <p:cTn id="11" dur="1" fill="hold">
                                           <p:stCondLst>
                                             <p:cond delay="0"/>
                                           </p:stCondLst>
                                         </p:cTn>
                                         <p:tgtEl>
                                           <p:spTgt spid="18"/>
+                                        </p:tgtEl>
+                                        <p:attrNameLst>
+                                          <p:attrName>style.visibility</p:attrName>
+                                        </p:attrNameLst>
+                                      </p:cBhvr>
+                                      <p:to>
+                                        <p:strVal val="visible"/>
+                                      </p:to>
+                                    </p:set>
+                                  </p:childTnLst>
+                                </p:cTn>
+                              </p:par>
+                            </p:childTnLst>
+                          </p:cTn>
+                        </p:par>
+                        <p:par>
+                          <p:cTn id="12" fill="hold">
+                            <p:stCondLst>
+                              <p:cond delay="2000"/>
+                            </p:stCondLst>
+                            <p:childTnLst>
+                              <p:par>
+                                <p:cTn id="13" presetID="1" presetClass="entr" presetSubtype="0" fill="hold" nodeType="afterEffect">
+                                  <p:stCondLst>
+                                    <p:cond delay="0"/>
+                                  </p:stCondLst>
+                                  <p:childTnLst>
+                                    <p:set>
+                                      <p:cBhvr>
+                                        <p:cTn id="14" dur="1" fill="hold">
+                                          <p:stCondLst>
+                                            <p:cond delay="0"/>
+                                          </p:stCondLst>
+                                        </p:cTn>
+                                        <p:tgtEl>
+                                          <p:spTgt spid="9"/>
                                         </p:tgtEl>
                                         <p:attrNameLst>
                                           <p:attrName>style.visibility</p:attrName>
@@ -3286,16 +5577,1634 @@
         </p:cTn>
       </p:par>
     </p:tnLst>
-    <p:bldLst>
-      <p:bldP spid="45" grpId="0" animBg="1"/>
-      <p:bldP spid="3" grpId="0" animBg="1"/>
-      <p:bldP spid="12" grpId="0" animBg="1"/>
-    </p:bldLst>
   </p:timing>
 </p:sld>
 </file>
 
-<file path=ppt/slides/slide3.xml><?xml version="1.0" encoding="utf-8"?>
+<file path=ppt/slides/slide5.xml><?xml version="1.0" encoding="utf-8"?>
+<p:sld xmlns:a="http://schemas.openxmlformats.org/drawingml/2006/main" xmlns:r="http://schemas.openxmlformats.org/officeDocument/2006/relationships" xmlns:p="http://schemas.openxmlformats.org/presentationml/2006/main">
+  <p:cSld>
+    <p:spTree>
+      <p:nvGrpSpPr>
+        <p:cNvPr id="1" name=""/>
+        <p:cNvGrpSpPr/>
+        <p:nvPr/>
+      </p:nvGrpSpPr>
+      <p:grpSpPr>
+        <a:xfrm>
+          <a:off x="0" y="0"/>
+          <a:ext cx="0" cy="0"/>
+          <a:chOff x="0" y="0"/>
+          <a:chExt cx="0" cy="0"/>
+        </a:xfrm>
+      </p:grpSpPr>
+      <p:pic>
+        <p:nvPicPr>
+          <p:cNvPr id="6" name="Picture 5" descr="AppleAirPortExpress.jpg"/>
+          <p:cNvPicPr>
+            <a:picLocks noChangeAspect="1"/>
+          </p:cNvPicPr>
+          <p:nvPr/>
+        </p:nvPicPr>
+        <p:blipFill>
+          <a:blip r:embed="rId2">
+            <a:extLst>
+              <a:ext uri="{28A0092B-C50C-407E-A947-70E740481C1C}">
+                <a14:useLocalDpi xmlns:a14="http://schemas.microsoft.com/office/drawing/2010/main" val="0"/>
+              </a:ext>
+            </a:extLst>
+          </a:blip>
+          <a:stretch>
+            <a:fillRect/>
+          </a:stretch>
+        </p:blipFill>
+        <p:spPr>
+          <a:xfrm>
+            <a:off x="2246016" y="3436191"/>
+            <a:ext cx="2743200" cy="2743200"/>
+          </a:xfrm>
+          <a:prstGeom prst="rect">
+            <a:avLst/>
+          </a:prstGeom>
+        </p:spPr>
+      </p:pic>
+      <p:pic>
+        <p:nvPicPr>
+          <p:cNvPr id="7" name="Picture 6" descr="Dansk Bistro Mug.jpg"/>
+          <p:cNvPicPr>
+            <a:picLocks noChangeAspect="1"/>
+          </p:cNvPicPr>
+          <p:nvPr/>
+        </p:nvPicPr>
+        <p:blipFill>
+          <a:blip r:embed="rId3">
+            <a:extLst>
+              <a:ext uri="{28A0092B-C50C-407E-A947-70E740481C1C}">
+                <a14:useLocalDpi xmlns:a14="http://schemas.microsoft.com/office/drawing/2010/main" val="0"/>
+              </a:ext>
+            </a:extLst>
+          </a:blip>
+          <a:stretch>
+            <a:fillRect/>
+          </a:stretch>
+        </p:blipFill>
+        <p:spPr>
+          <a:xfrm>
+            <a:off x="8051160" y="6326686"/>
+            <a:ext cx="2743200" cy="2743200"/>
+          </a:xfrm>
+          <a:prstGeom prst="rect">
+            <a:avLst/>
+          </a:prstGeom>
+        </p:spPr>
+      </p:pic>
+      <p:pic>
+        <p:nvPicPr>
+          <p:cNvPr id="8" name="Picture 7" descr="KARE69864.jpg"/>
+          <p:cNvPicPr>
+            <a:picLocks noChangeAspect="1"/>
+          </p:cNvPicPr>
+          <p:nvPr/>
+        </p:nvPicPr>
+        <p:blipFill>
+          <a:blip r:embed="rId4">
+            <a:extLst>
+              <a:ext uri="{28A0092B-C50C-407E-A947-70E740481C1C}">
+                <a14:useLocalDpi xmlns:a14="http://schemas.microsoft.com/office/drawing/2010/main" val="0"/>
+              </a:ext>
+            </a:extLst>
+          </a:blip>
+          <a:stretch>
+            <a:fillRect/>
+          </a:stretch>
+        </p:blipFill>
+        <p:spPr>
+          <a:xfrm>
+            <a:off x="2246016" y="6326686"/>
+            <a:ext cx="2743200" cy="2743200"/>
+          </a:xfrm>
+          <a:prstGeom prst="rect">
+            <a:avLst/>
+          </a:prstGeom>
+        </p:spPr>
+      </p:pic>
+      <p:pic>
+        <p:nvPicPr>
+          <p:cNvPr id="9" name="Picture 8" descr="QTIps.jpg"/>
+          <p:cNvPicPr>
+            <a:picLocks noChangeAspect="1"/>
+          </p:cNvPicPr>
+          <p:nvPr/>
+        </p:nvPicPr>
+        <p:blipFill>
+          <a:blip r:embed="rId5">
+            <a:extLst>
+              <a:ext uri="{28A0092B-C50C-407E-A947-70E740481C1C}">
+                <a14:useLocalDpi xmlns:a14="http://schemas.microsoft.com/office/drawing/2010/main" val="0"/>
+              </a:ext>
+            </a:extLst>
+          </a:blip>
+          <a:stretch>
+            <a:fillRect/>
+          </a:stretch>
+        </p:blipFill>
+        <p:spPr>
+          <a:xfrm>
+            <a:off x="2271669" y="564718"/>
+            <a:ext cx="2743200" cy="2743200"/>
+          </a:xfrm>
+          <a:prstGeom prst="rect">
+            <a:avLst/>
+          </a:prstGeom>
+        </p:spPr>
+      </p:pic>
+      <p:pic>
+        <p:nvPicPr>
+          <p:cNvPr id="10" name="Picture 9" descr="Toddy800g.jpg"/>
+          <p:cNvPicPr>
+            <a:picLocks noChangeAspect="1"/>
+          </p:cNvPicPr>
+          <p:nvPr/>
+        </p:nvPicPr>
+        <p:blipFill>
+          <a:blip r:embed="rId6">
+            <a:extLst>
+              <a:ext uri="{28A0092B-C50C-407E-A947-70E740481C1C}">
+                <a14:useLocalDpi xmlns:a14="http://schemas.microsoft.com/office/drawing/2010/main" val="0"/>
+              </a:ext>
+            </a:extLst>
+          </a:blip>
+          <a:stretch>
+            <a:fillRect/>
+          </a:stretch>
+        </p:blipFill>
+        <p:spPr>
+          <a:xfrm>
+            <a:off x="5119584" y="6326686"/>
+            <a:ext cx="2743200" cy="2743200"/>
+          </a:xfrm>
+          <a:prstGeom prst="rect">
+            <a:avLst/>
+          </a:prstGeom>
+        </p:spPr>
+      </p:pic>
+      <p:pic>
+        <p:nvPicPr>
+          <p:cNvPr id="11" name="Picture 10"/>
+          <p:cNvPicPr>
+            <a:picLocks noChangeAspect="1"/>
+          </p:cNvPicPr>
+          <p:nvPr/>
+        </p:nvPicPr>
+        <p:blipFill>
+          <a:blip r:embed="rId7"/>
+          <a:stretch>
+            <a:fillRect/>
+          </a:stretch>
+        </p:blipFill>
+        <p:spPr>
+          <a:xfrm>
+            <a:off x="5155529" y="577543"/>
+            <a:ext cx="5614673" cy="5614673"/>
+          </a:xfrm>
+          <a:prstGeom prst="rect">
+            <a:avLst/>
+          </a:prstGeom>
+        </p:spPr>
+      </p:pic>
+    </p:spTree>
+    <p:extLst>
+      <p:ext uri="{BB962C8B-B14F-4D97-AF65-F5344CB8AC3E}">
+        <p14:creationId xmlns:p14="http://schemas.microsoft.com/office/powerpoint/2010/main" val="2467415962"/>
+      </p:ext>
+    </p:extLst>
+  </p:cSld>
+  <p:clrMapOvr>
+    <a:masterClrMapping/>
+  </p:clrMapOvr>
+  <p:transition xmlns:p14="http://schemas.microsoft.com/office/powerpoint/2010/main" spd="med"/>
+  <p:timing>
+    <p:tnLst>
+      <p:par>
+        <p:cTn xmlns:p14="http://schemas.microsoft.com/office/powerpoint/2010/main" id="1" dur="indefinite" restart="never" nodeType="tmRoot"/>
+      </p:par>
+    </p:tnLst>
+  </p:timing>
+</p:sld>
+</file>
+
+<file path=ppt/slides/slide6.xml><?xml version="1.0" encoding="utf-8"?>
+<p:sld xmlns:a="http://schemas.openxmlformats.org/drawingml/2006/main" xmlns:r="http://schemas.openxmlformats.org/officeDocument/2006/relationships" xmlns:p="http://schemas.openxmlformats.org/presentationml/2006/main">
+  <p:cSld>
+    <p:spTree>
+      <p:nvGrpSpPr>
+        <p:cNvPr id="1" name=""/>
+        <p:cNvGrpSpPr/>
+        <p:nvPr/>
+      </p:nvGrpSpPr>
+      <p:grpSpPr>
+        <a:xfrm>
+          <a:off x="0" y="0"/>
+          <a:ext cx="0" cy="0"/>
+          <a:chOff x="0" y="0"/>
+          <a:chExt cx="0" cy="0"/>
+        </a:xfrm>
+      </p:grpSpPr>
+      <p:pic>
+        <p:nvPicPr>
+          <p:cNvPr id="2" name="Picture 1" descr="studio03_9.png"/>
+          <p:cNvPicPr>
+            <a:picLocks noChangeAspect="1"/>
+          </p:cNvPicPr>
+          <p:nvPr/>
+        </p:nvPicPr>
+        <p:blipFill rotWithShape="1">
+          <a:blip r:embed="rId2">
+            <a:extLst>
+              <a:ext uri="{28A0092B-C50C-407E-A947-70E740481C1C}">
+                <a14:useLocalDpi xmlns:a14="http://schemas.microsoft.com/office/drawing/2010/main" val="0"/>
+              </a:ext>
+            </a:extLst>
+          </a:blip>
+          <a:srcRect l="10744" r="10452"/>
+          <a:stretch/>
+        </p:blipFill>
+        <p:spPr>
+          <a:xfrm>
+            <a:off x="3336634" y="1920781"/>
+            <a:ext cx="6431864" cy="6304530"/>
+          </a:xfrm>
+          <a:prstGeom prst="rect">
+            <a:avLst/>
+          </a:prstGeom>
+        </p:spPr>
+      </p:pic>
+    </p:spTree>
+    <p:extLst>
+      <p:ext uri="{BB962C8B-B14F-4D97-AF65-F5344CB8AC3E}">
+        <p14:creationId xmlns:p14="http://schemas.microsoft.com/office/powerpoint/2010/main" val="1473483631"/>
+      </p:ext>
+    </p:extLst>
+  </p:cSld>
+  <p:clrMapOvr>
+    <a:masterClrMapping/>
+  </p:clrMapOvr>
+  <p:transition xmlns:p14="http://schemas.microsoft.com/office/powerpoint/2010/main" spd="med"/>
+  <p:timing>
+    <p:tnLst>
+      <p:par>
+        <p:cTn xmlns:p14="http://schemas.microsoft.com/office/powerpoint/2010/main" id="1" dur="indefinite" restart="never" nodeType="tmRoot"/>
+      </p:par>
+    </p:tnLst>
+  </p:timing>
+</p:sld>
+</file>
+
+<file path=ppt/slides/slide7.xml><?xml version="1.0" encoding="utf-8"?>
+<p:sld xmlns:a="http://schemas.openxmlformats.org/drawingml/2006/main" xmlns:r="http://schemas.openxmlformats.org/officeDocument/2006/relationships" xmlns:p="http://schemas.openxmlformats.org/presentationml/2006/main">
+  <p:cSld>
+    <p:spTree>
+      <p:nvGrpSpPr>
+        <p:cNvPr id="1" name=""/>
+        <p:cNvGrpSpPr/>
+        <p:nvPr/>
+      </p:nvGrpSpPr>
+      <p:grpSpPr>
+        <a:xfrm>
+          <a:off x="0" y="0"/>
+          <a:ext cx="0" cy="0"/>
+          <a:chOff x="0" y="0"/>
+          <a:chExt cx="0" cy="0"/>
+        </a:xfrm>
+      </p:grpSpPr>
+      <p:pic>
+        <p:nvPicPr>
+          <p:cNvPr id="4" name="Picture 3"/>
+          <p:cNvPicPr>
+            <a:picLocks noChangeAspect="1"/>
+          </p:cNvPicPr>
+          <p:nvPr/>
+        </p:nvPicPr>
+        <p:blipFill>
+          <a:blip r:embed="rId2"/>
+          <a:stretch>
+            <a:fillRect/>
+          </a:stretch>
+        </p:blipFill>
+        <p:spPr>
+          <a:xfrm>
+            <a:off x="0" y="566486"/>
+            <a:ext cx="9070955" cy="9187114"/>
+          </a:xfrm>
+          <a:prstGeom prst="rect">
+            <a:avLst/>
+          </a:prstGeom>
+        </p:spPr>
+      </p:pic>
+      <p:sp>
+        <p:nvSpPr>
+          <p:cNvPr id="6" name="Rectangle 5"/>
+          <p:cNvSpPr/>
+          <p:nvPr/>
+        </p:nvSpPr>
+        <p:spPr>
+          <a:xfrm>
+            <a:off x="5283016" y="2571148"/>
+            <a:ext cx="7674521" cy="6986530"/>
+          </a:xfrm>
+          <a:prstGeom prst="rect">
+            <a:avLst/>
+          </a:prstGeom>
+          <a:solidFill>
+            <a:schemeClr val="bg2"/>
+          </a:solidFill>
+        </p:spPr>
+        <p:txBody>
+          <a:bodyPr wrap="square">
+            <a:spAutoFit/>
+          </a:bodyPr>
+          <a:lstStyle/>
+          <a:p>
+            <a:pPr algn="l"/>
+            <a:r>
+              <a:rPr lang="fr-FR" sz="1600" dirty="0">
+                <a:latin typeface="Consolas"/>
+                <a:cs typeface="Consolas"/>
+              </a:rPr>
+              <a:t>{ </a:t>
+            </a:r>
+          </a:p>
+          <a:p>
+            <a:pPr algn="l"/>
+            <a:r>
+              <a:rPr lang="fr-FR" sz="1600" dirty="0">
+                <a:latin typeface="Consolas"/>
+                <a:cs typeface="Consolas"/>
+              </a:rPr>
+              <a:t>  "</a:t>
+            </a:r>
+            <a:r>
+              <a:rPr lang="fr-FR" sz="1600" dirty="0" err="1">
+                <a:latin typeface="Consolas"/>
+                <a:cs typeface="Consolas"/>
+              </a:rPr>
+              <a:t>targets</a:t>
+            </a:r>
+            <a:r>
+              <a:rPr lang="fr-FR" sz="1600" dirty="0">
+                <a:latin typeface="Consolas"/>
+                <a:cs typeface="Consolas"/>
+              </a:rPr>
+              <a:t>" : [  </a:t>
+            </a:r>
+          </a:p>
+          <a:p>
+            <a:pPr algn="l"/>
+            <a:r>
+              <a:rPr lang="fr-FR" sz="1600" dirty="0">
+                <a:latin typeface="Consolas"/>
+                <a:cs typeface="Consolas"/>
+              </a:rPr>
+              <a:t>    { </a:t>
+            </a:r>
+          </a:p>
+          <a:p>
+            <a:pPr algn="l"/>
+            <a:r>
+              <a:rPr lang="fr-FR" sz="1600" dirty="0">
+                <a:latin typeface="Consolas"/>
+                <a:cs typeface="Consolas"/>
+              </a:rPr>
+              <a:t>      "id" : "1401843338",</a:t>
+            </a:r>
+          </a:p>
+          <a:p>
+            <a:pPr algn="l"/>
+            <a:r>
+              <a:rPr lang="fr-FR" sz="1600" dirty="0">
+                <a:latin typeface="Consolas"/>
+                <a:cs typeface="Consolas"/>
+              </a:rPr>
+              <a:t>      "position" : { </a:t>
+            </a:r>
+          </a:p>
+          <a:p>
+            <a:pPr algn="l"/>
+            <a:r>
+              <a:rPr lang="fr-FR" sz="1600" dirty="0">
+                <a:latin typeface="Consolas"/>
+                <a:cs typeface="Consolas"/>
+              </a:rPr>
+              <a:t>        </a:t>
+            </a:r>
+            <a:r>
+              <a:rPr lang="fr-FR" sz="1600" dirty="0" smtClean="0">
+                <a:latin typeface="Consolas"/>
+                <a:cs typeface="Consolas"/>
+              </a:rPr>
+              <a:t>“</a:t>
+            </a:r>
+            <a:r>
+              <a:rPr lang="fr-FR" sz="1600" dirty="0" err="1" smtClean="0">
+                <a:latin typeface="Consolas"/>
+                <a:cs typeface="Consolas"/>
+              </a:rPr>
+              <a:t>zaxis</a:t>
+            </a:r>
+            <a:r>
+              <a:rPr lang="fr-FR" sz="1600" dirty="0" smtClean="0">
+                <a:latin typeface="Consolas"/>
+                <a:cs typeface="Consolas"/>
+              </a:rPr>
+              <a:t>” </a:t>
+            </a:r>
+            <a:r>
+              <a:rPr lang="zh-CN" altLang="en-US" sz="1600" dirty="0" smtClean="0">
+                <a:latin typeface="Consolas"/>
+                <a:cs typeface="Consolas"/>
+              </a:rPr>
+              <a:t> </a:t>
+            </a:r>
+            <a:r>
+              <a:rPr lang="fr-FR" sz="1600" dirty="0" smtClean="0">
+                <a:latin typeface="Consolas"/>
+                <a:cs typeface="Consolas"/>
+              </a:rPr>
+              <a:t>: [  0.0,</a:t>
+            </a:r>
+            <a:r>
+              <a:rPr lang="zh-CN" altLang="en-US" sz="1600" dirty="0" smtClean="0">
+                <a:latin typeface="Consolas"/>
+                <a:cs typeface="Consolas"/>
+              </a:rPr>
+              <a:t> </a:t>
+            </a:r>
+            <a:r>
+              <a:rPr lang="fr-FR" sz="1600" dirty="0" smtClean="0">
+                <a:latin typeface="Consolas"/>
+                <a:cs typeface="Consolas"/>
+              </a:rPr>
+              <a:t>0.0,</a:t>
+            </a:r>
+            <a:r>
+              <a:rPr lang="zh-CN" altLang="en-US" sz="1600" dirty="0" smtClean="0">
+                <a:latin typeface="Consolas"/>
+                <a:cs typeface="Consolas"/>
+              </a:rPr>
+              <a:t> </a:t>
+            </a:r>
+            <a:r>
+              <a:rPr lang="fr-FR" sz="1600" dirty="0" smtClean="0">
+                <a:latin typeface="Consolas"/>
+                <a:cs typeface="Consolas"/>
+              </a:rPr>
+              <a:t>1.0</a:t>
+            </a:r>
+            <a:r>
+              <a:rPr lang="fr-FR" sz="1600" dirty="0">
+                <a:latin typeface="Consolas"/>
+                <a:cs typeface="Consolas"/>
+              </a:rPr>
+              <a:t>],</a:t>
+            </a:r>
+          </a:p>
+          <a:p>
+            <a:pPr algn="l"/>
+            <a:r>
+              <a:rPr lang="fr-FR" sz="1600" dirty="0">
+                <a:latin typeface="Consolas"/>
+                <a:cs typeface="Consolas"/>
+              </a:rPr>
+              <a:t>        "</a:t>
+            </a:r>
+            <a:r>
+              <a:rPr lang="fr-FR" sz="1600" dirty="0" err="1">
+                <a:latin typeface="Consolas"/>
+                <a:cs typeface="Consolas"/>
+              </a:rPr>
+              <a:t>origin</a:t>
+            </a:r>
+            <a:r>
+              <a:rPr lang="fr-FR" sz="1600" dirty="0">
+                <a:latin typeface="Consolas"/>
+                <a:cs typeface="Consolas"/>
+              </a:rPr>
+              <a:t>" : [  </a:t>
+            </a:r>
+            <a:r>
+              <a:rPr lang="fr-FR" sz="1600" dirty="0" smtClean="0">
+                <a:latin typeface="Consolas"/>
+                <a:cs typeface="Consolas"/>
+              </a:rPr>
+              <a:t>1547.36,-3781.29,194.1875</a:t>
+            </a:r>
+            <a:r>
+              <a:rPr lang="fr-FR" sz="1600" dirty="0">
+                <a:latin typeface="Consolas"/>
+                <a:cs typeface="Consolas"/>
+              </a:rPr>
+              <a:t>],</a:t>
+            </a:r>
+          </a:p>
+          <a:p>
+            <a:pPr algn="l"/>
+            <a:r>
+              <a:rPr lang="fr-FR" sz="1600" dirty="0">
+                <a:latin typeface="Consolas"/>
+                <a:cs typeface="Consolas"/>
+              </a:rPr>
+              <a:t>        </a:t>
+            </a:r>
+            <a:r>
+              <a:rPr lang="fr-FR" sz="1600" dirty="0" smtClean="0">
+                <a:latin typeface="Consolas"/>
+                <a:cs typeface="Consolas"/>
+              </a:rPr>
+              <a:t>“</a:t>
+            </a:r>
+            <a:r>
+              <a:rPr lang="fr-FR" sz="1600" dirty="0" err="1" smtClean="0">
+                <a:latin typeface="Consolas"/>
+                <a:cs typeface="Consolas"/>
+              </a:rPr>
+              <a:t>xaxis</a:t>
+            </a:r>
+            <a:r>
+              <a:rPr lang="fr-FR" sz="1600" dirty="0" smtClean="0">
+                <a:latin typeface="Consolas"/>
+                <a:cs typeface="Consolas"/>
+              </a:rPr>
+              <a:t>” </a:t>
+            </a:r>
+            <a:r>
+              <a:rPr lang="zh-CN" altLang="en-US" sz="1600" dirty="0" smtClean="0">
+                <a:latin typeface="Consolas"/>
+                <a:cs typeface="Consolas"/>
+              </a:rPr>
+              <a:t> </a:t>
+            </a:r>
+            <a:r>
+              <a:rPr lang="fr-FR" sz="1600" dirty="0" smtClean="0">
+                <a:latin typeface="Consolas"/>
+                <a:cs typeface="Consolas"/>
+              </a:rPr>
+              <a:t>: [  1.0,</a:t>
+            </a:r>
+            <a:r>
+              <a:rPr lang="zh-CN" altLang="en-US" sz="1600" dirty="0" smtClean="0">
+                <a:latin typeface="Consolas"/>
+                <a:cs typeface="Consolas"/>
+              </a:rPr>
+              <a:t> </a:t>
+            </a:r>
+            <a:r>
+              <a:rPr lang="fr-FR" sz="1600" dirty="0" smtClean="0">
+                <a:latin typeface="Consolas"/>
+                <a:cs typeface="Consolas"/>
+              </a:rPr>
+              <a:t>0.0,</a:t>
+            </a:r>
+            <a:r>
+              <a:rPr lang="zh-CN" altLang="en-US" sz="1600" dirty="0" smtClean="0">
+                <a:latin typeface="Consolas"/>
+                <a:cs typeface="Consolas"/>
+              </a:rPr>
+              <a:t> </a:t>
+            </a:r>
+            <a:r>
+              <a:rPr lang="fr-FR" sz="1600" dirty="0" smtClean="0">
+                <a:latin typeface="Consolas"/>
+                <a:cs typeface="Consolas"/>
+              </a:rPr>
+              <a:t>0.0</a:t>
+            </a:r>
+            <a:r>
+              <a:rPr lang="fr-FR" sz="1600" dirty="0">
+                <a:latin typeface="Consolas"/>
+                <a:cs typeface="Consolas"/>
+              </a:rPr>
+              <a:t>],</a:t>
+            </a:r>
+          </a:p>
+          <a:p>
+            <a:pPr algn="l"/>
+            <a:r>
+              <a:rPr lang="fr-FR" sz="1600" dirty="0">
+                <a:latin typeface="Consolas"/>
+                <a:cs typeface="Consolas"/>
+              </a:rPr>
+              <a:t>        </a:t>
+            </a:r>
+            <a:r>
+              <a:rPr lang="fr-FR" sz="1600" dirty="0" smtClean="0">
+                <a:latin typeface="Consolas"/>
+                <a:cs typeface="Consolas"/>
+              </a:rPr>
+              <a:t>“</a:t>
+            </a:r>
+            <a:r>
+              <a:rPr lang="fr-FR" sz="1600" dirty="0" err="1" smtClean="0">
+                <a:latin typeface="Consolas"/>
+                <a:cs typeface="Consolas"/>
+              </a:rPr>
+              <a:t>yaxis</a:t>
+            </a:r>
+            <a:r>
+              <a:rPr lang="fr-FR" sz="1600" dirty="0" smtClean="0">
+                <a:latin typeface="Consolas"/>
+                <a:cs typeface="Consolas"/>
+              </a:rPr>
+              <a:t>” </a:t>
+            </a:r>
+            <a:r>
+              <a:rPr lang="zh-CN" altLang="en-US" sz="1600" dirty="0" smtClean="0">
+                <a:latin typeface="Consolas"/>
+                <a:cs typeface="Consolas"/>
+              </a:rPr>
+              <a:t> </a:t>
+            </a:r>
+            <a:r>
+              <a:rPr lang="fr-FR" sz="1600" dirty="0" smtClean="0">
+                <a:latin typeface="Consolas"/>
+                <a:cs typeface="Consolas"/>
+              </a:rPr>
+              <a:t>: </a:t>
+            </a:r>
+            <a:r>
+              <a:rPr lang="fr-FR" sz="1600" dirty="0">
+                <a:latin typeface="Consolas"/>
+                <a:cs typeface="Consolas"/>
+              </a:rPr>
+              <a:t>[  </a:t>
+            </a:r>
+            <a:r>
+              <a:rPr lang="fr-FR" sz="1600" dirty="0" smtClean="0">
+                <a:latin typeface="Consolas"/>
+                <a:cs typeface="Consolas"/>
+              </a:rPr>
+              <a:t>0.0,</a:t>
+            </a:r>
+            <a:r>
+              <a:rPr lang="zh-CN" altLang="en-US" sz="1600" dirty="0" smtClean="0">
+                <a:latin typeface="Consolas"/>
+                <a:cs typeface="Consolas"/>
+              </a:rPr>
+              <a:t> </a:t>
+            </a:r>
+            <a:r>
+              <a:rPr lang="fr-FR" sz="1600" dirty="0" smtClean="0">
+                <a:latin typeface="Consolas"/>
+                <a:cs typeface="Consolas"/>
+              </a:rPr>
+              <a:t>1.0,</a:t>
+            </a:r>
+            <a:r>
+              <a:rPr lang="zh-CN" altLang="en-US" sz="1600" dirty="0" smtClean="0">
+                <a:latin typeface="Consolas"/>
+                <a:cs typeface="Consolas"/>
+              </a:rPr>
+              <a:t> </a:t>
+            </a:r>
+            <a:r>
+              <a:rPr lang="fr-FR" sz="1600" dirty="0" smtClean="0">
+                <a:latin typeface="Consolas"/>
+                <a:cs typeface="Consolas"/>
+              </a:rPr>
+              <a:t>0.0</a:t>
+            </a:r>
+            <a:r>
+              <a:rPr lang="fr-FR" sz="1600" dirty="0">
+                <a:latin typeface="Consolas"/>
+                <a:cs typeface="Consolas"/>
+              </a:rPr>
+              <a:t>]}},</a:t>
+            </a:r>
+          </a:p>
+          <a:p>
+            <a:pPr algn="l"/>
+            <a:r>
+              <a:rPr lang="fr-FR" sz="1600" dirty="0">
+                <a:latin typeface="Consolas"/>
+                <a:cs typeface="Consolas"/>
+              </a:rPr>
+              <a:t>  </a:t>
+            </a:r>
+          </a:p>
+          <a:p>
+            <a:pPr algn="l"/>
+            <a:r>
+              <a:rPr lang="fr-FR" sz="1600" dirty="0">
+                <a:latin typeface="Consolas"/>
+                <a:cs typeface="Consolas"/>
+              </a:rPr>
+              <a:t>    { </a:t>
+            </a:r>
+          </a:p>
+          <a:p>
+            <a:pPr algn="l"/>
+            <a:r>
+              <a:rPr lang="fr-FR" sz="1600" dirty="0">
+                <a:latin typeface="Consolas"/>
+                <a:cs typeface="Consolas"/>
+              </a:rPr>
+              <a:t>      "id" : "1401843356",</a:t>
+            </a:r>
+          </a:p>
+          <a:p>
+            <a:pPr algn="l"/>
+            <a:r>
+              <a:rPr lang="fr-FR" sz="1600" dirty="0">
+                <a:latin typeface="Consolas"/>
+                <a:cs typeface="Consolas"/>
+              </a:rPr>
+              <a:t>      "position" : { </a:t>
+            </a:r>
+          </a:p>
+          <a:p>
+            <a:pPr algn="l"/>
+            <a:r>
+              <a:rPr lang="fr-FR" sz="1600" dirty="0">
+                <a:latin typeface="Consolas"/>
+                <a:cs typeface="Consolas"/>
+              </a:rPr>
+              <a:t>        </a:t>
+            </a:r>
+            <a:r>
+              <a:rPr lang="fr-FR" sz="1600" dirty="0" smtClean="0">
+                <a:latin typeface="Consolas"/>
+                <a:cs typeface="Consolas"/>
+              </a:rPr>
+              <a:t>“</a:t>
+            </a:r>
+            <a:r>
+              <a:rPr lang="fr-FR" sz="1600" dirty="0" err="1" smtClean="0">
+                <a:latin typeface="Consolas"/>
+                <a:cs typeface="Consolas"/>
+              </a:rPr>
+              <a:t>zaxis</a:t>
+            </a:r>
+            <a:r>
+              <a:rPr lang="fr-FR" sz="1600" dirty="0" smtClean="0">
+                <a:latin typeface="Consolas"/>
+                <a:cs typeface="Consolas"/>
+              </a:rPr>
+              <a:t>” </a:t>
+            </a:r>
+            <a:r>
+              <a:rPr lang="zh-CN" altLang="en-US" sz="1600" dirty="0" smtClean="0">
+                <a:latin typeface="Consolas"/>
+                <a:cs typeface="Consolas"/>
+              </a:rPr>
+              <a:t> </a:t>
+            </a:r>
+            <a:r>
+              <a:rPr lang="fr-FR" sz="1600" dirty="0" smtClean="0">
+                <a:latin typeface="Consolas"/>
+                <a:cs typeface="Consolas"/>
+              </a:rPr>
+              <a:t>: </a:t>
+            </a:r>
+            <a:r>
+              <a:rPr lang="fr-FR" sz="1600" dirty="0">
+                <a:latin typeface="Consolas"/>
+                <a:cs typeface="Consolas"/>
+              </a:rPr>
+              <a:t>[  </a:t>
+            </a:r>
+            <a:r>
+              <a:rPr lang="en-US" altLang="zh-CN" sz="1600" dirty="0" smtClean="0">
+                <a:latin typeface="Consolas"/>
+                <a:cs typeface="Consolas"/>
+              </a:rPr>
+              <a:t>0</a:t>
+            </a:r>
+            <a:r>
+              <a:rPr lang="fr-FR" sz="1600" dirty="0" smtClean="0">
+                <a:latin typeface="Consolas"/>
+                <a:cs typeface="Consolas"/>
+              </a:rPr>
+              <a:t>,</a:t>
+            </a:r>
+            <a:r>
+              <a:rPr lang="zh-CN" altLang="en-US" sz="1600" dirty="0" smtClean="0">
+                <a:latin typeface="Consolas"/>
+                <a:cs typeface="Consolas"/>
+              </a:rPr>
+              <a:t> </a:t>
+            </a:r>
+            <a:r>
+              <a:rPr lang="fr-FR" sz="1600" dirty="0" smtClean="0">
+                <a:latin typeface="Consolas"/>
+                <a:cs typeface="Consolas"/>
+              </a:rPr>
+              <a:t>0.71,</a:t>
+            </a:r>
+            <a:r>
+              <a:rPr lang="zh-CN" altLang="en-US" sz="1600" dirty="0" smtClean="0">
+                <a:latin typeface="Consolas"/>
+                <a:cs typeface="Consolas"/>
+              </a:rPr>
+              <a:t> </a:t>
+            </a:r>
+            <a:r>
+              <a:rPr lang="fr-FR" sz="1600" dirty="0" smtClean="0">
+                <a:latin typeface="Consolas"/>
+                <a:cs typeface="Consolas"/>
+              </a:rPr>
+              <a:t>0.69]</a:t>
+            </a:r>
+            <a:r>
+              <a:rPr lang="fr-FR" sz="1600" dirty="0">
+                <a:latin typeface="Consolas"/>
+                <a:cs typeface="Consolas"/>
+              </a:rPr>
+              <a:t>,</a:t>
+            </a:r>
+          </a:p>
+          <a:p>
+            <a:pPr algn="l"/>
+            <a:r>
+              <a:rPr lang="fr-FR" sz="1600" dirty="0">
+                <a:latin typeface="Consolas"/>
+                <a:cs typeface="Consolas"/>
+              </a:rPr>
+              <a:t>        </a:t>
+            </a:r>
+            <a:r>
+              <a:rPr lang="fr-FR" sz="1600" dirty="0" smtClean="0">
+                <a:latin typeface="Consolas"/>
+                <a:cs typeface="Consolas"/>
+              </a:rPr>
+              <a:t>“</a:t>
+            </a:r>
+            <a:r>
+              <a:rPr lang="fr-FR" sz="1600" dirty="0" err="1" smtClean="0">
+                <a:latin typeface="Consolas"/>
+                <a:cs typeface="Consolas"/>
+              </a:rPr>
+              <a:t>origin</a:t>
+            </a:r>
+            <a:r>
+              <a:rPr lang="fr-FR" sz="1600" dirty="0" smtClean="0">
+                <a:latin typeface="Consolas"/>
+                <a:cs typeface="Consolas"/>
+              </a:rPr>
+              <a:t>” </a:t>
+            </a:r>
+            <a:r>
+              <a:rPr lang="fr-FR" sz="1600" dirty="0">
+                <a:latin typeface="Consolas"/>
+                <a:cs typeface="Consolas"/>
+              </a:rPr>
+              <a:t>: [  </a:t>
+            </a:r>
+            <a:r>
+              <a:rPr lang="fr-FR" sz="1600" dirty="0" smtClean="0">
+                <a:latin typeface="Consolas"/>
+                <a:cs typeface="Consolas"/>
+              </a:rPr>
+              <a:t>1333.14,</a:t>
+            </a:r>
+            <a:r>
+              <a:rPr lang="zh-CN" altLang="en-US" sz="1600" dirty="0" smtClean="0">
+                <a:latin typeface="Consolas"/>
+                <a:cs typeface="Consolas"/>
+              </a:rPr>
+              <a:t> </a:t>
+            </a:r>
+            <a:r>
+              <a:rPr lang="fr-FR" sz="1600" dirty="0" smtClean="0">
+                <a:latin typeface="Consolas"/>
+                <a:cs typeface="Consolas"/>
+              </a:rPr>
+              <a:t>-3795.49,</a:t>
+            </a:r>
+            <a:r>
+              <a:rPr lang="zh-CN" altLang="en-US" sz="1600" dirty="0" smtClean="0">
+                <a:latin typeface="Consolas"/>
+                <a:cs typeface="Consolas"/>
+              </a:rPr>
+              <a:t> </a:t>
+            </a:r>
+            <a:r>
+              <a:rPr lang="fr-FR" sz="1600" dirty="0" smtClean="0">
+                <a:latin typeface="Consolas"/>
+                <a:cs typeface="Consolas"/>
+              </a:rPr>
+              <a:t>232.89]</a:t>
+            </a:r>
+            <a:r>
+              <a:rPr lang="fr-FR" sz="1600" dirty="0">
+                <a:latin typeface="Consolas"/>
+                <a:cs typeface="Consolas"/>
+              </a:rPr>
+              <a:t>,</a:t>
+            </a:r>
+          </a:p>
+          <a:p>
+            <a:pPr algn="l"/>
+            <a:r>
+              <a:rPr lang="fr-FR" sz="1600" dirty="0">
+                <a:latin typeface="Consolas"/>
+                <a:cs typeface="Consolas"/>
+              </a:rPr>
+              <a:t>        </a:t>
+            </a:r>
+            <a:r>
+              <a:rPr lang="fr-FR" sz="1600" dirty="0" smtClean="0">
+                <a:latin typeface="Consolas"/>
+                <a:cs typeface="Consolas"/>
+              </a:rPr>
+              <a:t>“</a:t>
+            </a:r>
+            <a:r>
+              <a:rPr lang="fr-FR" sz="1600" dirty="0" err="1" smtClean="0">
+                <a:latin typeface="Consolas"/>
+                <a:cs typeface="Consolas"/>
+              </a:rPr>
+              <a:t>xaxis</a:t>
+            </a:r>
+            <a:r>
+              <a:rPr lang="fr-FR" sz="1600" dirty="0" smtClean="0">
+                <a:latin typeface="Consolas"/>
+                <a:cs typeface="Consolas"/>
+              </a:rPr>
+              <a:t>” </a:t>
+            </a:r>
+            <a:r>
+              <a:rPr lang="zh-CN" altLang="en-US" sz="1600" dirty="0" smtClean="0">
+                <a:latin typeface="Consolas"/>
+                <a:cs typeface="Consolas"/>
+              </a:rPr>
+              <a:t> </a:t>
+            </a:r>
+            <a:r>
+              <a:rPr lang="fr-FR" sz="1600" dirty="0" smtClean="0">
+                <a:latin typeface="Consolas"/>
+                <a:cs typeface="Consolas"/>
+              </a:rPr>
+              <a:t>: </a:t>
+            </a:r>
+            <a:r>
+              <a:rPr lang="fr-FR" sz="1600" dirty="0">
+                <a:latin typeface="Consolas"/>
+                <a:cs typeface="Consolas"/>
+              </a:rPr>
+              <a:t>[  </a:t>
+            </a:r>
+            <a:r>
+              <a:rPr lang="fr-FR" sz="1600" dirty="0" smtClean="0">
+                <a:latin typeface="Consolas"/>
+                <a:cs typeface="Consolas"/>
+              </a:rPr>
+              <a:t>-1.0,</a:t>
+            </a:r>
+            <a:r>
+              <a:rPr lang="zh-CN" altLang="en-US" sz="1600" dirty="0" smtClean="0">
+                <a:latin typeface="Consolas"/>
+                <a:cs typeface="Consolas"/>
+              </a:rPr>
+              <a:t> </a:t>
+            </a:r>
+            <a:r>
+              <a:rPr lang="fr-FR" sz="1600" dirty="0" smtClean="0">
+                <a:latin typeface="Consolas"/>
+                <a:cs typeface="Consolas"/>
+              </a:rPr>
+              <a:t>1.03,</a:t>
+            </a:r>
+            <a:r>
+              <a:rPr lang="zh-CN" altLang="en-US" sz="1600" dirty="0" smtClean="0">
+                <a:latin typeface="Consolas"/>
+                <a:cs typeface="Consolas"/>
+              </a:rPr>
+              <a:t> </a:t>
+            </a:r>
+            <a:r>
+              <a:rPr lang="fr-FR" sz="1600" dirty="0" smtClean="0">
+                <a:latin typeface="Consolas"/>
+                <a:cs typeface="Consolas"/>
+              </a:rPr>
+              <a:t>0.0</a:t>
+            </a:r>
+            <a:r>
+              <a:rPr lang="fr-FR" sz="1600" dirty="0">
+                <a:latin typeface="Consolas"/>
+                <a:cs typeface="Consolas"/>
+              </a:rPr>
+              <a:t>],</a:t>
+            </a:r>
+          </a:p>
+          <a:p>
+            <a:pPr algn="l"/>
+            <a:r>
+              <a:rPr lang="fr-FR" sz="1600" dirty="0">
+                <a:latin typeface="Consolas"/>
+                <a:cs typeface="Consolas"/>
+              </a:rPr>
+              <a:t>        </a:t>
+            </a:r>
+            <a:r>
+              <a:rPr lang="fr-FR" sz="1600" dirty="0" smtClean="0">
+                <a:latin typeface="Consolas"/>
+                <a:cs typeface="Consolas"/>
+              </a:rPr>
+              <a:t>“</a:t>
+            </a:r>
+            <a:r>
+              <a:rPr lang="fr-FR" sz="1600" dirty="0" err="1" smtClean="0">
+                <a:latin typeface="Consolas"/>
+                <a:cs typeface="Consolas"/>
+              </a:rPr>
+              <a:t>yaxis</a:t>
+            </a:r>
+            <a:r>
+              <a:rPr lang="fr-FR" sz="1600" dirty="0" smtClean="0">
+                <a:latin typeface="Consolas"/>
+                <a:cs typeface="Consolas"/>
+              </a:rPr>
+              <a:t>” </a:t>
+            </a:r>
+            <a:r>
+              <a:rPr lang="zh-CN" altLang="en-US" sz="1600" dirty="0" smtClean="0">
+                <a:latin typeface="Consolas"/>
+                <a:cs typeface="Consolas"/>
+              </a:rPr>
+              <a:t> </a:t>
+            </a:r>
+            <a:r>
+              <a:rPr lang="fr-FR" sz="1600" dirty="0" smtClean="0">
+                <a:latin typeface="Consolas"/>
+                <a:cs typeface="Consolas"/>
+              </a:rPr>
+              <a:t>: </a:t>
+            </a:r>
+            <a:r>
+              <a:rPr lang="fr-FR" sz="1600" dirty="0">
+                <a:latin typeface="Consolas"/>
+                <a:cs typeface="Consolas"/>
+              </a:rPr>
+              <a:t>[  </a:t>
+            </a:r>
+            <a:r>
+              <a:rPr lang="fr-FR" sz="1600" dirty="0" smtClean="0">
+                <a:latin typeface="Consolas"/>
+                <a:cs typeface="Consolas"/>
+              </a:rPr>
+              <a:t>-</a:t>
+            </a:r>
+            <a:r>
+              <a:rPr lang="en-US" altLang="zh-CN" sz="1600" dirty="0" smtClean="0">
+                <a:latin typeface="Consolas"/>
+                <a:cs typeface="Consolas"/>
+              </a:rPr>
+              <a:t>0.0</a:t>
+            </a:r>
+            <a:r>
+              <a:rPr lang="fr-FR" sz="1600" dirty="0" smtClean="0">
+                <a:latin typeface="Consolas"/>
+                <a:cs typeface="Consolas"/>
+              </a:rPr>
+              <a:t>,</a:t>
+            </a:r>
+            <a:r>
+              <a:rPr lang="zh-CN" altLang="en-US" sz="1600" dirty="0" smtClean="0">
+                <a:latin typeface="Consolas"/>
+                <a:cs typeface="Consolas"/>
+              </a:rPr>
+              <a:t> </a:t>
+            </a:r>
+            <a:r>
+              <a:rPr lang="fr-FR" sz="1600" dirty="0" smtClean="0">
+                <a:latin typeface="Consolas"/>
+                <a:cs typeface="Consolas"/>
+              </a:rPr>
+              <a:t>-0.69,</a:t>
+            </a:r>
+            <a:r>
+              <a:rPr lang="zh-CN" altLang="en-US" sz="1600" dirty="0" smtClean="0">
+                <a:latin typeface="Consolas"/>
+                <a:cs typeface="Consolas"/>
+              </a:rPr>
+              <a:t> </a:t>
+            </a:r>
+            <a:r>
+              <a:rPr lang="fr-FR" sz="1600" dirty="0" smtClean="0">
+                <a:latin typeface="Consolas"/>
+                <a:cs typeface="Consolas"/>
+              </a:rPr>
+              <a:t>0.71]</a:t>
+            </a:r>
+            <a:r>
+              <a:rPr lang="fr-FR" sz="1600" dirty="0">
+                <a:latin typeface="Consolas"/>
+                <a:cs typeface="Consolas"/>
+              </a:rPr>
+              <a:t>}}],</a:t>
+            </a:r>
+          </a:p>
+          <a:p>
+            <a:pPr algn="l"/>
+            <a:r>
+              <a:rPr lang="fr-FR" sz="1600" dirty="0">
+                <a:latin typeface="Consolas"/>
+                <a:cs typeface="Consolas"/>
+              </a:rPr>
+              <a:t>  "pairs" : [  </a:t>
+            </a:r>
+          </a:p>
+          <a:p>
+            <a:pPr algn="l"/>
+            <a:r>
+              <a:rPr lang="fr-FR" sz="1600" dirty="0" smtClean="0">
+                <a:latin typeface="Consolas"/>
+                <a:cs typeface="Consolas"/>
+              </a:rPr>
+              <a:t>    </a:t>
+            </a:r>
+            <a:r>
+              <a:rPr lang="fr-FR" sz="1600" dirty="0">
+                <a:latin typeface="Consolas"/>
+                <a:cs typeface="Consolas"/>
+              </a:rPr>
+              <a:t>{ </a:t>
+            </a:r>
+            <a:r>
+              <a:rPr lang="fr-FR" sz="1600" dirty="0" smtClean="0">
+                <a:latin typeface="Consolas"/>
+                <a:cs typeface="Consolas"/>
+              </a:rPr>
+              <a:t>"</a:t>
+            </a:r>
+            <a:r>
+              <a:rPr lang="fr-FR" sz="1600" dirty="0" err="1" smtClean="0">
+                <a:latin typeface="Consolas"/>
+                <a:cs typeface="Consolas"/>
+              </a:rPr>
+              <a:t>target_id</a:t>
+            </a:r>
+            <a:r>
+              <a:rPr lang="fr-FR" sz="1600" dirty="0" smtClean="0">
+                <a:latin typeface="Consolas"/>
+                <a:cs typeface="Consolas"/>
+              </a:rPr>
+              <a:t>" </a:t>
+            </a:r>
+            <a:r>
+              <a:rPr lang="fr-FR" sz="1600" dirty="0">
+                <a:latin typeface="Consolas"/>
+                <a:cs typeface="Consolas"/>
+              </a:rPr>
+              <a:t>: </a:t>
+            </a:r>
+            <a:r>
+              <a:rPr lang="fr-FR" sz="1600" dirty="0" smtClean="0">
+                <a:latin typeface="Consolas"/>
+                <a:cs typeface="Consolas"/>
+              </a:rPr>
+              <a:t>"1401843338","camera_id" : "1401843287"},</a:t>
+            </a:r>
+          </a:p>
+          <a:p>
+            <a:pPr algn="l"/>
+            <a:r>
+              <a:rPr lang="fr-FR" sz="1600" dirty="0" smtClean="0">
+                <a:latin typeface="Consolas"/>
+                <a:cs typeface="Consolas"/>
+              </a:rPr>
+              <a:t>    </a:t>
+            </a:r>
+            <a:r>
+              <a:rPr lang="fr-FR" sz="1600" dirty="0">
+                <a:latin typeface="Consolas"/>
+                <a:cs typeface="Consolas"/>
+              </a:rPr>
+              <a:t>{ </a:t>
+            </a:r>
+            <a:r>
+              <a:rPr lang="fr-FR" sz="1600" dirty="0" smtClean="0">
+                <a:latin typeface="Consolas"/>
+                <a:cs typeface="Consolas"/>
+              </a:rPr>
+              <a:t>"</a:t>
+            </a:r>
+            <a:r>
+              <a:rPr lang="fr-FR" sz="1600" dirty="0" err="1">
+                <a:latin typeface="Consolas"/>
+                <a:cs typeface="Consolas"/>
+              </a:rPr>
+              <a:t>target_id</a:t>
+            </a:r>
+            <a:r>
+              <a:rPr lang="fr-FR" sz="1600" dirty="0">
+                <a:latin typeface="Consolas"/>
+                <a:cs typeface="Consolas"/>
+              </a:rPr>
+              <a:t>" : "</a:t>
+            </a:r>
+            <a:r>
+              <a:rPr lang="fr-FR" sz="1600" dirty="0" smtClean="0">
+                <a:latin typeface="Consolas"/>
+                <a:cs typeface="Consolas"/>
+              </a:rPr>
+              <a:t>1401843356", </a:t>
+            </a:r>
+            <a:r>
+              <a:rPr lang="fr-FR" sz="1600" dirty="0">
+                <a:latin typeface="Consolas"/>
+                <a:cs typeface="Consolas"/>
+              </a:rPr>
+              <a:t>"</a:t>
+            </a:r>
+            <a:r>
+              <a:rPr lang="fr-FR" sz="1600" dirty="0" err="1">
+                <a:latin typeface="Consolas"/>
+                <a:cs typeface="Consolas"/>
+              </a:rPr>
+              <a:t>camera_id</a:t>
+            </a:r>
+            <a:r>
+              <a:rPr lang="fr-FR" sz="1600" dirty="0">
+                <a:latin typeface="Consolas"/>
+                <a:cs typeface="Consolas"/>
+              </a:rPr>
+              <a:t>" : "1401843287"}],</a:t>
+            </a:r>
+          </a:p>
+          <a:p>
+            <a:pPr algn="l"/>
+            <a:r>
+              <a:rPr lang="fr-FR" sz="1600" dirty="0">
+                <a:latin typeface="Consolas"/>
+                <a:cs typeface="Consolas"/>
+              </a:rPr>
+              <a:t>  "cameras" : [  </a:t>
+            </a:r>
+          </a:p>
+          <a:p>
+            <a:pPr algn="l"/>
+            <a:r>
+              <a:rPr lang="fr-FR" sz="1600" dirty="0">
+                <a:latin typeface="Consolas"/>
+                <a:cs typeface="Consolas"/>
+              </a:rPr>
+              <a:t>    { </a:t>
+            </a:r>
+          </a:p>
+          <a:p>
+            <a:pPr algn="l"/>
+            <a:r>
+              <a:rPr lang="fr-FR" sz="1600" dirty="0">
+                <a:latin typeface="Consolas"/>
+                <a:cs typeface="Consolas"/>
+              </a:rPr>
+              <a:t>      "id" : "1401843287",</a:t>
+            </a:r>
+          </a:p>
+          <a:p>
+            <a:pPr algn="l"/>
+            <a:r>
+              <a:rPr lang="fr-FR" sz="1600" dirty="0">
+                <a:latin typeface="Consolas"/>
+                <a:cs typeface="Consolas"/>
+              </a:rPr>
+              <a:t>      "position" : { </a:t>
+            </a:r>
+          </a:p>
+          <a:p>
+            <a:pPr algn="l"/>
+            <a:r>
+              <a:rPr lang="fr-FR" sz="1600" dirty="0">
+                <a:latin typeface="Consolas"/>
+                <a:cs typeface="Consolas"/>
+              </a:rPr>
+              <a:t>        </a:t>
+            </a:r>
+            <a:r>
+              <a:rPr lang="fr-FR" sz="1600" dirty="0" smtClean="0">
+                <a:latin typeface="Consolas"/>
+                <a:cs typeface="Consolas"/>
+              </a:rPr>
+              <a:t>“</a:t>
+            </a:r>
+            <a:r>
+              <a:rPr lang="fr-FR" sz="1600" dirty="0" err="1" smtClean="0">
+                <a:latin typeface="Consolas"/>
+                <a:cs typeface="Consolas"/>
+              </a:rPr>
+              <a:t>zaxis</a:t>
+            </a:r>
+            <a:r>
+              <a:rPr lang="fr-FR" sz="1600" dirty="0" smtClean="0">
+                <a:latin typeface="Consolas"/>
+                <a:cs typeface="Consolas"/>
+              </a:rPr>
+              <a:t>” </a:t>
+            </a:r>
+            <a:r>
+              <a:rPr lang="zh-CN" altLang="en-US" sz="1600" dirty="0" smtClean="0">
+                <a:latin typeface="Consolas"/>
+                <a:cs typeface="Consolas"/>
+              </a:rPr>
+              <a:t> </a:t>
+            </a:r>
+            <a:r>
+              <a:rPr lang="fr-FR" sz="1600" dirty="0" smtClean="0">
+                <a:latin typeface="Consolas"/>
+                <a:cs typeface="Consolas"/>
+              </a:rPr>
+              <a:t>: [ 0.0, 0.0,</a:t>
+            </a:r>
+            <a:r>
+              <a:rPr lang="zh-CN" altLang="en-US" sz="1600" dirty="0" smtClean="0">
+                <a:latin typeface="Consolas"/>
+                <a:cs typeface="Consolas"/>
+              </a:rPr>
+              <a:t> </a:t>
+            </a:r>
+            <a:r>
+              <a:rPr lang="fr-FR" sz="1600" dirty="0" smtClean="0">
+                <a:latin typeface="Consolas"/>
+                <a:cs typeface="Consolas"/>
+              </a:rPr>
+              <a:t>1.0</a:t>
+            </a:r>
+            <a:r>
+              <a:rPr lang="fr-FR" sz="1600" dirty="0">
+                <a:latin typeface="Consolas"/>
+                <a:cs typeface="Consolas"/>
+              </a:rPr>
+              <a:t>],</a:t>
+            </a:r>
+          </a:p>
+          <a:p>
+            <a:pPr algn="l"/>
+            <a:r>
+              <a:rPr lang="fr-FR" sz="1600" dirty="0">
+                <a:latin typeface="Consolas"/>
+                <a:cs typeface="Consolas"/>
+              </a:rPr>
+              <a:t>        </a:t>
+            </a:r>
+            <a:r>
+              <a:rPr lang="fr-FR" sz="1600" dirty="0" smtClean="0">
+                <a:latin typeface="Consolas"/>
+                <a:cs typeface="Consolas"/>
+              </a:rPr>
+              <a:t>“</a:t>
+            </a:r>
+            <a:r>
+              <a:rPr lang="fr-FR" sz="1600" dirty="0" err="1" smtClean="0">
+                <a:latin typeface="Consolas"/>
+                <a:cs typeface="Consolas"/>
+              </a:rPr>
+              <a:t>origin</a:t>
+            </a:r>
+            <a:r>
+              <a:rPr lang="fr-FR" sz="1600" dirty="0" smtClean="0">
+                <a:latin typeface="Consolas"/>
+                <a:cs typeface="Consolas"/>
+              </a:rPr>
+              <a:t>” </a:t>
+            </a:r>
+            <a:r>
+              <a:rPr lang="fr-FR" sz="1600" dirty="0">
+                <a:latin typeface="Consolas"/>
+                <a:cs typeface="Consolas"/>
+              </a:rPr>
+              <a:t>: </a:t>
+            </a:r>
+            <a:r>
+              <a:rPr lang="fr-FR" sz="1600" dirty="0" smtClean="0">
+                <a:latin typeface="Consolas"/>
+                <a:cs typeface="Consolas"/>
+              </a:rPr>
+              <a:t>[</a:t>
+            </a:r>
+            <a:r>
+              <a:rPr lang="zh-CN" altLang="en-US" sz="1600" dirty="0" smtClean="0">
+                <a:latin typeface="Consolas"/>
+                <a:cs typeface="Consolas"/>
+              </a:rPr>
+              <a:t> </a:t>
+            </a:r>
+            <a:r>
+              <a:rPr lang="fr-FR" sz="1600" dirty="0" smtClean="0">
+                <a:latin typeface="Consolas"/>
+                <a:cs typeface="Consolas"/>
+              </a:rPr>
+              <a:t>1388.28,</a:t>
+            </a:r>
+            <a:r>
+              <a:rPr lang="zh-CN" altLang="en-US" sz="1600" dirty="0" smtClean="0">
+                <a:latin typeface="Consolas"/>
+                <a:cs typeface="Consolas"/>
+              </a:rPr>
+              <a:t> </a:t>
+            </a:r>
+            <a:r>
+              <a:rPr lang="fr-FR" sz="1600" dirty="0" smtClean="0">
+                <a:latin typeface="Consolas"/>
+                <a:cs typeface="Consolas"/>
+              </a:rPr>
+              <a:t>-3626.33,</a:t>
+            </a:r>
+            <a:r>
+              <a:rPr lang="zh-CN" altLang="en-US" sz="1600" dirty="0" smtClean="0">
+                <a:latin typeface="Consolas"/>
+                <a:cs typeface="Consolas"/>
+              </a:rPr>
+              <a:t> </a:t>
+            </a:r>
+            <a:r>
+              <a:rPr lang="fr-FR" sz="1600" dirty="0" smtClean="0">
+                <a:latin typeface="Consolas"/>
+                <a:cs typeface="Consolas"/>
+              </a:rPr>
+              <a:t>261.11]</a:t>
+            </a:r>
+            <a:r>
+              <a:rPr lang="fr-FR" sz="1600" dirty="0">
+                <a:latin typeface="Consolas"/>
+                <a:cs typeface="Consolas"/>
+              </a:rPr>
+              <a:t>,</a:t>
+            </a:r>
+          </a:p>
+          <a:p>
+            <a:pPr algn="l"/>
+            <a:r>
+              <a:rPr lang="fr-FR" sz="1600" dirty="0">
+                <a:latin typeface="Consolas"/>
+                <a:cs typeface="Consolas"/>
+              </a:rPr>
+              <a:t>        </a:t>
+            </a:r>
+            <a:r>
+              <a:rPr lang="fr-FR" sz="1600" dirty="0" smtClean="0">
+                <a:latin typeface="Consolas"/>
+                <a:cs typeface="Consolas"/>
+              </a:rPr>
+              <a:t>“</a:t>
+            </a:r>
+            <a:r>
+              <a:rPr lang="fr-FR" sz="1600" dirty="0" err="1" smtClean="0">
+                <a:latin typeface="Consolas"/>
+                <a:cs typeface="Consolas"/>
+              </a:rPr>
+              <a:t>xaxis</a:t>
+            </a:r>
+            <a:r>
+              <a:rPr lang="fr-FR" sz="1600" dirty="0" smtClean="0">
+                <a:latin typeface="Consolas"/>
+                <a:cs typeface="Consolas"/>
+              </a:rPr>
+              <a:t>” </a:t>
+            </a:r>
+            <a:r>
+              <a:rPr lang="zh-CN" altLang="en-US" sz="1600" dirty="0" smtClean="0">
+                <a:latin typeface="Consolas"/>
+                <a:cs typeface="Consolas"/>
+              </a:rPr>
+              <a:t> </a:t>
+            </a:r>
+            <a:r>
+              <a:rPr lang="fr-FR" sz="1600" dirty="0" smtClean="0">
+                <a:latin typeface="Consolas"/>
+                <a:cs typeface="Consolas"/>
+              </a:rPr>
+              <a:t>: </a:t>
+            </a:r>
+            <a:r>
+              <a:rPr lang="fr-FR" sz="1600" dirty="0">
+                <a:latin typeface="Consolas"/>
+                <a:cs typeface="Consolas"/>
+              </a:rPr>
+              <a:t>[ </a:t>
+            </a:r>
+            <a:r>
+              <a:rPr lang="fr-FR" sz="1600" dirty="0" smtClean="0">
+                <a:latin typeface="Consolas"/>
+                <a:cs typeface="Consolas"/>
+              </a:rPr>
+              <a:t>1.0, 0.0,</a:t>
+            </a:r>
+            <a:r>
+              <a:rPr lang="zh-CN" altLang="en-US" sz="1600" dirty="0" smtClean="0">
+                <a:latin typeface="Consolas"/>
+                <a:cs typeface="Consolas"/>
+              </a:rPr>
+              <a:t> </a:t>
+            </a:r>
+            <a:r>
+              <a:rPr lang="fr-FR" sz="1600" dirty="0" smtClean="0">
+                <a:latin typeface="Consolas"/>
+                <a:cs typeface="Consolas"/>
+              </a:rPr>
+              <a:t>0.0</a:t>
+            </a:r>
+            <a:r>
+              <a:rPr lang="fr-FR" sz="1600" dirty="0">
+                <a:latin typeface="Consolas"/>
+                <a:cs typeface="Consolas"/>
+              </a:rPr>
+              <a:t>],</a:t>
+            </a:r>
+          </a:p>
+          <a:p>
+            <a:pPr algn="l"/>
+            <a:r>
+              <a:rPr lang="fr-FR" sz="1600" dirty="0">
+                <a:latin typeface="Consolas"/>
+                <a:cs typeface="Consolas"/>
+              </a:rPr>
+              <a:t>        </a:t>
+            </a:r>
+            <a:r>
+              <a:rPr lang="fr-FR" sz="1600" dirty="0" smtClean="0">
+                <a:latin typeface="Consolas"/>
+                <a:cs typeface="Consolas"/>
+              </a:rPr>
+              <a:t>“</a:t>
+            </a:r>
+            <a:r>
+              <a:rPr lang="fr-FR" sz="1600" dirty="0" err="1" smtClean="0">
+                <a:latin typeface="Consolas"/>
+                <a:cs typeface="Consolas"/>
+              </a:rPr>
+              <a:t>yaxis</a:t>
+            </a:r>
+            <a:r>
+              <a:rPr lang="fr-FR" sz="1600" dirty="0" smtClean="0">
+                <a:latin typeface="Consolas"/>
+                <a:cs typeface="Consolas"/>
+              </a:rPr>
+              <a:t>” </a:t>
+            </a:r>
+            <a:r>
+              <a:rPr lang="zh-CN" altLang="en-US" sz="1600" dirty="0" smtClean="0">
+                <a:latin typeface="Consolas"/>
+                <a:cs typeface="Consolas"/>
+              </a:rPr>
+              <a:t> </a:t>
+            </a:r>
+            <a:r>
+              <a:rPr lang="fr-FR" sz="1600" dirty="0" smtClean="0">
+                <a:latin typeface="Consolas"/>
+                <a:cs typeface="Consolas"/>
+              </a:rPr>
+              <a:t>: [ 0.0,</a:t>
+            </a:r>
+            <a:r>
+              <a:rPr lang="zh-CN" altLang="en-US" sz="1600" dirty="0" smtClean="0">
+                <a:latin typeface="Consolas"/>
+                <a:cs typeface="Consolas"/>
+              </a:rPr>
+              <a:t> </a:t>
+            </a:r>
+            <a:r>
+              <a:rPr lang="fr-FR" sz="1600" dirty="0" smtClean="0">
+                <a:latin typeface="Consolas"/>
+                <a:cs typeface="Consolas"/>
+              </a:rPr>
+              <a:t>1.0,0.0</a:t>
+            </a:r>
+            <a:r>
+              <a:rPr lang="fr-FR" sz="1600" dirty="0">
+                <a:latin typeface="Consolas"/>
+                <a:cs typeface="Consolas"/>
+              </a:rPr>
+              <a:t>]}}]}</a:t>
+            </a:r>
+            <a:endParaRPr lang="en-US" sz="1600" dirty="0">
+              <a:latin typeface="Consolas"/>
+              <a:cs typeface="Consolas"/>
+            </a:endParaRPr>
+          </a:p>
+        </p:txBody>
+      </p:sp>
+    </p:spTree>
+    <p:extLst>
+      <p:ext uri="{BB962C8B-B14F-4D97-AF65-F5344CB8AC3E}">
+        <p14:creationId xmlns:p14="http://schemas.microsoft.com/office/powerpoint/2010/main" val="1793386994"/>
+      </p:ext>
+    </p:extLst>
+  </p:cSld>
+  <p:clrMapOvr>
+    <a:masterClrMapping/>
+  </p:clrMapOvr>
+  <p:transition xmlns:p14="http://schemas.microsoft.com/office/powerpoint/2010/main" spd="med"/>
+  <p:timing>
+    <p:tnLst>
+      <p:par>
+        <p:cTn xmlns:p14="http://schemas.microsoft.com/office/powerpoint/2010/main" id="1" dur="indefinite" restart="never" nodeType="tmRoot"/>
+      </p:par>
+    </p:tnLst>
+  </p:timing>
+</p:sld>
+</file>
+
+<file path=ppt/slides/slide8.xml><?xml version="1.0" encoding="utf-8"?>
 <p:sld xmlns:a="http://schemas.openxmlformats.org/drawingml/2006/main" xmlns:r="http://schemas.openxmlformats.org/officeDocument/2006/relationships" xmlns:p="http://schemas.openxmlformats.org/presentationml/2006/main">
   <p:cSld>
     <p:spTree>
@@ -3319,7 +7228,7 @@
           <p:nvPr/>
         </p:nvPicPr>
         <p:blipFill>
-          <a:blip r:embed="rId2">
+          <a:blip r:embed="rId3">
             <a:extLst/>
           </a:blip>
           <a:stretch>
@@ -3367,35 +7276,21 @@
             <a:prstGeom prst="rect">
               <a:avLst/>
             </a:prstGeom>
-            <a:solidFill>
-              <a:schemeClr val="bg1">
-                <a:lumMod val="50000"/>
-                <a:alpha val="58000"/>
-              </a:schemeClr>
-            </a:solidFill>
-            <a:ln w="12700" cap="flat">
-              <a:noFill/>
-              <a:miter lim="400000"/>
-            </a:ln>
-            <a:effectLst>
-              <a:outerShdw blurRad="38100" dist="25400" dir="5400000" rotWithShape="0">
-                <a:srgbClr val="000000">
-                  <a:alpha val="50000"/>
-                </a:srgbClr>
-              </a:outerShdw>
-            </a:effectLst>
+            <a:ln/>
           </p:spPr>
           <p:style>
-            <a:lnRef idx="0">
-              <a:scrgbClr r="0" g="0" b="0"/>
+            <a:lnRef idx="2">
+              <a:schemeClr val="accent2"/>
             </a:lnRef>
-            <a:fillRef idx="0">
-              <a:scrgbClr r="0" g="0" b="0"/>
+            <a:fillRef idx="1">
+              <a:schemeClr val="lt1"/>
             </a:fillRef>
             <a:effectRef idx="0">
-              <a:scrgbClr r="0" g="0" b="0"/>
+              <a:schemeClr val="accent2"/>
             </a:effectRef>
-            <a:fontRef idx="none"/>
+            <a:fontRef idx="minor">
+              <a:schemeClr val="dk1"/>
+            </a:fontRef>
           </p:style>
           <p:txBody>
             <a:bodyPr rot="0" spcFirstLastPara="1" vertOverflow="overflow" horzOverflow="overflow" vert="horz" wrap="square" lIns="50800" tIns="50800" rIns="50800" bIns="50800" numCol="1" spcCol="38100" rtlCol="0" anchor="ctr">
@@ -3506,7 +7401,7 @@
 </p:sld>
 </file>
 
-<file path=ppt/slides/slide4.xml><?xml version="1.0" encoding="utf-8"?>
+<file path=ppt/slides/slide9.xml><?xml version="1.0" encoding="utf-8"?>
 <p:sld xmlns:a="http://schemas.openxmlformats.org/drawingml/2006/main" xmlns:r="http://schemas.openxmlformats.org/officeDocument/2006/relationships" xmlns:p="http://schemas.openxmlformats.org/presentationml/2006/main">
   <p:cSld>
     <p:spTree>
@@ -3578,35 +7473,21 @@
             <a:prstGeom prst="rect">
               <a:avLst/>
             </a:prstGeom>
-            <a:solidFill>
-              <a:schemeClr val="bg1">
-                <a:lumMod val="50000"/>
-                <a:alpha val="58000"/>
-              </a:schemeClr>
-            </a:solidFill>
-            <a:ln w="12700" cap="flat">
-              <a:noFill/>
-              <a:miter lim="400000"/>
-            </a:ln>
-            <a:effectLst>
-              <a:outerShdw blurRad="38100" dist="25400" dir="5400000" rotWithShape="0">
-                <a:srgbClr val="000000">
-                  <a:alpha val="50000"/>
-                </a:srgbClr>
-              </a:outerShdw>
-            </a:effectLst>
+            <a:ln/>
           </p:spPr>
           <p:style>
-            <a:lnRef idx="0">
-              <a:scrgbClr r="0" g="0" b="0"/>
+            <a:lnRef idx="2">
+              <a:schemeClr val="accent1"/>
             </a:lnRef>
-            <a:fillRef idx="0">
-              <a:scrgbClr r="0" g="0" b="0"/>
+            <a:fillRef idx="1">
+              <a:schemeClr val="lt1"/>
             </a:fillRef>
             <a:effectRef idx="0">
-              <a:scrgbClr r="0" g="0" b="0"/>
+              <a:schemeClr val="accent1"/>
             </a:effectRef>
-            <a:fontRef idx="none"/>
+            <a:fontRef idx="minor">
+              <a:schemeClr val="dk1"/>
+            </a:fontRef>
           </p:style>
           <p:txBody>
             <a:bodyPr rot="0" spcFirstLastPara="1" vertOverflow="overflow" horzOverflow="overflow" vert="horz" wrap="square" lIns="50800" tIns="50800" rIns="50800" bIns="50800" numCol="1" spcCol="38100" rtlCol="0" anchor="ctr">
@@ -3683,321 +7564,6 @@
           </p:txBody>
         </p:sp>
       </p:grpSp>
-    </p:spTree>
-  </p:cSld>
-  <p:clrMapOvr>
-    <a:masterClrMapping/>
-  </p:clrMapOvr>
-  <p:transition xmlns:p14="http://schemas.microsoft.com/office/powerpoint/2010/main" spd="med"/>
-  <p:timing>
-    <p:tnLst>
-      <p:par>
-        <p:cTn xmlns:p14="http://schemas.microsoft.com/office/powerpoint/2010/main" id="1" dur="indefinite" restart="never" nodeType="tmRoot"/>
-      </p:par>
-    </p:tnLst>
-  </p:timing>
-</p:sld>
-</file>
-
-<file path=ppt/slides/slide5.xml><?xml version="1.0" encoding="utf-8"?>
-<p:sld xmlns:a="http://schemas.openxmlformats.org/drawingml/2006/main" xmlns:r="http://schemas.openxmlformats.org/officeDocument/2006/relationships" xmlns:p="http://schemas.openxmlformats.org/presentationml/2006/main">
-  <p:cSld>
-    <p:spTree>
-      <p:nvGrpSpPr>
-        <p:cNvPr id="1" name=""/>
-        <p:cNvGrpSpPr/>
-        <p:nvPr/>
-      </p:nvGrpSpPr>
-      <p:grpSpPr>
-        <a:xfrm>
-          <a:off x="0" y="0"/>
-          <a:ext cx="0" cy="0"/>
-          <a:chOff x="0" y="0"/>
-          <a:chExt cx="0" cy="0"/>
-        </a:xfrm>
-      </p:grpSpPr>
-      <p:sp>
-        <p:nvSpPr>
-          <p:cNvPr id="64" name="Shape 64"/>
-          <p:cNvSpPr>
-            <a:spLocks noGrp="1"/>
-          </p:cNvSpPr>
-          <p:nvPr>
-            <p:ph type="title"/>
-          </p:nvPr>
-        </p:nvSpPr>
-        <p:spPr>
-          <a:xfrm>
-            <a:off x="952500" y="444500"/>
-            <a:ext cx="8453967" cy="2159000"/>
-          </a:xfrm>
-          <a:prstGeom prst="rect">
-            <a:avLst/>
-          </a:prstGeom>
-        </p:spPr>
-        <p:txBody>
-          <a:bodyPr/>
-          <a:lstStyle/>
-          <a:p>
-            <a:pPr lvl="0">
-              <a:defRPr sz="1800"/>
-            </a:pPr>
-            <a:r>
-              <a:rPr sz="8000"/>
-              <a:t>JSON</a:t>
-            </a:r>
-          </a:p>
-        </p:txBody>
-      </p:sp>
-      <p:sp>
-        <p:nvSpPr>
-          <p:cNvPr id="65" name="Shape 65"/>
-          <p:cNvSpPr>
-            <a:spLocks noGrp="1"/>
-          </p:cNvSpPr>
-          <p:nvPr>
-            <p:ph type="body" idx="1"/>
-          </p:nvPr>
-        </p:nvSpPr>
-        <p:spPr>
-          <a:xfrm>
-            <a:off x="952500" y="2603500"/>
-            <a:ext cx="9690100" cy="6286500"/>
-          </a:xfrm>
-          <a:prstGeom prst="rect">
-            <a:avLst/>
-          </a:prstGeom>
-        </p:spPr>
-        <p:txBody>
-          <a:bodyPr/>
-          <a:lstStyle/>
-          <a:p>
-            <a:pPr marL="280034" lvl="0" indent="-280034" defTabSz="368045">
-              <a:spcBef>
-                <a:spcPts val="2600"/>
-              </a:spcBef>
-              <a:defRPr sz="1800"/>
-            </a:pPr>
-            <a:r>
-              <a:rPr sz="2268"/>
-              <a:t>XML vs. JSON vs. YAML</a:t>
-            </a:r>
-          </a:p>
-          <a:p>
-            <a:pPr marL="280034" lvl="0" indent="-280034" defTabSz="368045">
-              <a:spcBef>
-                <a:spcPts val="2600"/>
-              </a:spcBef>
-              <a:defRPr sz="1800"/>
-            </a:pPr>
-            <a:r>
-              <a:rPr sz="2268"/>
-              <a:t>JSON (JavaScript Object Notation) is a lightweight data-interchange format. </a:t>
-            </a:r>
-          </a:p>
-          <a:p>
-            <a:pPr marL="280034" lvl="0" indent="-280034" defTabSz="368045">
-              <a:spcBef>
-                <a:spcPts val="2600"/>
-              </a:spcBef>
-              <a:defRPr sz="1800"/>
-            </a:pPr>
-            <a:r>
-              <a:rPr sz="2268"/>
-              <a:t>It is easy for humans to read and write. It is easy for machines to parse and generate. </a:t>
-            </a:r>
-          </a:p>
-          <a:p>
-            <a:pPr marL="280034" lvl="0" indent="-280034" defTabSz="368045">
-              <a:spcBef>
-                <a:spcPts val="2600"/>
-              </a:spcBef>
-              <a:defRPr sz="1800"/>
-            </a:pPr>
-            <a:r>
-              <a:rPr sz="2268"/>
-              <a:t>JSON is built on two structures:</a:t>
-            </a:r>
-          </a:p>
-          <a:p>
-            <a:pPr marL="560069" lvl="1" indent="-280034" defTabSz="368045">
-              <a:spcBef>
-                <a:spcPts val="2600"/>
-              </a:spcBef>
-              <a:buChar char="-"/>
-              <a:defRPr sz="1800"/>
-            </a:pPr>
-            <a:r>
-              <a:rPr sz="2268"/>
-              <a:t>A collection of name/value pairs. In various languages, this is realized as an object, record, struct, dictionary, hash table, keyed list, or associative array.</a:t>
-            </a:r>
-          </a:p>
-          <a:p>
-            <a:pPr marL="560069" lvl="1" indent="-280034" defTabSz="368045">
-              <a:spcBef>
-                <a:spcPts val="2600"/>
-              </a:spcBef>
-              <a:buChar char="-"/>
-              <a:defRPr sz="1800"/>
-            </a:pPr>
-            <a:r>
-              <a:rPr sz="2268"/>
-              <a:t>An ordered list of values. In most languages, this is realized as an array, vector, list, or sequence.</a:t>
-            </a:r>
-          </a:p>
-          <a:p>
-            <a:pPr marL="280034" lvl="0" indent="-280034" defTabSz="368045">
-              <a:spcBef>
-                <a:spcPts val="2600"/>
-              </a:spcBef>
-              <a:defRPr sz="1800"/>
-            </a:pPr>
-            <a:r>
-              <a:rPr sz="2268"/>
-              <a:t>C, C++, C#, Java, JavaScript, Perl, Python, Ruby, Matlab</a:t>
-            </a:r>
-          </a:p>
-        </p:txBody>
-      </p:sp>
-      <p:pic>
-        <p:nvPicPr>
-          <p:cNvPr id="66" name="pasted-image-filtered.jpeg"/>
-          <p:cNvPicPr/>
-          <p:nvPr/>
-        </p:nvPicPr>
-        <p:blipFill>
-          <a:blip r:embed="rId2">
-            <a:extLst/>
-          </a:blip>
-          <a:srcRect/>
-          <a:stretch>
-            <a:fillRect/>
-          </a:stretch>
-        </p:blipFill>
-        <p:spPr>
-          <a:xfrm>
-            <a:off x="10775950" y="3257550"/>
-            <a:ext cx="2222500" cy="4978400"/>
-          </a:xfrm>
-          <a:prstGeom prst="rect">
-            <a:avLst/>
-          </a:prstGeom>
-          <a:ln w="12700">
-            <a:miter lim="400000"/>
-          </a:ln>
-        </p:spPr>
-      </p:pic>
-      <p:pic>
-        <p:nvPicPr>
-          <p:cNvPr id="67" name="pasted-image.png"/>
-          <p:cNvPicPr/>
-          <p:nvPr/>
-        </p:nvPicPr>
-        <p:blipFill>
-          <a:blip r:embed="rId3">
-            <a:extLst/>
-          </a:blip>
-          <a:stretch>
-            <a:fillRect/>
-          </a:stretch>
-        </p:blipFill>
-        <p:spPr>
-          <a:xfrm>
-            <a:off x="11021669" y="718701"/>
-            <a:ext cx="1136464" cy="1136465"/>
-          </a:xfrm>
-          <a:prstGeom prst="rect">
-            <a:avLst/>
-          </a:prstGeom>
-          <a:ln w="12700">
-            <a:miter lim="400000"/>
-          </a:ln>
-        </p:spPr>
-      </p:pic>
-      <p:sp>
-        <p:nvSpPr>
-          <p:cNvPr id="68" name="Shape 68"/>
-          <p:cNvSpPr/>
-          <p:nvPr/>
-        </p:nvSpPr>
-        <p:spPr>
-          <a:xfrm>
-            <a:off x="11175034" y="9235016"/>
-            <a:ext cx="1424332" cy="342901"/>
-          </a:xfrm>
-          <a:prstGeom prst="rect">
-            <a:avLst/>
-          </a:prstGeom>
-          <a:ln w="12700">
-            <a:miter lim="400000"/>
-          </a:ln>
-          <a:extLst>
-            <a:ext uri="{C572A759-6A51-4108-AA02-DFA0A04FC94B}">
-              <ma14:wrappingTextBoxFlag xmlns:ma14="http://schemas.microsoft.com/office/mac/drawingml/2011/main" val="1"/>
-            </a:ext>
-          </a:extLst>
-        </p:spPr>
-        <p:txBody>
-          <a:bodyPr wrap="none" lIns="50800" tIns="50800" rIns="50800" bIns="50800" anchor="ctr">
-            <a:spAutoFit/>
-          </a:bodyPr>
-          <a:lstStyle>
-            <a:lvl1pPr>
-              <a:defRPr sz="1600"/>
-            </a:lvl1pPr>
-          </a:lstStyle>
-          <a:p>
-            <a:pPr lvl="0">
-              <a:defRPr sz="1800"/>
-            </a:pPr>
-            <a:r>
-              <a:rPr sz="1600"/>
-              <a:t>http://json.org/</a:t>
-            </a:r>
-          </a:p>
-        </p:txBody>
-      </p:sp>
-      <p:sp>
-        <p:nvSpPr>
-          <p:cNvPr id="69" name="Shape 69"/>
-          <p:cNvSpPr/>
-          <p:nvPr/>
-        </p:nvSpPr>
-        <p:spPr>
-          <a:xfrm>
-            <a:off x="10608733" y="-347134"/>
-            <a:ext cx="2362201" cy="10652060"/>
-          </a:xfrm>
-          <a:prstGeom prst="rect">
-            <a:avLst/>
-          </a:prstGeom>
-          <a:ln w="63500">
-            <a:solidFill/>
-            <a:miter lim="400000"/>
-          </a:ln>
-          <a:effectLst>
-            <a:outerShdw blurRad="38100" dist="25400" dir="5400000" rotWithShape="0">
-              <a:srgbClr val="000000">
-                <a:alpha val="50000"/>
-              </a:srgbClr>
-            </a:outerShdw>
-          </a:effectLst>
-        </p:spPr>
-        <p:txBody>
-          <a:bodyPr lIns="0" tIns="0" rIns="0" bIns="0" anchor="ctr"/>
-          <a:lstStyle/>
-          <a:p>
-            <a:pPr lvl="0">
-              <a:defRPr sz="2400">
-                <a:solidFill>
-                  <a:srgbClr val="FFFFFF"/>
-                </a:solidFill>
-              </a:defRPr>
-            </a:pPr>
-            <a:endParaRPr/>
-          </a:p>
-        </p:txBody>
-      </p:sp>
     </p:spTree>
   </p:cSld>
   <p:clrMapOvr>
